--- a/3_langgraph/03-LangGraph.pptx
+++ b/3_langgraph/03-LangGraph.pptx
@@ -24,15 +24,17 @@
     <p:sldId id="258" r:id="rId18"/>
     <p:sldId id="714" r:id="rId19"/>
     <p:sldId id="715" r:id="rId20"/>
-    <p:sldId id="712" r:id="rId21"/>
-    <p:sldId id="713" r:id="rId22"/>
-    <p:sldId id="695" r:id="rId23"/>
-    <p:sldId id="605" r:id="rId24"/>
-    <p:sldId id="697" r:id="rId25"/>
-    <p:sldId id="698" r:id="rId26"/>
-    <p:sldId id="607" r:id="rId27"/>
-    <p:sldId id="609" r:id="rId28"/>
-    <p:sldId id="610" r:id="rId29"/>
+    <p:sldId id="777" r:id="rId21"/>
+    <p:sldId id="778" r:id="rId22"/>
+    <p:sldId id="779" r:id="rId23"/>
+    <p:sldId id="695" r:id="rId24"/>
+    <p:sldId id="605" r:id="rId25"/>
+    <p:sldId id="697" r:id="rId26"/>
+    <p:sldId id="698" r:id="rId27"/>
+    <p:sldId id="607" r:id="rId28"/>
+    <p:sldId id="609" r:id="rId29"/>
+    <p:sldId id="610" r:id="rId30"/>
+    <p:sldId id="780" r:id="rId31"/>
   </p:sldIdLst>
   <p:sldSz cx="12192000" cy="6858000"/>
   <p:notesSz cx="6858000" cy="9144000"/>
@@ -288,7 +290,7 @@
           <a:p>
             <a:fld id="{A8B5E443-610D-42A0-9868-A4C7882CB108}" type="datetimeFigureOut">
               <a:rPr lang="en-GB" smtClean="0"/>
-              <a:t>22/11/2025</a:t>
+              <a:t>23/11/2025</a:t>
             </a:fld>
             <a:endParaRPr lang="en-GB"/>
           </a:p>
@@ -488,7 +490,7 @@
           <a:p>
             <a:fld id="{A8B5E443-610D-42A0-9868-A4C7882CB108}" type="datetimeFigureOut">
               <a:rPr lang="en-GB" smtClean="0"/>
-              <a:t>22/11/2025</a:t>
+              <a:t>23/11/2025</a:t>
             </a:fld>
             <a:endParaRPr lang="en-GB"/>
           </a:p>
@@ -698,7 +700,7 @@
           <a:p>
             <a:fld id="{A8B5E443-610D-42A0-9868-A4C7882CB108}" type="datetimeFigureOut">
               <a:rPr lang="en-GB" smtClean="0"/>
-              <a:t>22/11/2025</a:t>
+              <a:t>23/11/2025</a:t>
             </a:fld>
             <a:endParaRPr lang="en-GB"/>
           </a:p>
@@ -898,7 +900,7 @@
           <a:p>
             <a:fld id="{A8B5E443-610D-42A0-9868-A4C7882CB108}" type="datetimeFigureOut">
               <a:rPr lang="en-GB" smtClean="0"/>
-              <a:t>22/11/2025</a:t>
+              <a:t>23/11/2025</a:t>
             </a:fld>
             <a:endParaRPr lang="en-GB"/>
           </a:p>
@@ -1174,7 +1176,7 @@
           <a:p>
             <a:fld id="{A8B5E443-610D-42A0-9868-A4C7882CB108}" type="datetimeFigureOut">
               <a:rPr lang="en-GB" smtClean="0"/>
-              <a:t>22/11/2025</a:t>
+              <a:t>23/11/2025</a:t>
             </a:fld>
             <a:endParaRPr lang="en-GB"/>
           </a:p>
@@ -1442,7 +1444,7 @@
           <a:p>
             <a:fld id="{A8B5E443-610D-42A0-9868-A4C7882CB108}" type="datetimeFigureOut">
               <a:rPr lang="en-GB" smtClean="0"/>
-              <a:t>22/11/2025</a:t>
+              <a:t>23/11/2025</a:t>
             </a:fld>
             <a:endParaRPr lang="en-GB"/>
           </a:p>
@@ -1857,7 +1859,7 @@
           <a:p>
             <a:fld id="{A8B5E443-610D-42A0-9868-A4C7882CB108}" type="datetimeFigureOut">
               <a:rPr lang="en-GB" smtClean="0"/>
-              <a:t>22/11/2025</a:t>
+              <a:t>23/11/2025</a:t>
             </a:fld>
             <a:endParaRPr lang="en-GB"/>
           </a:p>
@@ -1999,7 +2001,7 @@
           <a:p>
             <a:fld id="{A8B5E443-610D-42A0-9868-A4C7882CB108}" type="datetimeFigureOut">
               <a:rPr lang="en-GB" smtClean="0"/>
-              <a:t>22/11/2025</a:t>
+              <a:t>23/11/2025</a:t>
             </a:fld>
             <a:endParaRPr lang="en-GB"/>
           </a:p>
@@ -2112,7 +2114,7 @@
           <a:p>
             <a:fld id="{A8B5E443-610D-42A0-9868-A4C7882CB108}" type="datetimeFigureOut">
               <a:rPr lang="en-GB" smtClean="0"/>
-              <a:t>22/11/2025</a:t>
+              <a:t>23/11/2025</a:t>
             </a:fld>
             <a:endParaRPr lang="en-GB"/>
           </a:p>
@@ -2425,7 +2427,7 @@
           <a:p>
             <a:fld id="{A8B5E443-610D-42A0-9868-A4C7882CB108}" type="datetimeFigureOut">
               <a:rPr lang="en-GB" smtClean="0"/>
-              <a:t>22/11/2025</a:t>
+              <a:t>23/11/2025</a:t>
             </a:fld>
             <a:endParaRPr lang="en-GB"/>
           </a:p>
@@ -2714,7 +2716,7 @@
           <a:p>
             <a:fld id="{A8B5E443-610D-42A0-9868-A4C7882CB108}" type="datetimeFigureOut">
               <a:rPr lang="en-GB" smtClean="0"/>
-              <a:t>22/11/2025</a:t>
+              <a:t>23/11/2025</a:t>
             </a:fld>
             <a:endParaRPr lang="en-GB"/>
           </a:p>
@@ -2957,7 +2959,7 @@
           <a:p>
             <a:fld id="{A8B5E443-610D-42A0-9868-A4C7882CB108}" type="datetimeFigureOut">
               <a:rPr lang="en-GB" smtClean="0"/>
-              <a:t>22/11/2025</a:t>
+              <a:t>23/11/2025</a:t>
             </a:fld>
             <a:endParaRPr lang="en-GB"/>
           </a:p>
@@ -7403,8 +7405,13 @@
                       </a:pPr>
                       <a:r>
                         <a:rPr lang="en-IN" sz="1800" noProof="0" dirty="0"/>
-                        <a:t>3_2_langgraph_news_summarize.py (3_2_1 is its Ollama version)</a:t>
-                      </a:r>
+                        <a:t>3_2_langgraph_news_summarize.py (3_2_1 is its </a:t>
+                      </a:r>
+                      <a:r>
+                        <a:rPr lang="en-IN" sz="1800" noProof="0"/>
+                        <a:t>Ollama version)</a:t>
+                      </a:r>
+                      <a:endParaRPr lang="en-IN" sz="1800" noProof="0" dirty="0"/>
                     </a:p>
                   </a:txBody>
                   <a:tcPr anchor="ctr"/>
@@ -18460,7 +18467,7 @@
           <p:cNvPr id="2" name="Title 1">
             <a:extLst>
               <a:ext uri="{FF2B5EF4-FFF2-40B4-BE49-F238E27FC236}">
-                <a16:creationId xmlns:a16="http://schemas.microsoft.com/office/drawing/2014/main" id="{450CCFA8-ABB8-16CB-08F7-BC4AE41751B2}"/>
+                <a16:creationId xmlns:a16="http://schemas.microsoft.com/office/drawing/2014/main" id="{F72ADBCD-02A3-1FCE-08FB-790FBE92528F}"/>
               </a:ext>
             </a:extLst>
           </p:cNvPr>
@@ -18471,29 +18478,32 @@
             <p:ph type="title"/>
           </p:nvPr>
         </p:nvSpPr>
-        <p:spPr/>
+        <p:spPr>
+          <a:xfrm>
+            <a:off x="838200" y="1"/>
+            <a:ext cx="10515600" cy="746876"/>
+          </a:xfrm>
+        </p:spPr>
         <p:txBody>
-          <a:bodyPr/>
+          <a:bodyPr>
+            <a:normAutofit/>
+          </a:bodyPr>
           <a:lstStyle/>
           <a:p>
             <a:r>
-              <a:rPr lang="en-IN" noProof="0" dirty="0"/>
-              <a:t>Embedding and Storage in </a:t>
-            </a:r>
-            <a:r>
-              <a:rPr lang="en-IN" noProof="0" dirty="0" err="1"/>
-              <a:t>ChromaDB</a:t>
-            </a:r>
-            <a:endParaRPr lang="en-IN" noProof="0" dirty="0"/>
+              <a:rPr lang="en-IN" dirty="0"/>
+              <a:t>Sample Record Storage</a:t>
+            </a:r>
+            <a:endParaRPr lang="en-GB" dirty="0"/>
           </a:p>
         </p:txBody>
       </p:sp>
       <p:graphicFrame>
         <p:nvGraphicFramePr>
-          <p:cNvPr id="4" name="Content Placeholder 3">
+          <p:cNvPr id="8" name="Content Placeholder 7">
             <a:extLst>
               <a:ext uri="{FF2B5EF4-FFF2-40B4-BE49-F238E27FC236}">
-                <a16:creationId xmlns:a16="http://schemas.microsoft.com/office/drawing/2014/main" id="{C409F660-960F-05B6-60D5-52103A33A50B}"/>
+                <a16:creationId xmlns:a16="http://schemas.microsoft.com/office/drawing/2014/main" id="{B96D9C45-01DC-98CE-8FF5-0199E5679AE2}"/>
               </a:ext>
             </a:extLst>
           </p:cNvPr>
@@ -18505,67 +18515,46 @@
           </p:nvPr>
         </p:nvGraphicFramePr>
         <p:xfrm>
-          <a:off x="368785" y="1392855"/>
-          <a:ext cx="11454430" cy="5213181"/>
+          <a:off x="558994" y="1243086"/>
+          <a:ext cx="5122850" cy="2468880"/>
         </p:xfrm>
         <a:graphic>
           <a:graphicData uri="http://schemas.openxmlformats.org/drawingml/2006/table">
             <a:tbl>
               <a:tblPr/>
               <a:tblGrid>
-                <a:gridCol w="383908">
+                <a:gridCol w="1185277">
                   <a:extLst>
                     <a:ext uri="{9D8B030D-6E8A-4147-A177-3AD203B41FA5}">
-                      <a16:colId xmlns:a16="http://schemas.microsoft.com/office/drawing/2014/main" val="858010430"/>
+                      <a16:colId xmlns:a16="http://schemas.microsoft.com/office/drawing/2014/main" val="3965612378"/>
                     </a:ext>
                   </a:extLst>
                 </a:gridCol>
-                <a:gridCol w="1710137">
+                <a:gridCol w="3937573">
                   <a:extLst>
                     <a:ext uri="{9D8B030D-6E8A-4147-A177-3AD203B41FA5}">
-                      <a16:colId xmlns:a16="http://schemas.microsoft.com/office/drawing/2014/main" val="4007547208"/>
-                    </a:ext>
-                  </a:extLst>
-                </a:gridCol>
-                <a:gridCol w="3078247">
-                  <a:extLst>
-                    <a:ext uri="{9D8B030D-6E8A-4147-A177-3AD203B41FA5}">
-                      <a16:colId xmlns:a16="http://schemas.microsoft.com/office/drawing/2014/main" val="2613465095"/>
-                    </a:ext>
-                  </a:extLst>
-                </a:gridCol>
-                <a:gridCol w="3057307">
-                  <a:extLst>
-                    <a:ext uri="{9D8B030D-6E8A-4147-A177-3AD203B41FA5}">
-                      <a16:colId xmlns:a16="http://schemas.microsoft.com/office/drawing/2014/main" val="3451700151"/>
-                    </a:ext>
-                  </a:extLst>
-                </a:gridCol>
-                <a:gridCol w="3224831">
-                  <a:extLst>
-                    <a:ext uri="{9D8B030D-6E8A-4147-A177-3AD203B41FA5}">
-                      <a16:colId xmlns:a16="http://schemas.microsoft.com/office/drawing/2014/main" val="3570506273"/>
+                      <a16:colId xmlns:a16="http://schemas.microsoft.com/office/drawing/2014/main" val="3027613301"/>
                     </a:ext>
                   </a:extLst>
                 </a:gridCol>
               </a:tblGrid>
-              <a:tr h="229018">
-                <a:tc>
-                  <a:txBody>
-                    <a:bodyPr/>
-                    <a:lstStyle/>
-                    <a:p>
-                      <a:pPr>
-                        <a:buNone/>
-                      </a:pPr>
-                      <a:r>
-                        <a:rPr lang="en-IN" sz="1400" b="1" noProof="0" dirty="0"/>
-                        <a:t>Step</a:t>
-                      </a:r>
-                      <a:endParaRPr lang="en-IN" sz="1400" noProof="0" dirty="0"/>
-                    </a:p>
-                  </a:txBody>
-                  <a:tcPr marL="32717" marR="32717" marT="16358" marB="16358" anchor="ctr">
+              <a:tr h="203830">
+                <a:tc>
+                  <a:txBody>
+                    <a:bodyPr/>
+                    <a:lstStyle/>
+                    <a:p>
+                      <a:pPr>
+                        <a:buNone/>
+                      </a:pPr>
+                      <a:r>
+                        <a:rPr lang="en-GB" sz="1400" b="1"/>
+                        <a:t>Field</a:t>
+                      </a:r>
+                      <a:endParaRPr lang="en-GB" sz="1400"/>
+                    </a:p>
+                  </a:txBody>
+                  <a:tcPr anchor="ctr">
                     <a:lnL w="12700" cap="flat" cmpd="sng" algn="ctr">
                       <a:solidFill>
                         <a:schemeClr val="tx1"/>
@@ -18602,14 +18591,1026 @@
                       <a:headEnd type="none" w="med" len="med"/>
                       <a:tailEnd type="none" w="med" len="med"/>
                     </a:lnB>
-                    <a:lnTlToBr w="12700" cmpd="sng">
-                      <a:noFill/>
-                      <a:prstDash val="solid"/>
-                    </a:lnTlToBr>
-                    <a:lnBlToTr w="12700" cmpd="sng">
-                      <a:noFill/>
-                      <a:prstDash val="solid"/>
-                    </a:lnBlToTr>
+                    <a:solidFill>
+                      <a:schemeClr val="accent4">
+                        <a:lumMod val="20000"/>
+                        <a:lumOff val="80000"/>
+                      </a:schemeClr>
+                    </a:solidFill>
+                  </a:tcPr>
+                </a:tc>
+                <a:tc>
+                  <a:txBody>
+                    <a:bodyPr/>
+                    <a:lstStyle/>
+                    <a:p>
+                      <a:pPr>
+                        <a:buNone/>
+                      </a:pPr>
+                      <a:r>
+                        <a:rPr lang="en-GB" sz="1400" b="1" dirty="0"/>
+                        <a:t>Stored Value</a:t>
+                      </a:r>
+                      <a:endParaRPr lang="en-GB" sz="1400" dirty="0"/>
+                    </a:p>
+                  </a:txBody>
+                  <a:tcPr anchor="ctr">
+                    <a:lnL w="12700" cap="flat" cmpd="sng" algn="ctr">
+                      <a:solidFill>
+                        <a:schemeClr val="tx1"/>
+                      </a:solidFill>
+                      <a:prstDash val="solid"/>
+                      <a:round/>
+                      <a:headEnd type="none" w="med" len="med"/>
+                      <a:tailEnd type="none" w="med" len="med"/>
+                    </a:lnL>
+                    <a:lnR w="12700" cap="flat" cmpd="sng" algn="ctr">
+                      <a:solidFill>
+                        <a:schemeClr val="tx1"/>
+                      </a:solidFill>
+                      <a:prstDash val="solid"/>
+                      <a:round/>
+                      <a:headEnd type="none" w="med" len="med"/>
+                      <a:tailEnd type="none" w="med" len="med"/>
+                    </a:lnR>
+                    <a:lnT w="12700" cap="flat" cmpd="sng" algn="ctr">
+                      <a:solidFill>
+                        <a:schemeClr val="tx1"/>
+                      </a:solidFill>
+                      <a:prstDash val="solid"/>
+                      <a:round/>
+                      <a:headEnd type="none" w="med" len="med"/>
+                      <a:tailEnd type="none" w="med" len="med"/>
+                    </a:lnT>
+                    <a:lnB w="12700" cap="flat" cmpd="sng" algn="ctr">
+                      <a:solidFill>
+                        <a:schemeClr val="tx1"/>
+                      </a:solidFill>
+                      <a:prstDash val="solid"/>
+                      <a:round/>
+                      <a:headEnd type="none" w="med" len="med"/>
+                      <a:tailEnd type="none" w="med" len="med"/>
+                    </a:lnB>
+                    <a:solidFill>
+                      <a:schemeClr val="accent4">
+                        <a:lumMod val="20000"/>
+                        <a:lumOff val="80000"/>
+                      </a:schemeClr>
+                    </a:solidFill>
+                  </a:tcPr>
+                </a:tc>
+                <a:extLst>
+                  <a:ext uri="{0D108BD9-81ED-4DB2-BD59-A6C34878D82A}">
+                    <a16:rowId xmlns:a16="http://schemas.microsoft.com/office/drawing/2014/main" val="267864107"/>
+                  </a:ext>
+                </a:extLst>
+              </a:tr>
+              <a:tr h="356702">
+                <a:tc>
+                  <a:txBody>
+                    <a:bodyPr/>
+                    <a:lstStyle/>
+                    <a:p>
+                      <a:pPr>
+                        <a:buNone/>
+                      </a:pPr>
+                      <a:r>
+                        <a:rPr lang="en-GB" sz="1400" b="1"/>
+                        <a:t>id</a:t>
+                      </a:r>
+                      <a:endParaRPr lang="en-GB" sz="1400"/>
+                    </a:p>
+                  </a:txBody>
+                  <a:tcPr anchor="ctr">
+                    <a:lnL w="12700" cap="flat" cmpd="sng" algn="ctr">
+                      <a:solidFill>
+                        <a:schemeClr val="tx1"/>
+                      </a:solidFill>
+                      <a:prstDash val="solid"/>
+                      <a:round/>
+                      <a:headEnd type="none" w="med" len="med"/>
+                      <a:tailEnd type="none" w="med" len="med"/>
+                    </a:lnL>
+                    <a:lnR w="12700" cap="flat" cmpd="sng" algn="ctr">
+                      <a:solidFill>
+                        <a:schemeClr val="tx1"/>
+                      </a:solidFill>
+                      <a:prstDash val="solid"/>
+                      <a:round/>
+                      <a:headEnd type="none" w="med" len="med"/>
+                      <a:tailEnd type="none" w="med" len="med"/>
+                    </a:lnR>
+                    <a:lnT w="12700" cap="flat" cmpd="sng" algn="ctr">
+                      <a:solidFill>
+                        <a:schemeClr val="tx1"/>
+                      </a:solidFill>
+                      <a:prstDash val="solid"/>
+                      <a:round/>
+                      <a:headEnd type="none" w="med" len="med"/>
+                      <a:tailEnd type="none" w="med" len="med"/>
+                    </a:lnT>
+                    <a:lnB w="12700" cap="flat" cmpd="sng" algn="ctr">
+                      <a:solidFill>
+                        <a:schemeClr val="tx1"/>
+                      </a:solidFill>
+                      <a:prstDash val="solid"/>
+                      <a:round/>
+                      <a:headEnd type="none" w="med" len="med"/>
+                      <a:tailEnd type="none" w="med" len="med"/>
+                    </a:lnB>
+                    <a:solidFill>
+                      <a:schemeClr val="accent4">
+                        <a:lumMod val="20000"/>
+                        <a:lumOff val="80000"/>
+                      </a:schemeClr>
+                    </a:solidFill>
+                  </a:tcPr>
+                </a:tc>
+                <a:tc>
+                  <a:txBody>
+                    <a:bodyPr/>
+                    <a:lstStyle/>
+                    <a:p>
+                      <a:pPr>
+                        <a:buNone/>
+                      </a:pPr>
+                      <a:r>
+                        <a:rPr lang="en-GB" sz="1400"/>
+                        <a:t>Auto-generated UUID (example: </a:t>
+                      </a:r>
+                      <a:r>
+                        <a:rPr lang="en-GB" sz="1400">
+                          <a:latin typeface="Courier New" panose="02070309020205020404" pitchFamily="49" charset="0"/>
+                        </a:rPr>
+                        <a:t>"07c7d4b6-8f4d-43af-8a3d-1bfef25e8f39"</a:t>
+                      </a:r>
+                      <a:r>
+                        <a:rPr lang="en-GB" sz="1400"/>
+                        <a:t>)</a:t>
+                      </a:r>
+                    </a:p>
+                  </a:txBody>
+                  <a:tcPr anchor="ctr">
+                    <a:lnL w="12700" cap="flat" cmpd="sng" algn="ctr">
+                      <a:solidFill>
+                        <a:schemeClr val="tx1"/>
+                      </a:solidFill>
+                      <a:prstDash val="solid"/>
+                      <a:round/>
+                      <a:headEnd type="none" w="med" len="med"/>
+                      <a:tailEnd type="none" w="med" len="med"/>
+                    </a:lnL>
+                    <a:lnR w="12700" cap="flat" cmpd="sng" algn="ctr">
+                      <a:solidFill>
+                        <a:schemeClr val="tx1"/>
+                      </a:solidFill>
+                      <a:prstDash val="solid"/>
+                      <a:round/>
+                      <a:headEnd type="none" w="med" len="med"/>
+                      <a:tailEnd type="none" w="med" len="med"/>
+                    </a:lnR>
+                    <a:lnT w="12700" cap="flat" cmpd="sng" algn="ctr">
+                      <a:solidFill>
+                        <a:schemeClr val="tx1"/>
+                      </a:solidFill>
+                      <a:prstDash val="solid"/>
+                      <a:round/>
+                      <a:headEnd type="none" w="med" len="med"/>
+                      <a:tailEnd type="none" w="med" len="med"/>
+                    </a:lnT>
+                    <a:lnB w="12700" cap="flat" cmpd="sng" algn="ctr">
+                      <a:solidFill>
+                        <a:schemeClr val="tx1"/>
+                      </a:solidFill>
+                      <a:prstDash val="solid"/>
+                      <a:round/>
+                      <a:headEnd type="none" w="med" len="med"/>
+                      <a:tailEnd type="none" w="med" len="med"/>
+                    </a:lnB>
+                    <a:solidFill>
+                      <a:schemeClr val="accent4">
+                        <a:lumMod val="20000"/>
+                        <a:lumOff val="80000"/>
+                      </a:schemeClr>
+                    </a:solidFill>
+                  </a:tcPr>
+                </a:tc>
+                <a:extLst>
+                  <a:ext uri="{0D108BD9-81ED-4DB2-BD59-A6C34878D82A}">
+                    <a16:rowId xmlns:a16="http://schemas.microsoft.com/office/drawing/2014/main" val="3143935622"/>
+                  </a:ext>
+                </a:extLst>
+              </a:tr>
+              <a:tr h="509575">
+                <a:tc>
+                  <a:txBody>
+                    <a:bodyPr/>
+                    <a:lstStyle/>
+                    <a:p>
+                      <a:pPr>
+                        <a:buNone/>
+                      </a:pPr>
+                      <a:r>
+                        <a:rPr lang="en-GB" sz="1400" b="1"/>
+                        <a:t>document</a:t>
+                      </a:r>
+                      <a:endParaRPr lang="en-GB" sz="1400"/>
+                    </a:p>
+                  </a:txBody>
+                  <a:tcPr anchor="ctr">
+                    <a:lnL w="12700" cap="flat" cmpd="sng" algn="ctr">
+                      <a:solidFill>
+                        <a:schemeClr val="tx1"/>
+                      </a:solidFill>
+                      <a:prstDash val="solid"/>
+                      <a:round/>
+                      <a:headEnd type="none" w="med" len="med"/>
+                      <a:tailEnd type="none" w="med" len="med"/>
+                    </a:lnL>
+                    <a:lnR w="12700" cap="flat" cmpd="sng" algn="ctr">
+                      <a:solidFill>
+                        <a:schemeClr val="tx1"/>
+                      </a:solidFill>
+                      <a:prstDash val="solid"/>
+                      <a:round/>
+                      <a:headEnd type="none" w="med" len="med"/>
+                      <a:tailEnd type="none" w="med" len="med"/>
+                    </a:lnR>
+                    <a:lnT w="12700" cap="flat" cmpd="sng" algn="ctr">
+                      <a:solidFill>
+                        <a:schemeClr val="tx1"/>
+                      </a:solidFill>
+                      <a:prstDash val="solid"/>
+                      <a:round/>
+                      <a:headEnd type="none" w="med" len="med"/>
+                      <a:tailEnd type="none" w="med" len="med"/>
+                    </a:lnT>
+                    <a:lnB w="12700" cap="flat" cmpd="sng" algn="ctr">
+                      <a:solidFill>
+                        <a:schemeClr val="tx1"/>
+                      </a:solidFill>
+                      <a:prstDash val="solid"/>
+                      <a:round/>
+                      <a:headEnd type="none" w="med" len="med"/>
+                      <a:tailEnd type="none" w="med" len="med"/>
+                    </a:lnB>
+                    <a:solidFill>
+                      <a:schemeClr val="accent4">
+                        <a:lumMod val="20000"/>
+                        <a:lumOff val="80000"/>
+                      </a:schemeClr>
+                    </a:solidFill>
+                  </a:tcPr>
+                </a:tc>
+                <a:tc>
+                  <a:txBody>
+                    <a:bodyPr/>
+                    <a:lstStyle/>
+                    <a:p>
+                      <a:pPr>
+                        <a:buNone/>
+                      </a:pPr>
+                      <a:r>
+                        <a:rPr lang="en-US" sz="1400" dirty="0">
+                          <a:latin typeface="Courier New" panose="02070309020205020404" pitchFamily="49" charset="0"/>
+                        </a:rPr>
+                        <a:t>"Sion </a:t>
+                      </a:r>
+                      <a:r>
+                        <a:rPr lang="en-US" sz="1400" dirty="0" err="1">
+                          <a:latin typeface="Courier New" panose="02070309020205020404" pitchFamily="49" charset="0"/>
+                        </a:rPr>
+                        <a:t>Softside</a:t>
+                      </a:r>
+                      <a:r>
+                        <a:rPr lang="en-US" sz="1400" dirty="0">
+                          <a:latin typeface="Courier New" panose="02070309020205020404" pitchFamily="49" charset="0"/>
+                        </a:rPr>
+                        <a:t> Expandable Roller Luggage, Black, Checked-Large 29-Inch"</a:t>
+                      </a:r>
+                      <a:endParaRPr lang="en-US" sz="1400" dirty="0"/>
+                    </a:p>
+                  </a:txBody>
+                  <a:tcPr anchor="ctr">
+                    <a:lnL w="12700" cap="flat" cmpd="sng" algn="ctr">
+                      <a:solidFill>
+                        <a:schemeClr val="tx1"/>
+                      </a:solidFill>
+                      <a:prstDash val="solid"/>
+                      <a:round/>
+                      <a:headEnd type="none" w="med" len="med"/>
+                      <a:tailEnd type="none" w="med" len="med"/>
+                    </a:lnL>
+                    <a:lnR w="12700" cap="flat" cmpd="sng" algn="ctr">
+                      <a:solidFill>
+                        <a:schemeClr val="tx1"/>
+                      </a:solidFill>
+                      <a:prstDash val="solid"/>
+                      <a:round/>
+                      <a:headEnd type="none" w="med" len="med"/>
+                      <a:tailEnd type="none" w="med" len="med"/>
+                    </a:lnR>
+                    <a:lnT w="12700" cap="flat" cmpd="sng" algn="ctr">
+                      <a:solidFill>
+                        <a:schemeClr val="tx1"/>
+                      </a:solidFill>
+                      <a:prstDash val="solid"/>
+                      <a:round/>
+                      <a:headEnd type="none" w="med" len="med"/>
+                      <a:tailEnd type="none" w="med" len="med"/>
+                    </a:lnT>
+                    <a:lnB w="12700" cap="flat" cmpd="sng" algn="ctr">
+                      <a:solidFill>
+                        <a:schemeClr val="tx1"/>
+                      </a:solidFill>
+                      <a:prstDash val="solid"/>
+                      <a:round/>
+                      <a:headEnd type="none" w="med" len="med"/>
+                      <a:tailEnd type="none" w="med" len="med"/>
+                    </a:lnB>
+                    <a:solidFill>
+                      <a:schemeClr val="accent4">
+                        <a:lumMod val="20000"/>
+                        <a:lumOff val="80000"/>
+                      </a:schemeClr>
+                    </a:solidFill>
+                  </a:tcPr>
+                </a:tc>
+                <a:extLst>
+                  <a:ext uri="{0D108BD9-81ED-4DB2-BD59-A6C34878D82A}">
+                    <a16:rowId xmlns:a16="http://schemas.microsoft.com/office/drawing/2014/main" val="1743539989"/>
+                  </a:ext>
+                </a:extLst>
+              </a:tr>
+              <a:tr h="203830">
+                <a:tc>
+                  <a:txBody>
+                    <a:bodyPr/>
+                    <a:lstStyle/>
+                    <a:p>
+                      <a:pPr>
+                        <a:buNone/>
+                      </a:pPr>
+                      <a:r>
+                        <a:rPr lang="en-GB" sz="1400" b="1"/>
+                        <a:t>embedding</a:t>
+                      </a:r>
+                      <a:endParaRPr lang="en-GB" sz="1400"/>
+                    </a:p>
+                  </a:txBody>
+                  <a:tcPr anchor="ctr">
+                    <a:lnL w="12700" cap="flat" cmpd="sng" algn="ctr">
+                      <a:solidFill>
+                        <a:schemeClr val="tx1"/>
+                      </a:solidFill>
+                      <a:prstDash val="solid"/>
+                      <a:round/>
+                      <a:headEnd type="none" w="med" len="med"/>
+                      <a:tailEnd type="none" w="med" len="med"/>
+                    </a:lnL>
+                    <a:lnR w="12700" cap="flat" cmpd="sng" algn="ctr">
+                      <a:solidFill>
+                        <a:schemeClr val="tx1"/>
+                      </a:solidFill>
+                      <a:prstDash val="solid"/>
+                      <a:round/>
+                      <a:headEnd type="none" w="med" len="med"/>
+                      <a:tailEnd type="none" w="med" len="med"/>
+                    </a:lnR>
+                    <a:lnT w="12700" cap="flat" cmpd="sng" algn="ctr">
+                      <a:solidFill>
+                        <a:schemeClr val="tx1"/>
+                      </a:solidFill>
+                      <a:prstDash val="solid"/>
+                      <a:round/>
+                      <a:headEnd type="none" w="med" len="med"/>
+                      <a:tailEnd type="none" w="med" len="med"/>
+                    </a:lnT>
+                    <a:lnB w="12700" cap="flat" cmpd="sng" algn="ctr">
+                      <a:solidFill>
+                        <a:schemeClr val="tx1"/>
+                      </a:solidFill>
+                      <a:prstDash val="solid"/>
+                      <a:round/>
+                      <a:headEnd type="none" w="med" len="med"/>
+                      <a:tailEnd type="none" w="med" len="med"/>
+                    </a:lnB>
+                    <a:solidFill>
+                      <a:schemeClr val="accent4">
+                        <a:lumMod val="20000"/>
+                        <a:lumOff val="80000"/>
+                      </a:schemeClr>
+                    </a:solidFill>
+                  </a:tcPr>
+                </a:tc>
+                <a:tc>
+                  <a:txBody>
+                    <a:bodyPr/>
+                    <a:lstStyle/>
+                    <a:p>
+                      <a:pPr>
+                        <a:buNone/>
+                      </a:pPr>
+                      <a:r>
+                        <a:rPr lang="en-US" sz="1400"/>
+                        <a:t>384-dim float vector (generated from the </a:t>
+                      </a:r>
+                      <a:r>
+                        <a:rPr lang="en-US" sz="1400" b="1"/>
+                        <a:t>title</a:t>
+                      </a:r>
+                      <a:r>
+                        <a:rPr lang="en-US" sz="1400"/>
+                        <a:t>)</a:t>
+                      </a:r>
+                    </a:p>
+                  </a:txBody>
+                  <a:tcPr anchor="ctr">
+                    <a:lnL w="12700" cap="flat" cmpd="sng" algn="ctr">
+                      <a:solidFill>
+                        <a:schemeClr val="tx1"/>
+                      </a:solidFill>
+                      <a:prstDash val="solid"/>
+                      <a:round/>
+                      <a:headEnd type="none" w="med" len="med"/>
+                      <a:tailEnd type="none" w="med" len="med"/>
+                    </a:lnL>
+                    <a:lnR w="12700" cap="flat" cmpd="sng" algn="ctr">
+                      <a:solidFill>
+                        <a:schemeClr val="tx1"/>
+                      </a:solidFill>
+                      <a:prstDash val="solid"/>
+                      <a:round/>
+                      <a:headEnd type="none" w="med" len="med"/>
+                      <a:tailEnd type="none" w="med" len="med"/>
+                    </a:lnR>
+                    <a:lnT w="12700" cap="flat" cmpd="sng" algn="ctr">
+                      <a:solidFill>
+                        <a:schemeClr val="tx1"/>
+                      </a:solidFill>
+                      <a:prstDash val="solid"/>
+                      <a:round/>
+                      <a:headEnd type="none" w="med" len="med"/>
+                      <a:tailEnd type="none" w="med" len="med"/>
+                    </a:lnT>
+                    <a:lnB w="12700" cap="flat" cmpd="sng" algn="ctr">
+                      <a:solidFill>
+                        <a:schemeClr val="tx1"/>
+                      </a:solidFill>
+                      <a:prstDash val="solid"/>
+                      <a:round/>
+                      <a:headEnd type="none" w="med" len="med"/>
+                      <a:tailEnd type="none" w="med" len="med"/>
+                    </a:lnB>
+                    <a:solidFill>
+                      <a:schemeClr val="accent4">
+                        <a:lumMod val="20000"/>
+                        <a:lumOff val="80000"/>
+                      </a:schemeClr>
+                    </a:solidFill>
+                  </a:tcPr>
+                </a:tc>
+                <a:extLst>
+                  <a:ext uri="{0D108BD9-81ED-4DB2-BD59-A6C34878D82A}">
+                    <a16:rowId xmlns:a16="http://schemas.microsoft.com/office/drawing/2014/main" val="518435037"/>
+                  </a:ext>
+                </a:extLst>
+              </a:tr>
+              <a:tr h="203830">
+                <a:tc>
+                  <a:txBody>
+                    <a:bodyPr/>
+                    <a:lstStyle/>
+                    <a:p>
+                      <a:pPr>
+                        <a:buNone/>
+                      </a:pPr>
+                      <a:r>
+                        <a:rPr lang="en-GB" sz="1400" b="1"/>
+                        <a:t>metadata</a:t>
+                      </a:r>
+                      <a:endParaRPr lang="en-GB" sz="1400"/>
+                    </a:p>
+                  </a:txBody>
+                  <a:tcPr anchor="ctr">
+                    <a:lnL w="12700" cap="flat" cmpd="sng" algn="ctr">
+                      <a:solidFill>
+                        <a:schemeClr val="tx1"/>
+                      </a:solidFill>
+                      <a:prstDash val="solid"/>
+                      <a:round/>
+                      <a:headEnd type="none" w="med" len="med"/>
+                      <a:tailEnd type="none" w="med" len="med"/>
+                    </a:lnL>
+                    <a:lnR w="12700" cap="flat" cmpd="sng" algn="ctr">
+                      <a:solidFill>
+                        <a:schemeClr val="tx1"/>
+                      </a:solidFill>
+                      <a:prstDash val="solid"/>
+                      <a:round/>
+                      <a:headEnd type="none" w="med" len="med"/>
+                      <a:tailEnd type="none" w="med" len="med"/>
+                    </a:lnR>
+                    <a:lnT w="12700" cap="flat" cmpd="sng" algn="ctr">
+                      <a:solidFill>
+                        <a:schemeClr val="tx1"/>
+                      </a:solidFill>
+                      <a:prstDash val="solid"/>
+                      <a:round/>
+                      <a:headEnd type="none" w="med" len="med"/>
+                      <a:tailEnd type="none" w="med" len="med"/>
+                    </a:lnT>
+                    <a:lnB w="12700" cap="flat" cmpd="sng" algn="ctr">
+                      <a:solidFill>
+                        <a:schemeClr val="tx1"/>
+                      </a:solidFill>
+                      <a:prstDash val="solid"/>
+                      <a:round/>
+                      <a:headEnd type="none" w="med" len="med"/>
+                      <a:tailEnd type="none" w="med" len="med"/>
+                    </a:lnB>
+                    <a:solidFill>
+                      <a:schemeClr val="accent4">
+                        <a:lumMod val="20000"/>
+                        <a:lumOff val="80000"/>
+                      </a:schemeClr>
+                    </a:solidFill>
+                  </a:tcPr>
+                </a:tc>
+                <a:tc>
+                  <a:txBody>
+                    <a:bodyPr/>
+                    <a:lstStyle/>
+                    <a:p>
+                      <a:pPr>
+                        <a:buNone/>
+                      </a:pPr>
+                      <a:r>
+                        <a:rPr lang="en-US" sz="1400" dirty="0"/>
+                        <a:t>Full row</a:t>
+                      </a:r>
+                    </a:p>
+                  </a:txBody>
+                  <a:tcPr anchor="ctr">
+                    <a:lnL w="12700" cap="flat" cmpd="sng" algn="ctr">
+                      <a:solidFill>
+                        <a:schemeClr val="tx1"/>
+                      </a:solidFill>
+                      <a:prstDash val="solid"/>
+                      <a:round/>
+                      <a:headEnd type="none" w="med" len="med"/>
+                      <a:tailEnd type="none" w="med" len="med"/>
+                    </a:lnL>
+                    <a:lnR w="12700" cap="flat" cmpd="sng" algn="ctr">
+                      <a:solidFill>
+                        <a:schemeClr val="tx1"/>
+                      </a:solidFill>
+                      <a:prstDash val="solid"/>
+                      <a:round/>
+                      <a:headEnd type="none" w="med" len="med"/>
+                      <a:tailEnd type="none" w="med" len="med"/>
+                    </a:lnR>
+                    <a:lnT w="12700" cap="flat" cmpd="sng" algn="ctr">
+                      <a:solidFill>
+                        <a:schemeClr val="tx1"/>
+                      </a:solidFill>
+                      <a:prstDash val="solid"/>
+                      <a:round/>
+                      <a:headEnd type="none" w="med" len="med"/>
+                      <a:tailEnd type="none" w="med" len="med"/>
+                    </a:lnT>
+                    <a:lnB w="12700" cap="flat" cmpd="sng" algn="ctr">
+                      <a:solidFill>
+                        <a:schemeClr val="tx1"/>
+                      </a:solidFill>
+                      <a:prstDash val="solid"/>
+                      <a:round/>
+                      <a:headEnd type="none" w="med" len="med"/>
+                      <a:tailEnd type="none" w="med" len="med"/>
+                    </a:lnB>
+                    <a:solidFill>
+                      <a:schemeClr val="accent4">
+                        <a:lumMod val="20000"/>
+                        <a:lumOff val="80000"/>
+                      </a:schemeClr>
+                    </a:solidFill>
+                  </a:tcPr>
+                </a:tc>
+                <a:extLst>
+                  <a:ext uri="{0D108BD9-81ED-4DB2-BD59-A6C34878D82A}">
+                    <a16:rowId xmlns:a16="http://schemas.microsoft.com/office/drawing/2014/main" val="473160328"/>
+                  </a:ext>
+                </a:extLst>
+              </a:tr>
+              <a:tr h="203830">
+                <a:tc>
+                  <a:txBody>
+                    <a:bodyPr/>
+                    <a:lstStyle/>
+                    <a:p>
+                      <a:pPr>
+                        <a:buNone/>
+                      </a:pPr>
+                      <a:r>
+                        <a:rPr lang="en-GB" sz="1400" b="1"/>
+                        <a:t>collection</a:t>
+                      </a:r>
+                      <a:endParaRPr lang="en-GB" sz="1400"/>
+                    </a:p>
+                  </a:txBody>
+                  <a:tcPr anchor="ctr">
+                    <a:lnL w="12700" cap="flat" cmpd="sng" algn="ctr">
+                      <a:solidFill>
+                        <a:schemeClr val="tx1"/>
+                      </a:solidFill>
+                      <a:prstDash val="solid"/>
+                      <a:round/>
+                      <a:headEnd type="none" w="med" len="med"/>
+                      <a:tailEnd type="none" w="med" len="med"/>
+                    </a:lnL>
+                    <a:lnR w="12700" cap="flat" cmpd="sng" algn="ctr">
+                      <a:solidFill>
+                        <a:schemeClr val="tx1"/>
+                      </a:solidFill>
+                      <a:prstDash val="solid"/>
+                      <a:round/>
+                      <a:headEnd type="none" w="med" len="med"/>
+                      <a:tailEnd type="none" w="med" len="med"/>
+                    </a:lnR>
+                    <a:lnT w="12700" cap="flat" cmpd="sng" algn="ctr">
+                      <a:solidFill>
+                        <a:schemeClr val="tx1"/>
+                      </a:solidFill>
+                      <a:prstDash val="solid"/>
+                      <a:round/>
+                      <a:headEnd type="none" w="med" len="med"/>
+                      <a:tailEnd type="none" w="med" len="med"/>
+                    </a:lnT>
+                    <a:lnB w="12700" cap="flat" cmpd="sng" algn="ctr">
+                      <a:solidFill>
+                        <a:schemeClr val="tx1"/>
+                      </a:solidFill>
+                      <a:prstDash val="solid"/>
+                      <a:round/>
+                      <a:headEnd type="none" w="med" len="med"/>
+                      <a:tailEnd type="none" w="med" len="med"/>
+                    </a:lnB>
+                    <a:solidFill>
+                      <a:schemeClr val="accent4">
+                        <a:lumMod val="20000"/>
+                        <a:lumOff val="80000"/>
+                      </a:schemeClr>
+                    </a:solidFill>
+                  </a:tcPr>
+                </a:tc>
+                <a:tc>
+                  <a:txBody>
+                    <a:bodyPr/>
+                    <a:lstStyle/>
+                    <a:p>
+                      <a:pPr>
+                        <a:buNone/>
+                      </a:pPr>
+                      <a:r>
+                        <a:rPr lang="en-GB" sz="1400" dirty="0">
+                          <a:latin typeface="Courier New" panose="02070309020205020404" pitchFamily="49" charset="0"/>
+                        </a:rPr>
+                        <a:t>"</a:t>
+                      </a:r>
+                      <a:r>
+                        <a:rPr lang="en-GB" sz="1400" dirty="0" err="1">
+                          <a:latin typeface="Courier New" panose="02070309020205020404" pitchFamily="49" charset="0"/>
+                        </a:rPr>
+                        <a:t>products_collection</a:t>
+                      </a:r>
+                      <a:r>
+                        <a:rPr lang="en-GB" sz="1400" dirty="0">
+                          <a:latin typeface="Courier New" panose="02070309020205020404" pitchFamily="49" charset="0"/>
+                        </a:rPr>
+                        <a:t>"</a:t>
+                      </a:r>
+                      <a:endParaRPr lang="en-GB" sz="1400" dirty="0"/>
+                    </a:p>
+                  </a:txBody>
+                  <a:tcPr anchor="ctr">
+                    <a:lnL w="12700" cap="flat" cmpd="sng" algn="ctr">
+                      <a:solidFill>
+                        <a:schemeClr val="tx1"/>
+                      </a:solidFill>
+                      <a:prstDash val="solid"/>
+                      <a:round/>
+                      <a:headEnd type="none" w="med" len="med"/>
+                      <a:tailEnd type="none" w="med" len="med"/>
+                    </a:lnL>
+                    <a:lnR w="12700" cap="flat" cmpd="sng" algn="ctr">
+                      <a:solidFill>
+                        <a:schemeClr val="tx1"/>
+                      </a:solidFill>
+                      <a:prstDash val="solid"/>
+                      <a:round/>
+                      <a:headEnd type="none" w="med" len="med"/>
+                      <a:tailEnd type="none" w="med" len="med"/>
+                    </a:lnR>
+                    <a:lnT w="12700" cap="flat" cmpd="sng" algn="ctr">
+                      <a:solidFill>
+                        <a:schemeClr val="tx1"/>
+                      </a:solidFill>
+                      <a:prstDash val="solid"/>
+                      <a:round/>
+                      <a:headEnd type="none" w="med" len="med"/>
+                      <a:tailEnd type="none" w="med" len="med"/>
+                    </a:lnT>
+                    <a:lnB w="12700" cap="flat" cmpd="sng" algn="ctr">
+                      <a:solidFill>
+                        <a:schemeClr val="tx1"/>
+                      </a:solidFill>
+                      <a:prstDash val="solid"/>
+                      <a:round/>
+                      <a:headEnd type="none" w="med" len="med"/>
+                      <a:tailEnd type="none" w="med" len="med"/>
+                    </a:lnB>
+                    <a:solidFill>
+                      <a:schemeClr val="accent4">
+                        <a:lumMod val="20000"/>
+                        <a:lumOff val="80000"/>
+                      </a:schemeClr>
+                    </a:solidFill>
+                  </a:tcPr>
+                </a:tc>
+                <a:extLst>
+                  <a:ext uri="{0D108BD9-81ED-4DB2-BD59-A6C34878D82A}">
+                    <a16:rowId xmlns:a16="http://schemas.microsoft.com/office/drawing/2014/main" val="1650490346"/>
+                  </a:ext>
+                </a:extLst>
+              </a:tr>
+            </a:tbl>
+          </a:graphicData>
+        </a:graphic>
+      </p:graphicFrame>
+      <p:sp>
+        <p:nvSpPr>
+          <p:cNvPr id="7" name="TextBox 6">
+            <a:extLst>
+              <a:ext uri="{FF2B5EF4-FFF2-40B4-BE49-F238E27FC236}">
+                <a16:creationId xmlns:a16="http://schemas.microsoft.com/office/drawing/2014/main" id="{441281D0-77CA-167A-A493-E10BB30EFDF7}"/>
+              </a:ext>
+            </a:extLst>
+          </p:cNvPr>
+          <p:cNvSpPr txBox="1"/>
+          <p:nvPr/>
+        </p:nvSpPr>
+        <p:spPr>
+          <a:xfrm>
+            <a:off x="6251310" y="0"/>
+            <a:ext cx="4777332" cy="1954381"/>
+          </a:xfrm>
+          <a:prstGeom prst="rect">
+            <a:avLst/>
+          </a:prstGeom>
+          <a:solidFill>
+            <a:schemeClr val="accent3">
+              <a:lumMod val="20000"/>
+              <a:lumOff val="80000"/>
+            </a:schemeClr>
+          </a:solidFill>
+        </p:spPr>
+        <p:txBody>
+          <a:bodyPr wrap="square" rtlCol="0">
+            <a:spAutoFit/>
+          </a:bodyPr>
+          <a:lstStyle/>
+          <a:p>
+            <a:r>
+              <a:rPr lang="en-GB" sz="1100" dirty="0" err="1"/>
+              <a:t>asin</a:t>
+            </a:r>
+            <a:r>
+              <a:rPr lang="en-GB" sz="1100" dirty="0"/>
+              <a:t> = B014TMV5YE</a:t>
+            </a:r>
+          </a:p>
+          <a:p>
+            <a:r>
+              <a:rPr lang="en-GB" sz="1100" dirty="0"/>
+              <a:t>title = "Sion </a:t>
+            </a:r>
+            <a:r>
+              <a:rPr lang="en-GB" sz="1100" dirty="0" err="1"/>
+              <a:t>Softside</a:t>
+            </a:r>
+            <a:r>
+              <a:rPr lang="en-GB" sz="1100" dirty="0"/>
+              <a:t> Expandable Roller Luggage, Black, Checked-Large 29-Inch"</a:t>
+            </a:r>
+          </a:p>
+          <a:p>
+            <a:r>
+              <a:rPr lang="en-GB" sz="1100" dirty="0" err="1"/>
+              <a:t>imgUrl</a:t>
+            </a:r>
+            <a:r>
+              <a:rPr lang="en-GB" sz="1100" dirty="0"/>
+              <a:t> = https://m.media-amazon.com/images/I/815dLQKYIYL._AC_UL320_.jpg</a:t>
+            </a:r>
+          </a:p>
+          <a:p>
+            <a:r>
+              <a:rPr lang="en-GB" sz="1100" dirty="0" err="1"/>
+              <a:t>productURL</a:t>
+            </a:r>
+            <a:r>
+              <a:rPr lang="en-GB" sz="1100" dirty="0"/>
+              <a:t> = https://www.amazon.com/dp/B014TMV5YE</a:t>
+            </a:r>
+          </a:p>
+          <a:p>
+            <a:r>
+              <a:rPr lang="en-GB" sz="1100" dirty="0"/>
+              <a:t>stars = 4.5</a:t>
+            </a:r>
+          </a:p>
+          <a:p>
+            <a:r>
+              <a:rPr lang="en-GB" sz="1100" dirty="0"/>
+              <a:t>reviews = 0</a:t>
+            </a:r>
+          </a:p>
+          <a:p>
+            <a:r>
+              <a:rPr lang="en-GB" sz="1100" dirty="0"/>
+              <a:t>price = 139.99</a:t>
+            </a:r>
+          </a:p>
+          <a:p>
+            <a:r>
+              <a:rPr lang="en-GB" sz="1100" dirty="0" err="1"/>
+              <a:t>listPrice</a:t>
+            </a:r>
+            <a:r>
+              <a:rPr lang="en-GB" sz="1100" dirty="0"/>
+              <a:t> = 0.0</a:t>
+            </a:r>
+          </a:p>
+          <a:p>
+            <a:r>
+              <a:rPr lang="en-GB" sz="1100" dirty="0" err="1"/>
+              <a:t>category_id</a:t>
+            </a:r>
+            <a:r>
+              <a:rPr lang="en-GB" sz="1100" dirty="0"/>
+              <a:t> = 104</a:t>
+            </a:r>
+          </a:p>
+          <a:p>
+            <a:r>
+              <a:rPr lang="en-GB" sz="1100" dirty="0" err="1"/>
+              <a:t>isBestSeller</a:t>
+            </a:r>
+            <a:r>
+              <a:rPr lang="en-GB" sz="1100" dirty="0"/>
+              <a:t> = False</a:t>
+            </a:r>
+          </a:p>
+          <a:p>
+            <a:r>
+              <a:rPr lang="en-GB" sz="1100" dirty="0" err="1"/>
+              <a:t>boughtInLastMonth</a:t>
+            </a:r>
+            <a:r>
+              <a:rPr lang="en-GB" sz="1100" dirty="0"/>
+              <a:t> = 2000</a:t>
+            </a:r>
+          </a:p>
+        </p:txBody>
+      </p:sp>
+      <p:sp>
+        <p:nvSpPr>
+          <p:cNvPr id="9" name="TextBox 8">
+            <a:extLst>
+              <a:ext uri="{FF2B5EF4-FFF2-40B4-BE49-F238E27FC236}">
+                <a16:creationId xmlns:a16="http://schemas.microsoft.com/office/drawing/2014/main" id="{B21E6F5A-1E0C-B5DB-2097-EE00CD9C43B8}"/>
+              </a:ext>
+            </a:extLst>
+          </p:cNvPr>
+          <p:cNvSpPr txBox="1"/>
+          <p:nvPr/>
+        </p:nvSpPr>
+        <p:spPr>
+          <a:xfrm>
+            <a:off x="649445" y="711977"/>
+            <a:ext cx="4941948" cy="369332"/>
+          </a:xfrm>
+          <a:prstGeom prst="rect">
+            <a:avLst/>
+          </a:prstGeom>
+          <a:noFill/>
+        </p:spPr>
+        <p:txBody>
+          <a:bodyPr wrap="square" rtlCol="0">
+            <a:spAutoFit/>
+          </a:bodyPr>
+          <a:lstStyle/>
+          <a:p>
+            <a:pPr algn="ctr"/>
+            <a:r>
+              <a:rPr lang="en-IN" b="1" dirty="0"/>
+              <a:t>What is stored in Chroma Collection</a:t>
+            </a:r>
+            <a:endParaRPr lang="en-GB" b="1" dirty="0"/>
+          </a:p>
+        </p:txBody>
+      </p:sp>
+      <p:graphicFrame>
+        <p:nvGraphicFramePr>
+          <p:cNvPr id="10" name="Table 9">
+            <a:extLst>
+              <a:ext uri="{FF2B5EF4-FFF2-40B4-BE49-F238E27FC236}">
+                <a16:creationId xmlns:a16="http://schemas.microsoft.com/office/drawing/2014/main" id="{B7805732-D9D8-1EB1-2009-B43E61AA969F}"/>
+              </a:ext>
+            </a:extLst>
+          </p:cNvPr>
+          <p:cNvGraphicFramePr>
+            <a:graphicFrameLocks noGrp="1"/>
+          </p:cNvGraphicFramePr>
+          <p:nvPr/>
+        </p:nvGraphicFramePr>
+        <p:xfrm>
+          <a:off x="5775160" y="2108372"/>
+          <a:ext cx="6165554" cy="3869436"/>
+        </p:xfrm>
+        <a:graphic>
+          <a:graphicData uri="http://schemas.openxmlformats.org/drawingml/2006/table">
+            <a:tbl>
+              <a:tblPr/>
+              <a:tblGrid>
+                <a:gridCol w="2147313">
+                  <a:extLst>
+                    <a:ext uri="{9D8B030D-6E8A-4147-A177-3AD203B41FA5}">
+                      <a16:colId xmlns:a16="http://schemas.microsoft.com/office/drawing/2014/main" val="293394549"/>
+                    </a:ext>
+                  </a:extLst>
+                </a:gridCol>
+                <a:gridCol w="4018241">
+                  <a:extLst>
+                    <a:ext uri="{9D8B030D-6E8A-4147-A177-3AD203B41FA5}">
+                      <a16:colId xmlns:a16="http://schemas.microsoft.com/office/drawing/2014/main" val="1313767365"/>
+                    </a:ext>
+                  </a:extLst>
+                </a:gridCol>
+              </a:tblGrid>
+              <a:tr h="230688">
+                <a:tc>
+                  <a:txBody>
+                    <a:bodyPr/>
+                    <a:lstStyle/>
+                    <a:p>
+                      <a:pPr>
+                        <a:buNone/>
+                      </a:pPr>
+                      <a:r>
+                        <a:rPr lang="en-GB" sz="1200" b="1"/>
+                        <a:t>Metadata Key</a:t>
+                      </a:r>
+                      <a:endParaRPr lang="en-GB" sz="1200"/>
+                    </a:p>
+                  </a:txBody>
+                  <a:tcPr marL="69069" marR="69069" marT="34534" marB="34534" anchor="ctr">
+                    <a:lnL w="12700" cap="flat" cmpd="sng" algn="ctr">
+                      <a:solidFill>
+                        <a:schemeClr val="tx1"/>
+                      </a:solidFill>
+                      <a:prstDash val="solid"/>
+                      <a:round/>
+                      <a:headEnd type="none" w="med" len="med"/>
+                      <a:tailEnd type="none" w="med" len="med"/>
+                    </a:lnL>
+                    <a:lnR w="12700" cap="flat" cmpd="sng" algn="ctr">
+                      <a:solidFill>
+                        <a:schemeClr val="tx1"/>
+                      </a:solidFill>
+                      <a:prstDash val="solid"/>
+                      <a:round/>
+                      <a:headEnd type="none" w="med" len="med"/>
+                      <a:tailEnd type="none" w="med" len="med"/>
+                    </a:lnR>
+                    <a:lnT w="12700" cap="flat" cmpd="sng" algn="ctr">
+                      <a:solidFill>
+                        <a:schemeClr val="tx1"/>
+                      </a:solidFill>
+                      <a:prstDash val="solid"/>
+                      <a:round/>
+                      <a:headEnd type="none" w="med" len="med"/>
+                      <a:tailEnd type="none" w="med" len="med"/>
+                    </a:lnT>
+                    <a:lnB w="12700" cap="flat" cmpd="sng" algn="ctr">
+                      <a:solidFill>
+                        <a:schemeClr val="tx1"/>
+                      </a:solidFill>
+                      <a:prstDash val="solid"/>
+                      <a:round/>
+                      <a:headEnd type="none" w="med" len="med"/>
+                      <a:tailEnd type="none" w="med" len="med"/>
+                    </a:lnB>
                     <a:solidFill>
                       <a:schemeClr val="accent6">
                         <a:lumMod val="20000"/>
@@ -18627,13 +19628,13 @@
                         <a:buNone/>
                       </a:pPr>
                       <a:r>
-                        <a:rPr lang="en-IN" sz="1400" b="1" noProof="0" dirty="0"/>
-                        <a:t>Action</a:t>
-                      </a:r>
-                      <a:endParaRPr lang="en-IN" sz="1400" noProof="0" dirty="0"/>
-                    </a:p>
-                  </a:txBody>
-                  <a:tcPr marL="32717" marR="32717" marT="16358" marB="16358" anchor="ctr">
+                        <a:rPr lang="en-GB" sz="1200" b="1"/>
+                        <a:t>Stored Value</a:t>
+                      </a:r>
+                      <a:endParaRPr lang="en-GB" sz="1200"/>
+                    </a:p>
+                  </a:txBody>
+                  <a:tcPr marL="69069" marR="69069" marT="34534" marB="34534" anchor="ctr">
                     <a:lnL w="12700" cap="flat" cmpd="sng" algn="ctr">
                       <a:solidFill>
                         <a:schemeClr val="tx1"/>
@@ -18670,14 +19671,6 @@
                       <a:headEnd type="none" w="med" len="med"/>
                       <a:tailEnd type="none" w="med" len="med"/>
                     </a:lnB>
-                    <a:lnTlToBr w="12700" cmpd="sng">
-                      <a:noFill/>
-                      <a:prstDash val="solid"/>
-                    </a:lnTlToBr>
-                    <a:lnBlToTr w="12700" cmpd="sng">
-                      <a:noFill/>
-                      <a:prstDash val="solid"/>
-                    </a:lnBlToTr>
                     <a:solidFill>
                       <a:schemeClr val="accent6">
                         <a:lumMod val="20000"/>
@@ -18686,22 +19679,31 @@
                     </a:solidFill>
                   </a:tcPr>
                 </a:tc>
-                <a:tc>
-                  <a:txBody>
-                    <a:bodyPr/>
-                    <a:lstStyle/>
-                    <a:p>
-                      <a:pPr>
-                        <a:buNone/>
-                      </a:pPr>
-                      <a:r>
-                        <a:rPr lang="en-IN" sz="1400" b="1" noProof="0" dirty="0"/>
-                        <a:t>Input / Output Example</a:t>
-                      </a:r>
-                      <a:endParaRPr lang="en-IN" sz="1400" noProof="0" dirty="0"/>
-                    </a:p>
-                  </a:txBody>
-                  <a:tcPr marL="32717" marR="32717" marT="16358" marB="16358" anchor="ctr">
+                <a:extLst>
+                  <a:ext uri="{0D108BD9-81ED-4DB2-BD59-A6C34878D82A}">
+                    <a16:rowId xmlns:a16="http://schemas.microsoft.com/office/drawing/2014/main" val="242936798"/>
+                  </a:ext>
+                </a:extLst>
+              </a:tr>
+              <a:tr h="230688">
+                <a:tc>
+                  <a:txBody>
+                    <a:bodyPr/>
+                    <a:lstStyle/>
+                    <a:p>
+                      <a:pPr>
+                        <a:buNone/>
+                      </a:pPr>
+                      <a:r>
+                        <a:rPr lang="en-GB" sz="1200">
+                          <a:latin typeface="Courier New" panose="02070309020205020404" pitchFamily="49" charset="0"/>
+                        </a:rPr>
+                        <a:t>asin</a:t>
+                      </a:r>
+                      <a:endParaRPr lang="en-GB" sz="1200"/>
+                    </a:p>
+                  </a:txBody>
+                  <a:tcPr marL="69069" marR="69069" marT="34534" marB="34534" anchor="ctr">
                     <a:lnL w="12700" cap="flat" cmpd="sng" algn="ctr">
                       <a:solidFill>
                         <a:schemeClr val="tx1"/>
@@ -18738,14 +19740,6 @@
                       <a:headEnd type="none" w="med" len="med"/>
                       <a:tailEnd type="none" w="med" len="med"/>
                     </a:lnB>
-                    <a:lnTlToBr w="12700" cmpd="sng">
-                      <a:noFill/>
-                      <a:prstDash val="solid"/>
-                    </a:lnTlToBr>
-                    <a:lnBlToTr w="12700" cmpd="sng">
-                      <a:noFill/>
-                      <a:prstDash val="solid"/>
-                    </a:lnBlToTr>
                     <a:solidFill>
                       <a:schemeClr val="accent6">
                         <a:lumMod val="20000"/>
@@ -18763,13 +19757,15 @@
                         <a:buNone/>
                       </a:pPr>
                       <a:r>
-                        <a:rPr lang="en-IN" sz="1400" b="1" noProof="0" dirty="0"/>
-                        <a:t>What Happens Internally</a:t>
-                      </a:r>
-                      <a:endParaRPr lang="en-IN" sz="1400" noProof="0" dirty="0"/>
-                    </a:p>
-                  </a:txBody>
-                  <a:tcPr marL="32717" marR="32717" marT="16358" marB="16358" anchor="ctr">
+                        <a:rPr lang="en-GB" sz="1200">
+                          <a:latin typeface="Courier New" panose="02070309020205020404" pitchFamily="49" charset="0"/>
+                        </a:rPr>
+                        <a:t>"B014TMV5YE"</a:t>
+                      </a:r>
+                      <a:endParaRPr lang="en-GB" sz="1200"/>
+                    </a:p>
+                  </a:txBody>
+                  <a:tcPr marL="69069" marR="69069" marT="34534" marB="34534" anchor="ctr">
                     <a:lnL w="12700" cap="flat" cmpd="sng" algn="ctr">
                       <a:solidFill>
                         <a:schemeClr val="tx1"/>
@@ -18806,14 +19802,6 @@
                       <a:headEnd type="none" w="med" len="med"/>
                       <a:tailEnd type="none" w="med" len="med"/>
                     </a:lnB>
-                    <a:lnTlToBr w="12700" cmpd="sng">
-                      <a:noFill/>
-                      <a:prstDash val="solid"/>
-                    </a:lnTlToBr>
-                    <a:lnBlToTr w="12700" cmpd="sng">
-                      <a:noFill/>
-                      <a:prstDash val="solid"/>
-                    </a:lnBlToTr>
                     <a:solidFill>
                       <a:schemeClr val="accent6">
                         <a:lumMod val="20000"/>
@@ -18822,26 +19810,31 @@
                     </a:solidFill>
                   </a:tcPr>
                 </a:tc>
-                <a:tc>
-                  <a:txBody>
-                    <a:bodyPr/>
-                    <a:lstStyle/>
-                    <a:p>
-                      <a:pPr>
-                        <a:buNone/>
-                      </a:pPr>
-                      <a:r>
-                        <a:rPr lang="en-IN" sz="1400" b="1" noProof="0" dirty="0"/>
-                        <a:t>Stored in </a:t>
-                      </a:r>
-                      <a:r>
-                        <a:rPr lang="en-IN" sz="1400" b="1" noProof="0" dirty="0" err="1"/>
-                        <a:t>ChromaDB</a:t>
-                      </a:r>
-                      <a:endParaRPr lang="en-IN" sz="1400" noProof="0" dirty="0"/>
-                    </a:p>
-                  </a:txBody>
-                  <a:tcPr marL="32717" marR="32717" marT="16358" marB="16358" anchor="ctr">
+                <a:extLst>
+                  <a:ext uri="{0D108BD9-81ED-4DB2-BD59-A6C34878D82A}">
+                    <a16:rowId xmlns:a16="http://schemas.microsoft.com/office/drawing/2014/main" val="1225042345"/>
+                  </a:ext>
+                </a:extLst>
+              </a:tr>
+              <a:tr h="579235">
+                <a:tc>
+                  <a:txBody>
+                    <a:bodyPr/>
+                    <a:lstStyle/>
+                    <a:p>
+                      <a:pPr>
+                        <a:buNone/>
+                      </a:pPr>
+                      <a:r>
+                        <a:rPr lang="en-GB" sz="1200">
+                          <a:latin typeface="Courier New" panose="02070309020205020404" pitchFamily="49" charset="0"/>
+                        </a:rPr>
+                        <a:t>title</a:t>
+                      </a:r>
+                      <a:endParaRPr lang="en-GB" sz="1200"/>
+                    </a:p>
+                  </a:txBody>
+                  <a:tcPr marL="69069" marR="69069" marT="34534" marB="34534" anchor="ctr">
                     <a:lnL w="12700" cap="flat" cmpd="sng" algn="ctr">
                       <a:solidFill>
                         <a:schemeClr val="tx1"/>
@@ -18878,14 +19871,6 @@
                       <a:headEnd type="none" w="med" len="med"/>
                       <a:tailEnd type="none" w="med" len="med"/>
                     </a:lnB>
-                    <a:lnTlToBr w="12700" cmpd="sng">
-                      <a:noFill/>
-                      <a:prstDash val="solid"/>
-                    </a:lnTlToBr>
-                    <a:lnBlToTr w="12700" cmpd="sng">
-                      <a:noFill/>
-                      <a:prstDash val="solid"/>
-                    </a:lnBlToTr>
                     <a:solidFill>
                       <a:schemeClr val="accent6">
                         <a:lumMod val="20000"/>
@@ -18894,29 +19879,24 @@
                     </a:solidFill>
                   </a:tcPr>
                 </a:tc>
-                <a:extLst>
-                  <a:ext uri="{0D108BD9-81ED-4DB2-BD59-A6C34878D82A}">
-                    <a16:rowId xmlns:a16="http://schemas.microsoft.com/office/drawing/2014/main" val="122931819"/>
-                  </a:ext>
-                </a:extLst>
-              </a:tr>
-              <a:tr h="719770">
-                <a:tc>
-                  <a:txBody>
-                    <a:bodyPr/>
-                    <a:lstStyle/>
-                    <a:p>
-                      <a:pPr>
-                        <a:buNone/>
-                      </a:pPr>
-                      <a:r>
-                        <a:rPr lang="en-IN" sz="1400" b="1" noProof="0" dirty="0"/>
-                        <a:t>1</a:t>
-                      </a:r>
-                      <a:endParaRPr lang="en-IN" sz="1400" noProof="0" dirty="0"/>
-                    </a:p>
-                  </a:txBody>
-                  <a:tcPr marL="32717" marR="32717" marT="16358" marB="16358" anchor="ctr">
+                <a:tc>
+                  <a:txBody>
+                    <a:bodyPr/>
+                    <a:lstStyle/>
+                    <a:p>
+                      <a:pPr>
+                        <a:buNone/>
+                      </a:pPr>
+                      <a:r>
+                        <a:rPr lang="en-US" sz="1200">
+                          <a:latin typeface="Courier New" panose="02070309020205020404" pitchFamily="49" charset="0"/>
+                        </a:rPr>
+                        <a:t>"Sion Softside Expandable Roller Luggage, Black, Checked-Large 29-Inch"</a:t>
+                      </a:r>
+                      <a:endParaRPr lang="en-US" sz="1200"/>
+                    </a:p>
+                  </a:txBody>
+                  <a:tcPr marL="69069" marR="69069" marT="34534" marB="34534" anchor="ctr">
                     <a:lnL w="12700" cap="flat" cmpd="sng" algn="ctr">
                       <a:solidFill>
                         <a:schemeClr val="tx1"/>
@@ -18953,14 +19933,6 @@
                       <a:headEnd type="none" w="med" len="med"/>
                       <a:tailEnd type="none" w="med" len="med"/>
                     </a:lnB>
-                    <a:lnTlToBr w="12700" cmpd="sng">
-                      <a:noFill/>
-                      <a:prstDash val="solid"/>
-                    </a:lnTlToBr>
-                    <a:lnBlToTr w="12700" cmpd="sng">
-                      <a:noFill/>
-                      <a:prstDash val="solid"/>
-                    </a:lnBlToTr>
                     <a:solidFill>
                       <a:schemeClr val="accent6">
                         <a:lumMod val="20000"/>
@@ -18969,21 +19941,31 @@
                     </a:solidFill>
                   </a:tcPr>
                 </a:tc>
-                <a:tc>
-                  <a:txBody>
-                    <a:bodyPr/>
-                    <a:lstStyle/>
-                    <a:p>
-                      <a:pPr>
-                        <a:buNone/>
-                      </a:pPr>
-                      <a:r>
-                        <a:rPr lang="en-IN" sz="1400" noProof="0" dirty="0"/>
-                        <a:t>Texts given to Chroma</a:t>
-                      </a:r>
-                    </a:p>
-                  </a:txBody>
-                  <a:tcPr marL="32717" marR="32717" marT="16358" marB="16358" anchor="ctr">
+                <a:extLst>
+                  <a:ext uri="{0D108BD9-81ED-4DB2-BD59-A6C34878D82A}">
+                    <a16:rowId xmlns:a16="http://schemas.microsoft.com/office/drawing/2014/main" val="1158947578"/>
+                  </a:ext>
+                </a:extLst>
+              </a:tr>
+              <a:tr h="579235">
+                <a:tc>
+                  <a:txBody>
+                    <a:bodyPr/>
+                    <a:lstStyle/>
+                    <a:p>
+                      <a:pPr>
+                        <a:buNone/>
+                      </a:pPr>
+                      <a:r>
+                        <a:rPr lang="en-GB" sz="1200">
+                          <a:latin typeface="Courier New" panose="02070309020205020404" pitchFamily="49" charset="0"/>
+                        </a:rPr>
+                        <a:t>imgUrl</a:t>
+                      </a:r>
+                      <a:endParaRPr lang="en-GB" sz="1200"/>
+                    </a:p>
+                  </a:txBody>
+                  <a:tcPr marL="69069" marR="69069" marT="34534" marB="34534" anchor="ctr">
                     <a:lnL w="12700" cap="flat" cmpd="sng" algn="ctr">
                       <a:solidFill>
                         <a:schemeClr val="tx1"/>
@@ -19020,14 +20002,6 @@
                       <a:headEnd type="none" w="med" len="med"/>
                       <a:tailEnd type="none" w="med" len="med"/>
                     </a:lnB>
-                    <a:lnTlToBr w="12700" cmpd="sng">
-                      <a:noFill/>
-                      <a:prstDash val="solid"/>
-                    </a:lnTlToBr>
-                    <a:lnBlToTr w="12700" cmpd="sng">
-                      <a:noFill/>
-                      <a:prstDash val="solid"/>
-                    </a:lnBlToTr>
                     <a:solidFill>
                       <a:schemeClr val="accent6">
                         <a:lumMod val="20000"/>
@@ -19045,15 +20019,15 @@
                         <a:buNone/>
                       </a:pPr>
                       <a:r>
-                        <a:rPr lang="en-IN" sz="1400" noProof="0" dirty="0">
+                        <a:rPr lang="en-GB" sz="1200">
                           <a:latin typeface="Courier New" panose="02070309020205020404" pitchFamily="49" charset="0"/>
                         </a:rPr>
-                        <a:t>["Hi there", "Bye, see you later"]</a:t>
-                      </a:r>
-                      <a:endParaRPr lang="en-IN" sz="1400" noProof="0" dirty="0"/>
-                    </a:p>
-                  </a:txBody>
-                  <a:tcPr marL="32717" marR="32717" marT="16358" marB="16358" anchor="ctr">
+                        <a:t>"https://m.media-amazon.com/images/I/815dLQKYIYL._AC_UL320_.jpg"</a:t>
+                      </a:r>
+                      <a:endParaRPr lang="en-GB" sz="1200"/>
+                    </a:p>
+                  </a:txBody>
+                  <a:tcPr marL="69069" marR="69069" marT="34534" marB="34534" anchor="ctr">
                     <a:lnL w="12700" cap="flat" cmpd="sng" algn="ctr">
                       <a:solidFill>
                         <a:schemeClr val="tx1"/>
@@ -19090,14 +20064,6 @@
                       <a:headEnd type="none" w="med" len="med"/>
                       <a:tailEnd type="none" w="med" len="med"/>
                     </a:lnB>
-                    <a:lnTlToBr w="12700" cmpd="sng">
-                      <a:noFill/>
-                      <a:prstDash val="solid"/>
-                    </a:lnTlToBr>
-                    <a:lnBlToTr w="12700" cmpd="sng">
-                      <a:noFill/>
-                      <a:prstDash val="solid"/>
-                    </a:lnBlToTr>
                     <a:solidFill>
                       <a:schemeClr val="accent6">
                         <a:lumMod val="20000"/>
@@ -19106,39 +20072,31 @@
                     </a:solidFill>
                   </a:tcPr>
                 </a:tc>
-                <a:tc>
-                  <a:txBody>
-                    <a:bodyPr/>
-                    <a:lstStyle/>
-                    <a:p>
-                      <a:pPr>
-                        <a:buNone/>
-                      </a:pPr>
-                      <a:r>
-                        <a:rPr lang="en-IN" sz="1400" noProof="0" dirty="0"/>
-                        <a:t>Each text is sent to the </a:t>
-                      </a:r>
-                      <a:r>
-                        <a:rPr lang="en-IN" sz="1400" b="1" noProof="0" dirty="0"/>
-                        <a:t>embedding model</a:t>
-                      </a:r>
-                      <a:r>
-                        <a:rPr lang="en-IN" sz="1400" noProof="0" dirty="0"/>
-                        <a:t> (e.g. </a:t>
-                      </a:r>
-                      <a:r>
-                        <a:rPr lang="en-IN" sz="1400" noProof="0" dirty="0">
+                <a:extLst>
+                  <a:ext uri="{0D108BD9-81ED-4DB2-BD59-A6C34878D82A}">
+                    <a16:rowId xmlns:a16="http://schemas.microsoft.com/office/drawing/2014/main" val="3984142349"/>
+                  </a:ext>
+                </a:extLst>
+              </a:tr>
+              <a:tr h="404961">
+                <a:tc>
+                  <a:txBody>
+                    <a:bodyPr/>
+                    <a:lstStyle/>
+                    <a:p>
+                      <a:pPr>
+                        <a:buNone/>
+                      </a:pPr>
+                      <a:r>
+                        <a:rPr lang="en-GB" sz="1200">
                           <a:latin typeface="Courier New" panose="02070309020205020404" pitchFamily="49" charset="0"/>
                         </a:rPr>
-                        <a:t>sentence-transformers/all-MiniLM-L6-v2</a:t>
-                      </a:r>
-                      <a:r>
-                        <a:rPr lang="en-IN" sz="1400" noProof="0" dirty="0"/>
-                        <a:t>).</a:t>
-                      </a:r>
-                    </a:p>
-                  </a:txBody>
-                  <a:tcPr marL="32717" marR="32717" marT="16358" marB="16358" anchor="ctr">
+                        <a:t>productURL</a:t>
+                      </a:r>
+                      <a:endParaRPr lang="en-GB" sz="1200"/>
+                    </a:p>
+                  </a:txBody>
+                  <a:tcPr marL="69069" marR="69069" marT="34534" marB="34534" anchor="ctr">
                     <a:lnL w="12700" cap="flat" cmpd="sng" algn="ctr">
                       <a:solidFill>
                         <a:schemeClr val="tx1"/>
@@ -19175,14 +20133,6 @@
                       <a:headEnd type="none" w="med" len="med"/>
                       <a:tailEnd type="none" w="med" len="med"/>
                     </a:lnB>
-                    <a:lnTlToBr w="12700" cmpd="sng">
-                      <a:noFill/>
-                      <a:prstDash val="solid"/>
-                    </a:lnTlToBr>
-                    <a:lnBlToTr w="12700" cmpd="sng">
-                      <a:noFill/>
-                      <a:prstDash val="solid"/>
-                    </a:lnBlToTr>
                     <a:solidFill>
                       <a:schemeClr val="accent6">
                         <a:lumMod val="20000"/>
@@ -19200,12 +20150,15 @@
                         <a:buNone/>
                       </a:pPr>
                       <a:r>
-                        <a:rPr lang="en-IN" sz="1400" noProof="0" dirty="0"/>
-                        <a:t>Raw text + metadata are prepared.</a:t>
-                      </a:r>
-                    </a:p>
-                  </a:txBody>
-                  <a:tcPr marL="32717" marR="32717" marT="16358" marB="16358" anchor="ctr">
+                        <a:rPr lang="en-GB" sz="1200">
+                          <a:latin typeface="Courier New" panose="02070309020205020404" pitchFamily="49" charset="0"/>
+                        </a:rPr>
+                        <a:t>"https://www.amazon.com/dp/B014TMV5YE"</a:t>
+                      </a:r>
+                      <a:endParaRPr lang="en-GB" sz="1200"/>
+                    </a:p>
+                  </a:txBody>
+                  <a:tcPr marL="69069" marR="69069" marT="34534" marB="34534" anchor="ctr">
                     <a:lnL w="12700" cap="flat" cmpd="sng" algn="ctr">
                       <a:solidFill>
                         <a:schemeClr val="tx1"/>
@@ -19242,14 +20195,6 @@
                       <a:headEnd type="none" w="med" len="med"/>
                       <a:tailEnd type="none" w="med" len="med"/>
                     </a:lnB>
-                    <a:lnTlToBr w="12700" cmpd="sng">
-                      <a:noFill/>
-                      <a:prstDash val="solid"/>
-                    </a:lnTlToBr>
-                    <a:lnBlToTr w="12700" cmpd="sng">
-                      <a:noFill/>
-                      <a:prstDash val="solid"/>
-                    </a:lnBlToTr>
                     <a:solidFill>
                       <a:schemeClr val="accent6">
                         <a:lumMod val="20000"/>
@@ -19260,27 +20205,29 @@
                 </a:tc>
                 <a:extLst>
                   <a:ext uri="{0D108BD9-81ED-4DB2-BD59-A6C34878D82A}">
-                    <a16:rowId xmlns:a16="http://schemas.microsoft.com/office/drawing/2014/main" val="3311042971"/>
+                    <a16:rowId xmlns:a16="http://schemas.microsoft.com/office/drawing/2014/main" val="3373519004"/>
                   </a:ext>
                 </a:extLst>
               </a:tr>
-              <a:tr h="719770">
-                <a:tc>
-                  <a:txBody>
-                    <a:bodyPr/>
-                    <a:lstStyle/>
-                    <a:p>
-                      <a:pPr>
-                        <a:buNone/>
-                      </a:pPr>
-                      <a:r>
-                        <a:rPr lang="en-IN" sz="1400" b="1" noProof="0" dirty="0"/>
-                        <a:t>2</a:t>
-                      </a:r>
-                      <a:endParaRPr lang="en-IN" sz="1400" noProof="0" dirty="0"/>
-                    </a:p>
-                  </a:txBody>
-                  <a:tcPr marL="32717" marR="32717" marT="16358" marB="16358" anchor="ctr">
+              <a:tr h="230688">
+                <a:tc>
+                  <a:txBody>
+                    <a:bodyPr/>
+                    <a:lstStyle/>
+                    <a:p>
+                      <a:pPr>
+                        <a:buNone/>
+                      </a:pPr>
+                      <a:r>
+                        <a:rPr lang="en-GB" sz="1200">
+                          <a:latin typeface="Courier New" panose="02070309020205020404" pitchFamily="49" charset="0"/>
+                        </a:rPr>
+                        <a:t>stars</a:t>
+                      </a:r>
+                      <a:endParaRPr lang="en-GB" sz="1200"/>
+                    </a:p>
+                  </a:txBody>
+                  <a:tcPr marL="69069" marR="69069" marT="34534" marB="34534" anchor="ctr">
                     <a:lnL w="12700" cap="flat" cmpd="sng" algn="ctr">
                       <a:solidFill>
                         <a:schemeClr val="tx1"/>
@@ -19317,14 +20264,6 @@
                       <a:headEnd type="none" w="med" len="med"/>
                       <a:tailEnd type="none" w="med" len="med"/>
                     </a:lnB>
-                    <a:lnTlToBr w="12700" cmpd="sng">
-                      <a:noFill/>
-                      <a:prstDash val="solid"/>
-                    </a:lnTlToBr>
-                    <a:lnBlToTr w="12700" cmpd="sng">
-                      <a:noFill/>
-                      <a:prstDash val="solid"/>
-                    </a:lnBlToTr>
                     <a:solidFill>
                       <a:schemeClr val="accent6">
                         <a:lumMod val="20000"/>
@@ -19342,12 +20281,15 @@
                         <a:buNone/>
                       </a:pPr>
                       <a:r>
-                        <a:rPr lang="en-IN" sz="1400" noProof="0" dirty="0"/>
-                        <a:t>Embedding model converts text → vector</a:t>
-                      </a:r>
-                    </a:p>
-                  </a:txBody>
-                  <a:tcPr marL="32717" marR="32717" marT="16358" marB="16358" anchor="ctr">
+                        <a:rPr lang="en-GB" sz="1200">
+                          <a:latin typeface="Courier New" panose="02070309020205020404" pitchFamily="49" charset="0"/>
+                        </a:rPr>
+                        <a:t>4.5</a:t>
+                      </a:r>
+                      <a:endParaRPr lang="en-GB" sz="1200"/>
+                    </a:p>
+                  </a:txBody>
+                  <a:tcPr marL="69069" marR="69069" marT="34534" marB="34534" anchor="ctr">
                     <a:lnL w="12700" cap="flat" cmpd="sng" algn="ctr">
                       <a:solidFill>
                         <a:schemeClr val="tx1"/>
@@ -19384,14 +20326,6 @@
                       <a:headEnd type="none" w="med" len="med"/>
                       <a:tailEnd type="none" w="med" len="med"/>
                     </a:lnB>
-                    <a:lnTlToBr w="12700" cmpd="sng">
-                      <a:noFill/>
-                      <a:prstDash val="solid"/>
-                    </a:lnTlToBr>
-                    <a:lnBlToTr w="12700" cmpd="sng">
-                      <a:noFill/>
-                      <a:prstDash val="solid"/>
-                    </a:lnBlToTr>
                     <a:solidFill>
                       <a:schemeClr val="accent6">
                         <a:lumMod val="20000"/>
@@ -19400,37 +20334,31 @@
                     </a:solidFill>
                   </a:tcPr>
                 </a:tc>
-                <a:tc>
-                  <a:txBody>
-                    <a:bodyPr/>
-                    <a:lstStyle/>
-                    <a:p>
-                      <a:pPr>
-                        <a:buNone/>
-                      </a:pPr>
-                      <a:r>
-                        <a:rPr lang="en-IN" sz="1400" noProof="0" dirty="0">
+                <a:extLst>
+                  <a:ext uri="{0D108BD9-81ED-4DB2-BD59-A6C34878D82A}">
+                    <a16:rowId xmlns:a16="http://schemas.microsoft.com/office/drawing/2014/main" val="14240927"/>
+                  </a:ext>
+                </a:extLst>
+              </a:tr>
+              <a:tr h="230688">
+                <a:tc>
+                  <a:txBody>
+                    <a:bodyPr/>
+                    <a:lstStyle/>
+                    <a:p>
+                      <a:pPr>
+                        <a:buNone/>
+                      </a:pPr>
+                      <a:r>
+                        <a:rPr lang="en-GB" sz="1200">
                           <a:latin typeface="Courier New" panose="02070309020205020404" pitchFamily="49" charset="0"/>
                         </a:rPr>
-                        <a:t>"Hi there"</a:t>
-                      </a:r>
-                      <a:r>
-                        <a:rPr lang="en-IN" sz="1400" noProof="0" dirty="0"/>
-                        <a:t> → </a:t>
-                      </a:r>
-                      <a:r>
-                        <a:rPr lang="en-IN" sz="1400" noProof="0" dirty="0">
-                          <a:latin typeface="Courier New" panose="02070309020205020404" pitchFamily="49" charset="0"/>
-                        </a:rPr>
-                        <a:t>[0.12, -0.43, 0.87, ...]</a:t>
-                      </a:r>
-                      <a:r>
-                        <a:rPr lang="en-IN" sz="1400" noProof="0" dirty="0"/>
-                        <a:t> (384 dims)</a:t>
-                      </a:r>
-                    </a:p>
-                  </a:txBody>
-                  <a:tcPr marL="32717" marR="32717" marT="16358" marB="16358" anchor="ctr">
+                        <a:t>reviews</a:t>
+                      </a:r>
+                      <a:endParaRPr lang="en-GB" sz="1200"/>
+                    </a:p>
+                  </a:txBody>
+                  <a:tcPr marL="69069" marR="69069" marT="34534" marB="34534" anchor="ctr">
                     <a:lnL w="12700" cap="flat" cmpd="sng" algn="ctr">
                       <a:solidFill>
                         <a:schemeClr val="tx1"/>
@@ -19467,14 +20395,6 @@
                       <a:headEnd type="none" w="med" len="med"/>
                       <a:tailEnd type="none" w="med" len="med"/>
                     </a:lnB>
-                    <a:lnTlToBr w="12700" cmpd="sng">
-                      <a:noFill/>
-                      <a:prstDash val="solid"/>
-                    </a:lnTlToBr>
-                    <a:lnBlToTr w="12700" cmpd="sng">
-                      <a:noFill/>
-                      <a:prstDash val="solid"/>
-                    </a:lnBlToTr>
                     <a:solidFill>
                       <a:schemeClr val="accent6">
                         <a:lumMod val="20000"/>
@@ -19492,24 +20412,15 @@
                         <a:buNone/>
                       </a:pPr>
                       <a:r>
-                        <a:rPr lang="en-IN" sz="1400" noProof="0" dirty="0" err="1"/>
-                        <a:t>HuggingFace</a:t>
-                      </a:r>
-                      <a:r>
-                        <a:rPr lang="en-IN" sz="1400" noProof="0" dirty="0"/>
-                        <a:t> Embeddings converts each string into a </a:t>
-                      </a:r>
-                      <a:r>
-                        <a:rPr lang="en-IN" sz="1400" b="1" noProof="0" dirty="0"/>
-                        <a:t>dense numerical vector</a:t>
-                      </a:r>
-                      <a:r>
-                        <a:rPr lang="en-IN" sz="1400" noProof="0" dirty="0"/>
-                        <a:t> capturing its meaning.</a:t>
-                      </a:r>
-                    </a:p>
-                  </a:txBody>
-                  <a:tcPr marL="32717" marR="32717" marT="16358" marB="16358" anchor="ctr">
+                        <a:rPr lang="en-GB" sz="1200">
+                          <a:latin typeface="Courier New" panose="02070309020205020404" pitchFamily="49" charset="0"/>
+                        </a:rPr>
+                        <a:t>0</a:t>
+                      </a:r>
+                      <a:endParaRPr lang="en-GB" sz="1200"/>
+                    </a:p>
+                  </a:txBody>
+                  <a:tcPr marL="69069" marR="69069" marT="34534" marB="34534" anchor="ctr">
                     <a:lnL w="12700" cap="flat" cmpd="sng" algn="ctr">
                       <a:solidFill>
                         <a:schemeClr val="tx1"/>
@@ -19546,14 +20457,6 @@
                       <a:headEnd type="none" w="med" len="med"/>
                       <a:tailEnd type="none" w="med" len="med"/>
                     </a:lnB>
-                    <a:lnTlToBr w="12700" cmpd="sng">
-                      <a:noFill/>
-                      <a:prstDash val="solid"/>
-                    </a:lnTlToBr>
-                    <a:lnBlToTr w="12700" cmpd="sng">
-                      <a:noFill/>
-                      <a:prstDash val="solid"/>
-                    </a:lnBlToTr>
                     <a:solidFill>
                       <a:schemeClr val="accent6">
                         <a:lumMod val="20000"/>
@@ -19562,21 +20465,31 @@
                     </a:solidFill>
                   </a:tcPr>
                 </a:tc>
-                <a:tc>
-                  <a:txBody>
-                    <a:bodyPr/>
-                    <a:lstStyle/>
-                    <a:p>
-                      <a:pPr>
-                        <a:buNone/>
-                      </a:pPr>
-                      <a:r>
-                        <a:rPr lang="en-IN" sz="1400" noProof="0" dirty="0"/>
-                        <a:t>Each vector = Semantic representation of one text.</a:t>
-                      </a:r>
-                    </a:p>
-                  </a:txBody>
-                  <a:tcPr marL="32717" marR="32717" marT="16358" marB="16358" anchor="ctr">
+                <a:extLst>
+                  <a:ext uri="{0D108BD9-81ED-4DB2-BD59-A6C34878D82A}">
+                    <a16:rowId xmlns:a16="http://schemas.microsoft.com/office/drawing/2014/main" val="2540968867"/>
+                  </a:ext>
+                </a:extLst>
+              </a:tr>
+              <a:tr h="230688">
+                <a:tc>
+                  <a:txBody>
+                    <a:bodyPr/>
+                    <a:lstStyle/>
+                    <a:p>
+                      <a:pPr>
+                        <a:buNone/>
+                      </a:pPr>
+                      <a:r>
+                        <a:rPr lang="en-GB" sz="1200">
+                          <a:latin typeface="Courier New" panose="02070309020205020404" pitchFamily="49" charset="0"/>
+                        </a:rPr>
+                        <a:t>price</a:t>
+                      </a:r>
+                      <a:endParaRPr lang="en-GB" sz="1200"/>
+                    </a:p>
+                  </a:txBody>
+                  <a:tcPr marL="69069" marR="69069" marT="34534" marB="34534" anchor="ctr">
                     <a:lnL w="12700" cap="flat" cmpd="sng" algn="ctr">
                       <a:solidFill>
                         <a:schemeClr val="tx1"/>
@@ -19613,14 +20526,6 @@
                       <a:headEnd type="none" w="med" len="med"/>
                       <a:tailEnd type="none" w="med" len="med"/>
                     </a:lnB>
-                    <a:lnTlToBr w="12700" cmpd="sng">
-                      <a:noFill/>
-                      <a:prstDash val="solid"/>
-                    </a:lnTlToBr>
-                    <a:lnBlToTr w="12700" cmpd="sng">
-                      <a:noFill/>
-                      <a:prstDash val="solid"/>
-                    </a:lnBlToTr>
                     <a:solidFill>
                       <a:schemeClr val="accent6">
                         <a:lumMod val="20000"/>
@@ -19629,29 +20534,24 @@
                     </a:solidFill>
                   </a:tcPr>
                 </a:tc>
-                <a:extLst>
-                  <a:ext uri="{0D108BD9-81ED-4DB2-BD59-A6C34878D82A}">
-                    <a16:rowId xmlns:a16="http://schemas.microsoft.com/office/drawing/2014/main" val="1751574829"/>
-                  </a:ext>
-                </a:extLst>
-              </a:tr>
-              <a:tr h="916071">
-                <a:tc>
-                  <a:txBody>
-                    <a:bodyPr/>
-                    <a:lstStyle/>
-                    <a:p>
-                      <a:pPr>
-                        <a:buNone/>
-                      </a:pPr>
-                      <a:r>
-                        <a:rPr lang="en-IN" sz="1400" b="1" noProof="0" dirty="0"/>
-                        <a:t>3</a:t>
-                      </a:r>
-                      <a:endParaRPr lang="en-IN" sz="1400" noProof="0" dirty="0"/>
-                    </a:p>
-                  </a:txBody>
-                  <a:tcPr marL="32717" marR="32717" marT="16358" marB="16358" anchor="ctr">
+                <a:tc>
+                  <a:txBody>
+                    <a:bodyPr/>
+                    <a:lstStyle/>
+                    <a:p>
+                      <a:pPr>
+                        <a:buNone/>
+                      </a:pPr>
+                      <a:r>
+                        <a:rPr lang="en-GB" sz="1200">
+                          <a:latin typeface="Courier New" panose="02070309020205020404" pitchFamily="49" charset="0"/>
+                        </a:rPr>
+                        <a:t>139.99</a:t>
+                      </a:r>
+                      <a:endParaRPr lang="en-GB" sz="1200"/>
+                    </a:p>
+                  </a:txBody>
+                  <a:tcPr marL="69069" marR="69069" marT="34534" marB="34534" anchor="ctr">
                     <a:lnL w="12700" cap="flat" cmpd="sng" algn="ctr">
                       <a:solidFill>
                         <a:schemeClr val="tx1"/>
@@ -19688,14 +20588,6 @@
                       <a:headEnd type="none" w="med" len="med"/>
                       <a:tailEnd type="none" w="med" len="med"/>
                     </a:lnB>
-                    <a:lnTlToBr w="12700" cmpd="sng">
-                      <a:noFill/>
-                      <a:prstDash val="solid"/>
-                    </a:lnTlToBr>
-                    <a:lnBlToTr w="12700" cmpd="sng">
-                      <a:noFill/>
-                      <a:prstDash val="solid"/>
-                    </a:lnBlToTr>
                     <a:solidFill>
                       <a:schemeClr val="accent6">
                         <a:lumMod val="20000"/>
@@ -19704,21 +20596,31 @@
                     </a:solidFill>
                   </a:tcPr>
                 </a:tc>
-                <a:tc>
-                  <a:txBody>
-                    <a:bodyPr/>
-                    <a:lstStyle/>
-                    <a:p>
-                      <a:pPr>
-                        <a:buNone/>
-                      </a:pPr>
-                      <a:r>
-                        <a:rPr lang="en-IN" sz="1400" noProof="0" dirty="0"/>
-                        <a:t>Vectors + text added to collection</a:t>
-                      </a:r>
-                    </a:p>
-                  </a:txBody>
-                  <a:tcPr marL="32717" marR="32717" marT="16358" marB="16358" anchor="ctr">
+                <a:extLst>
+                  <a:ext uri="{0D108BD9-81ED-4DB2-BD59-A6C34878D82A}">
+                    <a16:rowId xmlns:a16="http://schemas.microsoft.com/office/drawing/2014/main" val="3840594121"/>
+                  </a:ext>
+                </a:extLst>
+              </a:tr>
+              <a:tr h="230688">
+                <a:tc>
+                  <a:txBody>
+                    <a:bodyPr/>
+                    <a:lstStyle/>
+                    <a:p>
+                      <a:pPr>
+                        <a:buNone/>
+                      </a:pPr>
+                      <a:r>
+                        <a:rPr lang="en-GB" sz="1200">
+                          <a:latin typeface="Courier New" panose="02070309020205020404" pitchFamily="49" charset="0"/>
+                        </a:rPr>
+                        <a:t>listPrice</a:t>
+                      </a:r>
+                      <a:endParaRPr lang="en-GB" sz="1200"/>
+                    </a:p>
+                  </a:txBody>
+                  <a:tcPr marL="69069" marR="69069" marT="34534" marB="34534" anchor="ctr">
                     <a:lnL w="12700" cap="flat" cmpd="sng" algn="ctr">
                       <a:solidFill>
                         <a:schemeClr val="tx1"/>
@@ -19755,14 +20657,6 @@
                       <a:headEnd type="none" w="med" len="med"/>
                       <a:tailEnd type="none" w="med" len="med"/>
                     </a:lnB>
-                    <a:lnTlToBr w="12700" cmpd="sng">
-                      <a:noFill/>
-                      <a:prstDash val="solid"/>
-                    </a:lnTlToBr>
-                    <a:lnBlToTr w="12700" cmpd="sng">
-                      <a:noFill/>
-                      <a:prstDash val="solid"/>
-                    </a:lnBlToTr>
                     <a:solidFill>
                       <a:schemeClr val="accent6">
                         <a:lumMod val="20000"/>
@@ -19780,33 +20674,15 @@
                         <a:buNone/>
                       </a:pPr>
                       <a:r>
-                        <a:rPr lang="en-IN" sz="1400" noProof="0" dirty="0" err="1">
+                        <a:rPr lang="en-GB" sz="1200">
                           <a:latin typeface="Courier New" panose="02070309020205020404" pitchFamily="49" charset="0"/>
                         </a:rPr>
-                        <a:t>collection_name</a:t>
-                      </a:r>
-                      <a:r>
-                        <a:rPr lang="en-IN" sz="1400" noProof="0" dirty="0">
-                          <a:latin typeface="Courier New" panose="02070309020205020404" pitchFamily="49" charset="0"/>
-                        </a:rPr>
-                        <a:t>="</a:t>
-                      </a:r>
-                      <a:r>
-                        <a:rPr lang="en-IN" sz="1400" noProof="0" dirty="0" err="1">
-                          <a:latin typeface="Courier New" panose="02070309020205020404" pitchFamily="49" charset="0"/>
-                        </a:rPr>
-                        <a:t>greetings_memory</a:t>
-                      </a:r>
-                      <a:r>
-                        <a:rPr lang="en-IN" sz="1400" noProof="0" dirty="0">
-                          <a:latin typeface="Courier New" panose="02070309020205020404" pitchFamily="49" charset="0"/>
-                        </a:rPr>
-                        <a:t>"</a:t>
-                      </a:r>
-                      <a:endParaRPr lang="en-IN" sz="1400" noProof="0" dirty="0"/>
-                    </a:p>
-                  </a:txBody>
-                  <a:tcPr marL="32717" marR="32717" marT="16358" marB="16358" anchor="ctr">
+                        <a:t>0.0</a:t>
+                      </a:r>
+                      <a:endParaRPr lang="en-GB" sz="1200"/>
+                    </a:p>
+                  </a:txBody>
+                  <a:tcPr marL="69069" marR="69069" marT="34534" marB="34534" anchor="ctr">
                     <a:lnL w="12700" cap="flat" cmpd="sng" algn="ctr">
                       <a:solidFill>
                         <a:schemeClr val="tx1"/>
@@ -19843,14 +20719,6 @@
                       <a:headEnd type="none" w="med" len="med"/>
                       <a:tailEnd type="none" w="med" len="med"/>
                     </a:lnB>
-                    <a:lnTlToBr w="12700" cmpd="sng">
-                      <a:noFill/>
-                      <a:prstDash val="solid"/>
-                    </a:lnTlToBr>
-                    <a:lnBlToTr w="12700" cmpd="sng">
-                      <a:noFill/>
-                      <a:prstDash val="solid"/>
-                    </a:lnBlToTr>
                     <a:solidFill>
                       <a:schemeClr val="accent6">
                         <a:lumMod val="20000"/>
@@ -19859,33 +20727,31 @@
                     </a:solidFill>
                   </a:tcPr>
                 </a:tc>
-                <a:tc>
-                  <a:txBody>
-                    <a:bodyPr/>
-                    <a:lstStyle/>
-                    <a:p>
-                      <a:pPr>
-                        <a:buNone/>
-                      </a:pPr>
-                      <a:r>
-                        <a:rPr lang="en-IN" sz="1400" noProof="0" dirty="0" err="1">
+                <a:extLst>
+                  <a:ext uri="{0D108BD9-81ED-4DB2-BD59-A6C34878D82A}">
+                    <a16:rowId xmlns:a16="http://schemas.microsoft.com/office/drawing/2014/main" val="516463511"/>
+                  </a:ext>
+                </a:extLst>
+              </a:tr>
+              <a:tr h="230688">
+                <a:tc>
+                  <a:txBody>
+                    <a:bodyPr/>
+                    <a:lstStyle/>
+                    <a:p>
+                      <a:pPr>
+                        <a:buNone/>
+                      </a:pPr>
+                      <a:r>
+                        <a:rPr lang="en-GB" sz="1200">
                           <a:latin typeface="Courier New" panose="02070309020205020404" pitchFamily="49" charset="0"/>
                         </a:rPr>
-                        <a:t>vectorstore.add_texts</a:t>
-                      </a:r>
-                      <a:r>
-                        <a:rPr lang="en-IN" sz="1400" noProof="0" dirty="0">
-                          <a:latin typeface="Courier New" panose="02070309020205020404" pitchFamily="49" charset="0"/>
-                        </a:rPr>
-                        <a:t>()</a:t>
-                      </a:r>
-                      <a:r>
-                        <a:rPr lang="en-IN" sz="1400" noProof="0" dirty="0"/>
-                        <a:t> sends data to Chroma, which stores: ID (auto-generated), text (document), vector (embedding), metadata (optional)</a:t>
-                      </a:r>
-                    </a:p>
-                  </a:txBody>
-                  <a:tcPr marL="32717" marR="32717" marT="16358" marB="16358" anchor="ctr">
+                        <a:t>category_id</a:t>
+                      </a:r>
+                      <a:endParaRPr lang="en-GB" sz="1200"/>
+                    </a:p>
+                  </a:txBody>
+                  <a:tcPr marL="69069" marR="69069" marT="34534" marB="34534" anchor="ctr">
                     <a:lnL w="12700" cap="flat" cmpd="sng" algn="ctr">
                       <a:solidFill>
                         <a:schemeClr val="tx1"/>
@@ -19922,14 +20788,6 @@
                       <a:headEnd type="none" w="med" len="med"/>
                       <a:tailEnd type="none" w="med" len="med"/>
                     </a:lnB>
-                    <a:lnTlToBr w="12700" cmpd="sng">
-                      <a:noFill/>
-                      <a:prstDash val="solid"/>
-                    </a:lnTlToBr>
-                    <a:lnBlToTr w="12700" cmpd="sng">
-                      <a:noFill/>
-                      <a:prstDash val="solid"/>
-                    </a:lnBlToTr>
                     <a:solidFill>
                       <a:schemeClr val="accent6">
                         <a:lumMod val="20000"/>
@@ -19947,34 +20805,15 @@
                         <a:buNone/>
                       </a:pPr>
                       <a:r>
-                        <a:rPr lang="en-IN" sz="1400" noProof="0" dirty="0"/>
-                        <a:t>Stored in a </a:t>
-                      </a:r>
-                      <a:r>
-                        <a:rPr lang="en-IN" sz="1400" b="1" noProof="0" dirty="0" err="1"/>
-                        <a:t>DuckDB</a:t>
-                      </a:r>
-                      <a:r>
-                        <a:rPr lang="en-IN" sz="1400" b="1" noProof="0" dirty="0"/>
-                        <a:t> / SQLite file</a:t>
-                      </a:r>
-                      <a:r>
-                        <a:rPr lang="en-IN" sz="1400" noProof="0" dirty="0"/>
-                        <a:t> inside </a:t>
-                      </a:r>
-                      <a:r>
-                        <a:rPr lang="en-IN" sz="1400" noProof="0" dirty="0">
+                        <a:rPr lang="en-GB" sz="1200">
                           <a:latin typeface="Courier New" panose="02070309020205020404" pitchFamily="49" charset="0"/>
                         </a:rPr>
-                        <a:t>.chroma/</a:t>
-                      </a:r>
-                      <a:r>
-                        <a:rPr lang="en-IN" sz="1400" noProof="0" dirty="0"/>
-                        <a:t> directory.</a:t>
-                      </a:r>
-                    </a:p>
-                  </a:txBody>
-                  <a:tcPr marL="32717" marR="32717" marT="16358" marB="16358" anchor="ctr">
+                        <a:t>104</a:t>
+                      </a:r>
+                      <a:endParaRPr lang="en-GB" sz="1200"/>
+                    </a:p>
+                  </a:txBody>
+                  <a:tcPr marL="69069" marR="69069" marT="34534" marB="34534" anchor="ctr">
                     <a:lnL w="12700" cap="flat" cmpd="sng" algn="ctr">
                       <a:solidFill>
                         <a:schemeClr val="tx1"/>
@@ -20011,14 +20850,6 @@
                       <a:headEnd type="none" w="med" len="med"/>
                       <a:tailEnd type="none" w="med" len="med"/>
                     </a:lnB>
-                    <a:lnTlToBr w="12700" cmpd="sng">
-                      <a:noFill/>
-                      <a:prstDash val="solid"/>
-                    </a:lnTlToBr>
-                    <a:lnBlToTr w="12700" cmpd="sng">
-                      <a:noFill/>
-                      <a:prstDash val="solid"/>
-                    </a:lnBlToTr>
                     <a:solidFill>
                       <a:schemeClr val="accent6">
                         <a:lumMod val="20000"/>
@@ -20029,27 +20860,29 @@
                 </a:tc>
                 <a:extLst>
                   <a:ext uri="{0D108BD9-81ED-4DB2-BD59-A6C34878D82A}">
-                    <a16:rowId xmlns:a16="http://schemas.microsoft.com/office/drawing/2014/main" val="1317394345"/>
+                    <a16:rowId xmlns:a16="http://schemas.microsoft.com/office/drawing/2014/main" val="184273839"/>
                   </a:ext>
                 </a:extLst>
               </a:tr>
-              <a:tr h="719770">
-                <a:tc>
-                  <a:txBody>
-                    <a:bodyPr/>
-                    <a:lstStyle/>
-                    <a:p>
-                      <a:pPr>
-                        <a:buNone/>
-                      </a:pPr>
-                      <a:r>
-                        <a:rPr lang="en-IN" sz="1400" b="1" noProof="0" dirty="0"/>
-                        <a:t>4</a:t>
-                      </a:r>
-                      <a:endParaRPr lang="en-IN" sz="1400" noProof="0" dirty="0"/>
-                    </a:p>
-                  </a:txBody>
-                  <a:tcPr marL="32717" marR="32717" marT="16358" marB="16358" anchor="ctr">
+              <a:tr h="230688">
+                <a:tc>
+                  <a:txBody>
+                    <a:bodyPr/>
+                    <a:lstStyle/>
+                    <a:p>
+                      <a:pPr>
+                        <a:buNone/>
+                      </a:pPr>
+                      <a:r>
+                        <a:rPr lang="en-GB" sz="1200">
+                          <a:latin typeface="Courier New" panose="02070309020205020404" pitchFamily="49" charset="0"/>
+                        </a:rPr>
+                        <a:t>isBestSeller</a:t>
+                      </a:r>
+                      <a:endParaRPr lang="en-GB" sz="1200"/>
+                    </a:p>
+                  </a:txBody>
+                  <a:tcPr marL="69069" marR="69069" marT="34534" marB="34534" anchor="ctr">
                     <a:lnL w="12700" cap="flat" cmpd="sng" algn="ctr">
                       <a:solidFill>
                         <a:schemeClr val="tx1"/>
@@ -20086,14 +20919,6 @@
                       <a:headEnd type="none" w="med" len="med"/>
                       <a:tailEnd type="none" w="med" len="med"/>
                     </a:lnB>
-                    <a:lnTlToBr w="12700" cmpd="sng">
-                      <a:noFill/>
-                      <a:prstDash val="solid"/>
-                    </a:lnTlToBr>
-                    <a:lnBlToTr w="12700" cmpd="sng">
-                      <a:noFill/>
-                      <a:prstDash val="solid"/>
-                    </a:lnBlToTr>
                     <a:solidFill>
                       <a:schemeClr val="accent6">
                         <a:lumMod val="20000"/>
@@ -20111,22 +20936,15 @@
                         <a:buNone/>
                       </a:pPr>
                       <a:r>
-                        <a:rPr lang="en-IN" sz="1400" noProof="0" dirty="0"/>
-                        <a:t>Query comes in (e.g., </a:t>
-                      </a:r>
-                      <a:r>
-                        <a:rPr lang="en-IN" sz="1400" noProof="0" dirty="0">
+                        <a:rPr lang="en-GB" sz="1200">
                           <a:latin typeface="Courier New" panose="02070309020205020404" pitchFamily="49" charset="0"/>
                         </a:rPr>
-                        <a:t>"Hello"</a:t>
-                      </a:r>
-                      <a:r>
-                        <a:rPr lang="en-IN" sz="1400" noProof="0" dirty="0"/>
-                        <a:t>)</a:t>
-                      </a:r>
-                    </a:p>
-                  </a:txBody>
-                  <a:tcPr marL="32717" marR="32717" marT="16358" marB="16358" anchor="ctr">
+                        <a:t>False</a:t>
+                      </a:r>
+                      <a:endParaRPr lang="en-GB" sz="1200"/>
+                    </a:p>
+                  </a:txBody>
+                  <a:tcPr marL="69069" marR="69069" marT="34534" marB="34534" anchor="ctr">
                     <a:lnL w="12700" cap="flat" cmpd="sng" algn="ctr">
                       <a:solidFill>
                         <a:schemeClr val="tx1"/>
@@ -20163,14 +20981,6 @@
                       <a:headEnd type="none" w="med" len="med"/>
                       <a:tailEnd type="none" w="med" len="med"/>
                     </a:lnB>
-                    <a:lnTlToBr w="12700" cmpd="sng">
-                      <a:noFill/>
-                      <a:prstDash val="solid"/>
-                    </a:lnTlToBr>
-                    <a:lnBlToTr w="12700" cmpd="sng">
-                      <a:noFill/>
-                      <a:prstDash val="solid"/>
-                    </a:lnBlToTr>
                     <a:solidFill>
                       <a:schemeClr val="accent6">
                         <a:lumMod val="20000"/>
@@ -20179,28 +20989,31 @@
                     </a:solidFill>
                   </a:tcPr>
                 </a:tc>
-                <a:tc>
-                  <a:txBody>
-                    <a:bodyPr/>
-                    <a:lstStyle/>
-                    <a:p>
-                      <a:pPr>
-                        <a:buNone/>
-                      </a:pPr>
-                      <a:r>
-                        <a:rPr lang="en-IN" sz="1400" noProof="0" dirty="0"/>
-                        <a:t>Query embedding = </a:t>
-                      </a:r>
-                      <a:r>
-                        <a:rPr lang="en-IN" sz="1400" noProof="0" dirty="0">
+                <a:extLst>
+                  <a:ext uri="{0D108BD9-81ED-4DB2-BD59-A6C34878D82A}">
+                    <a16:rowId xmlns:a16="http://schemas.microsoft.com/office/drawing/2014/main" val="333980935"/>
+                  </a:ext>
+                </a:extLst>
+              </a:tr>
+              <a:tr h="230688">
+                <a:tc>
+                  <a:txBody>
+                    <a:bodyPr/>
+                    <a:lstStyle/>
+                    <a:p>
+                      <a:pPr>
+                        <a:buNone/>
+                      </a:pPr>
+                      <a:r>
+                        <a:rPr lang="en-GB" sz="1200">
                           <a:latin typeface="Courier New" panose="02070309020205020404" pitchFamily="49" charset="0"/>
                         </a:rPr>
-                        <a:t>[0.09, -0.40, 0.90, ...]</a:t>
-                      </a:r>
-                      <a:endParaRPr lang="en-IN" sz="1400" noProof="0" dirty="0"/>
-                    </a:p>
-                  </a:txBody>
-                  <a:tcPr marL="32717" marR="32717" marT="16358" marB="16358" anchor="ctr">
+                        <a:t>boughtInLastMonth</a:t>
+                      </a:r>
+                      <a:endParaRPr lang="en-GB" sz="1200"/>
+                    </a:p>
+                  </a:txBody>
+                  <a:tcPr marL="69069" marR="69069" marT="34534" marB="34534" anchor="ctr">
                     <a:lnL w="12700" cap="flat" cmpd="sng" algn="ctr">
                       <a:solidFill>
                         <a:schemeClr val="tx1"/>
@@ -20237,14 +21050,6 @@
                       <a:headEnd type="none" w="med" len="med"/>
                       <a:tailEnd type="none" w="med" len="med"/>
                     </a:lnB>
-                    <a:lnTlToBr w="12700" cmpd="sng">
-                      <a:noFill/>
-                      <a:prstDash val="solid"/>
-                    </a:lnTlToBr>
-                    <a:lnBlToTr w="12700" cmpd="sng">
-                      <a:noFill/>
-                      <a:prstDash val="solid"/>
-                    </a:lnBlToTr>
                     <a:solidFill>
                       <a:schemeClr val="accent6">
                         <a:lumMod val="20000"/>
@@ -20262,28 +21067,15 @@
                         <a:buNone/>
                       </a:pPr>
                       <a:r>
-                        <a:rPr lang="en-IN" sz="1400" noProof="0" dirty="0"/>
-                        <a:t>Query vector computed with same model → then compared to all stored vectors using </a:t>
-                      </a:r>
-                      <a:r>
-                        <a:rPr lang="en-IN" sz="1400" b="1" noProof="0" dirty="0"/>
-                        <a:t>cosine similarity</a:t>
-                      </a:r>
-                      <a:r>
-                        <a:rPr lang="en-IN" sz="1400" noProof="0" dirty="0"/>
-                        <a:t> or </a:t>
-                      </a:r>
-                      <a:r>
-                        <a:rPr lang="en-IN" sz="1400" b="1" noProof="0" dirty="0"/>
-                        <a:t>Euclidean distance</a:t>
-                      </a:r>
-                      <a:r>
-                        <a:rPr lang="en-IN" sz="1400" noProof="0" dirty="0"/>
-                        <a:t>.</a:t>
-                      </a:r>
-                    </a:p>
-                  </a:txBody>
-                  <a:tcPr marL="32717" marR="32717" marT="16358" marB="16358" anchor="ctr">
+                        <a:rPr lang="en-GB" sz="1200" dirty="0">
+                          <a:latin typeface="Courier New" panose="02070309020205020404" pitchFamily="49" charset="0"/>
+                        </a:rPr>
+                        <a:t>2000</a:t>
+                      </a:r>
+                      <a:endParaRPr lang="en-GB" sz="1200" dirty="0"/>
+                    </a:p>
+                  </a:txBody>
+                  <a:tcPr marL="69069" marR="69069" marT="34534" marB="34534" anchor="ctr">
                     <a:lnL w="12700" cap="flat" cmpd="sng" algn="ctr">
                       <a:solidFill>
                         <a:schemeClr val="tx1"/>
@@ -20320,14 +21112,6 @@
                       <a:headEnd type="none" w="med" len="med"/>
                       <a:tailEnd type="none" w="med" len="med"/>
                     </a:lnB>
-                    <a:lnTlToBr w="12700" cmpd="sng">
-                      <a:noFill/>
-                      <a:prstDash val="solid"/>
-                    </a:lnTlToBr>
-                    <a:lnBlToTr w="12700" cmpd="sng">
-                      <a:noFill/>
-                      <a:prstDash val="solid"/>
-                    </a:lnBlToTr>
                     <a:solidFill>
                       <a:schemeClr val="accent6">
                         <a:lumMod val="20000"/>
@@ -20336,794 +21120,9 @@
                     </a:solidFill>
                   </a:tcPr>
                 </a:tc>
-                <a:tc>
-                  <a:txBody>
-                    <a:bodyPr/>
-                    <a:lstStyle/>
-                    <a:p>
-                      <a:pPr>
-                        <a:buNone/>
-                      </a:pPr>
-                      <a:r>
-                        <a:rPr lang="en-IN" sz="1400" noProof="0" dirty="0"/>
-                        <a:t>No new row added yet — only temporary computation.</a:t>
-                      </a:r>
-                    </a:p>
-                  </a:txBody>
-                  <a:tcPr marL="32717" marR="32717" marT="16358" marB="16358" anchor="ctr">
-                    <a:lnL w="12700" cap="flat" cmpd="sng" algn="ctr">
-                      <a:solidFill>
-                        <a:schemeClr val="tx1"/>
-                      </a:solidFill>
-                      <a:prstDash val="solid"/>
-                      <a:round/>
-                      <a:headEnd type="none" w="med" len="med"/>
-                      <a:tailEnd type="none" w="med" len="med"/>
-                    </a:lnL>
-                    <a:lnR w="12700" cap="flat" cmpd="sng" algn="ctr">
-                      <a:solidFill>
-                        <a:schemeClr val="tx1"/>
-                      </a:solidFill>
-                      <a:prstDash val="solid"/>
-                      <a:round/>
-                      <a:headEnd type="none" w="med" len="med"/>
-                      <a:tailEnd type="none" w="med" len="med"/>
-                    </a:lnR>
-                    <a:lnT w="12700" cap="flat" cmpd="sng" algn="ctr">
-                      <a:solidFill>
-                        <a:schemeClr val="tx1"/>
-                      </a:solidFill>
-                      <a:prstDash val="solid"/>
-                      <a:round/>
-                      <a:headEnd type="none" w="med" len="med"/>
-                      <a:tailEnd type="none" w="med" len="med"/>
-                    </a:lnT>
-                    <a:lnB w="12700" cap="flat" cmpd="sng" algn="ctr">
-                      <a:solidFill>
-                        <a:schemeClr val="tx1"/>
-                      </a:solidFill>
-                      <a:prstDash val="solid"/>
-                      <a:round/>
-                      <a:headEnd type="none" w="med" len="med"/>
-                      <a:tailEnd type="none" w="med" len="med"/>
-                    </a:lnB>
-                    <a:lnTlToBr w="12700" cmpd="sng">
-                      <a:noFill/>
-                      <a:prstDash val="solid"/>
-                    </a:lnTlToBr>
-                    <a:lnBlToTr w="12700" cmpd="sng">
-                      <a:noFill/>
-                      <a:prstDash val="solid"/>
-                    </a:lnBlToTr>
-                    <a:solidFill>
-                      <a:schemeClr val="accent6">
-                        <a:lumMod val="20000"/>
-                        <a:lumOff val="80000"/>
-                      </a:schemeClr>
-                    </a:solidFill>
-                  </a:tcPr>
-                </a:tc>
                 <a:extLst>
                   <a:ext uri="{0D108BD9-81ED-4DB2-BD59-A6C34878D82A}">
-                    <a16:rowId xmlns:a16="http://schemas.microsoft.com/office/drawing/2014/main" val="2315507515"/>
-                  </a:ext>
-                </a:extLst>
-              </a:tr>
-              <a:tr h="523469">
-                <a:tc>
-                  <a:txBody>
-                    <a:bodyPr/>
-                    <a:lstStyle/>
-                    <a:p>
-                      <a:pPr>
-                        <a:buNone/>
-                      </a:pPr>
-                      <a:r>
-                        <a:rPr lang="en-IN" sz="1400" b="1" noProof="0" dirty="0"/>
-                        <a:t>5</a:t>
-                      </a:r>
-                      <a:endParaRPr lang="en-IN" sz="1400" noProof="0" dirty="0"/>
-                    </a:p>
-                  </a:txBody>
-                  <a:tcPr marL="32717" marR="32717" marT="16358" marB="16358" anchor="ctr">
-                    <a:lnL w="12700" cap="flat" cmpd="sng" algn="ctr">
-                      <a:solidFill>
-                        <a:schemeClr val="tx1"/>
-                      </a:solidFill>
-                      <a:prstDash val="solid"/>
-                      <a:round/>
-                      <a:headEnd type="none" w="med" len="med"/>
-                      <a:tailEnd type="none" w="med" len="med"/>
-                    </a:lnL>
-                    <a:lnR w="12700" cap="flat" cmpd="sng" algn="ctr">
-                      <a:solidFill>
-                        <a:schemeClr val="tx1"/>
-                      </a:solidFill>
-                      <a:prstDash val="solid"/>
-                      <a:round/>
-                      <a:headEnd type="none" w="med" len="med"/>
-                      <a:tailEnd type="none" w="med" len="med"/>
-                    </a:lnR>
-                    <a:lnT w="12700" cap="flat" cmpd="sng" algn="ctr">
-                      <a:solidFill>
-                        <a:schemeClr val="tx1"/>
-                      </a:solidFill>
-                      <a:prstDash val="solid"/>
-                      <a:round/>
-                      <a:headEnd type="none" w="med" len="med"/>
-                      <a:tailEnd type="none" w="med" len="med"/>
-                    </a:lnT>
-                    <a:lnB w="12700" cap="flat" cmpd="sng" algn="ctr">
-                      <a:solidFill>
-                        <a:schemeClr val="tx1"/>
-                      </a:solidFill>
-                      <a:prstDash val="solid"/>
-                      <a:round/>
-                      <a:headEnd type="none" w="med" len="med"/>
-                      <a:tailEnd type="none" w="med" len="med"/>
-                    </a:lnB>
-                    <a:lnTlToBr w="12700" cmpd="sng">
-                      <a:noFill/>
-                      <a:prstDash val="solid"/>
-                    </a:lnTlToBr>
-                    <a:lnBlToTr w="12700" cmpd="sng">
-                      <a:noFill/>
-                      <a:prstDash val="solid"/>
-                    </a:lnBlToTr>
-                    <a:solidFill>
-                      <a:schemeClr val="accent6">
-                        <a:lumMod val="20000"/>
-                        <a:lumOff val="80000"/>
-                      </a:schemeClr>
-                    </a:solidFill>
-                  </a:tcPr>
-                </a:tc>
-                <a:tc>
-                  <a:txBody>
-                    <a:bodyPr/>
-                    <a:lstStyle/>
-                    <a:p>
-                      <a:pPr>
-                        <a:buNone/>
-                      </a:pPr>
-                      <a:r>
-                        <a:rPr lang="en-IN" sz="1400" noProof="0" dirty="0"/>
-                        <a:t>Similarity search</a:t>
-                      </a:r>
-                    </a:p>
-                  </a:txBody>
-                  <a:tcPr marL="32717" marR="32717" marT="16358" marB="16358" anchor="ctr">
-                    <a:lnL w="12700" cap="flat" cmpd="sng" algn="ctr">
-                      <a:solidFill>
-                        <a:schemeClr val="tx1"/>
-                      </a:solidFill>
-                      <a:prstDash val="solid"/>
-                      <a:round/>
-                      <a:headEnd type="none" w="med" len="med"/>
-                      <a:tailEnd type="none" w="med" len="med"/>
-                    </a:lnL>
-                    <a:lnR w="12700" cap="flat" cmpd="sng" algn="ctr">
-                      <a:solidFill>
-                        <a:schemeClr val="tx1"/>
-                      </a:solidFill>
-                      <a:prstDash val="solid"/>
-                      <a:round/>
-                      <a:headEnd type="none" w="med" len="med"/>
-                      <a:tailEnd type="none" w="med" len="med"/>
-                    </a:lnR>
-                    <a:lnT w="12700" cap="flat" cmpd="sng" algn="ctr">
-                      <a:solidFill>
-                        <a:schemeClr val="tx1"/>
-                      </a:solidFill>
-                      <a:prstDash val="solid"/>
-                      <a:round/>
-                      <a:headEnd type="none" w="med" len="med"/>
-                      <a:tailEnd type="none" w="med" len="med"/>
-                    </a:lnT>
-                    <a:lnB w="12700" cap="flat" cmpd="sng" algn="ctr">
-                      <a:solidFill>
-                        <a:schemeClr val="tx1"/>
-                      </a:solidFill>
-                      <a:prstDash val="solid"/>
-                      <a:round/>
-                      <a:headEnd type="none" w="med" len="med"/>
-                      <a:tailEnd type="none" w="med" len="med"/>
-                    </a:lnB>
-                    <a:lnTlToBr w="12700" cmpd="sng">
-                      <a:noFill/>
-                      <a:prstDash val="solid"/>
-                    </a:lnTlToBr>
-                    <a:lnBlToTr w="12700" cmpd="sng">
-                      <a:noFill/>
-                      <a:prstDash val="solid"/>
-                    </a:lnBlToTr>
-                    <a:solidFill>
-                      <a:schemeClr val="accent6">
-                        <a:lumMod val="20000"/>
-                        <a:lumOff val="80000"/>
-                      </a:schemeClr>
-                    </a:solidFill>
-                  </a:tcPr>
-                </a:tc>
-                <a:tc>
-                  <a:txBody>
-                    <a:bodyPr/>
-                    <a:lstStyle/>
-                    <a:p>
-                      <a:pPr>
-                        <a:buNone/>
-                      </a:pPr>
-                      <a:r>
-                        <a:rPr lang="en-IN" sz="1400" noProof="0" dirty="0">
-                          <a:latin typeface="Courier New" panose="02070309020205020404" pitchFamily="49" charset="0"/>
-                        </a:rPr>
-                        <a:t>"Hello"</a:t>
-                      </a:r>
-                      <a:r>
-                        <a:rPr lang="en-IN" sz="1400" noProof="0" dirty="0"/>
-                        <a:t> vs </a:t>
-                      </a:r>
-                      <a:r>
-                        <a:rPr lang="en-IN" sz="1400" noProof="0" dirty="0">
-                          <a:latin typeface="Courier New" panose="02070309020205020404" pitchFamily="49" charset="0"/>
-                        </a:rPr>
-                        <a:t>"Hi there"</a:t>
-                      </a:r>
-                      <a:r>
-                        <a:rPr lang="en-IN" sz="1400" noProof="0" dirty="0"/>
-                        <a:t> ≈ </a:t>
-                      </a:r>
-                      <a:r>
-                        <a:rPr lang="en-IN" sz="1400" b="1" noProof="0" dirty="0"/>
-                        <a:t>cosine sim 0.93</a:t>
-                      </a:r>
-                      <a:endParaRPr lang="en-IN" sz="1400" noProof="0" dirty="0"/>
-                    </a:p>
-                  </a:txBody>
-                  <a:tcPr marL="32717" marR="32717" marT="16358" marB="16358" anchor="ctr">
-                    <a:lnL w="12700" cap="flat" cmpd="sng" algn="ctr">
-                      <a:solidFill>
-                        <a:schemeClr val="tx1"/>
-                      </a:solidFill>
-                      <a:prstDash val="solid"/>
-                      <a:round/>
-                      <a:headEnd type="none" w="med" len="med"/>
-                      <a:tailEnd type="none" w="med" len="med"/>
-                    </a:lnL>
-                    <a:lnR w="12700" cap="flat" cmpd="sng" algn="ctr">
-                      <a:solidFill>
-                        <a:schemeClr val="tx1"/>
-                      </a:solidFill>
-                      <a:prstDash val="solid"/>
-                      <a:round/>
-                      <a:headEnd type="none" w="med" len="med"/>
-                      <a:tailEnd type="none" w="med" len="med"/>
-                    </a:lnR>
-                    <a:lnT w="12700" cap="flat" cmpd="sng" algn="ctr">
-                      <a:solidFill>
-                        <a:schemeClr val="tx1"/>
-                      </a:solidFill>
-                      <a:prstDash val="solid"/>
-                      <a:round/>
-                      <a:headEnd type="none" w="med" len="med"/>
-                      <a:tailEnd type="none" w="med" len="med"/>
-                    </a:lnT>
-                    <a:lnB w="12700" cap="flat" cmpd="sng" algn="ctr">
-                      <a:solidFill>
-                        <a:schemeClr val="tx1"/>
-                      </a:solidFill>
-                      <a:prstDash val="solid"/>
-                      <a:round/>
-                      <a:headEnd type="none" w="med" len="med"/>
-                      <a:tailEnd type="none" w="med" len="med"/>
-                    </a:lnB>
-                    <a:lnTlToBr w="12700" cmpd="sng">
-                      <a:noFill/>
-                      <a:prstDash val="solid"/>
-                    </a:lnTlToBr>
-                    <a:lnBlToTr w="12700" cmpd="sng">
-                      <a:noFill/>
-                      <a:prstDash val="solid"/>
-                    </a:lnBlToTr>
-                    <a:solidFill>
-                      <a:schemeClr val="accent6">
-                        <a:lumMod val="20000"/>
-                        <a:lumOff val="80000"/>
-                      </a:schemeClr>
-                    </a:solidFill>
-                  </a:tcPr>
-                </a:tc>
-                <a:tc>
-                  <a:txBody>
-                    <a:bodyPr/>
-                    <a:lstStyle/>
-                    <a:p>
-                      <a:pPr>
-                        <a:buNone/>
-                      </a:pPr>
-                      <a:r>
-                        <a:rPr lang="en-IN" sz="1400" noProof="0" dirty="0"/>
-                        <a:t>Chroma calculates distance between vectors → smaller distance = more similar.</a:t>
-                      </a:r>
-                    </a:p>
-                  </a:txBody>
-                  <a:tcPr marL="32717" marR="32717" marT="16358" marB="16358" anchor="ctr">
-                    <a:lnL w="12700" cap="flat" cmpd="sng" algn="ctr">
-                      <a:solidFill>
-                        <a:schemeClr val="tx1"/>
-                      </a:solidFill>
-                      <a:prstDash val="solid"/>
-                      <a:round/>
-                      <a:headEnd type="none" w="med" len="med"/>
-                      <a:tailEnd type="none" w="med" len="med"/>
-                    </a:lnL>
-                    <a:lnR w="12700" cap="flat" cmpd="sng" algn="ctr">
-                      <a:solidFill>
-                        <a:schemeClr val="tx1"/>
-                      </a:solidFill>
-                      <a:prstDash val="solid"/>
-                      <a:round/>
-                      <a:headEnd type="none" w="med" len="med"/>
-                      <a:tailEnd type="none" w="med" len="med"/>
-                    </a:lnR>
-                    <a:lnT w="12700" cap="flat" cmpd="sng" algn="ctr">
-                      <a:solidFill>
-                        <a:schemeClr val="tx1"/>
-                      </a:solidFill>
-                      <a:prstDash val="solid"/>
-                      <a:round/>
-                      <a:headEnd type="none" w="med" len="med"/>
-                      <a:tailEnd type="none" w="med" len="med"/>
-                    </a:lnT>
-                    <a:lnB w="12700" cap="flat" cmpd="sng" algn="ctr">
-                      <a:solidFill>
-                        <a:schemeClr val="tx1"/>
-                      </a:solidFill>
-                      <a:prstDash val="solid"/>
-                      <a:round/>
-                      <a:headEnd type="none" w="med" len="med"/>
-                      <a:tailEnd type="none" w="med" len="med"/>
-                    </a:lnB>
-                    <a:lnTlToBr w="12700" cmpd="sng">
-                      <a:noFill/>
-                      <a:prstDash val="solid"/>
-                    </a:lnTlToBr>
-                    <a:lnBlToTr w="12700" cmpd="sng">
-                      <a:noFill/>
-                      <a:prstDash val="solid"/>
-                    </a:lnBlToTr>
-                    <a:solidFill>
-                      <a:schemeClr val="accent6">
-                        <a:lumMod val="20000"/>
-                        <a:lumOff val="80000"/>
-                      </a:schemeClr>
-                    </a:solidFill>
-                  </a:tcPr>
-                </a:tc>
-                <a:tc>
-                  <a:txBody>
-                    <a:bodyPr/>
-                    <a:lstStyle/>
-                    <a:p>
-                      <a:pPr>
-                        <a:buNone/>
-                      </a:pPr>
-                      <a:r>
-                        <a:rPr lang="en-IN" sz="1400" noProof="0" dirty="0"/>
-                        <a:t>Returns ranked results from stored vectors.</a:t>
-                      </a:r>
-                    </a:p>
-                  </a:txBody>
-                  <a:tcPr marL="32717" marR="32717" marT="16358" marB="16358" anchor="ctr">
-                    <a:lnL w="12700" cap="flat" cmpd="sng" algn="ctr">
-                      <a:solidFill>
-                        <a:schemeClr val="tx1"/>
-                      </a:solidFill>
-                      <a:prstDash val="solid"/>
-                      <a:round/>
-                      <a:headEnd type="none" w="med" len="med"/>
-                      <a:tailEnd type="none" w="med" len="med"/>
-                    </a:lnL>
-                    <a:lnR w="12700" cap="flat" cmpd="sng" algn="ctr">
-                      <a:solidFill>
-                        <a:schemeClr val="tx1"/>
-                      </a:solidFill>
-                      <a:prstDash val="solid"/>
-                      <a:round/>
-                      <a:headEnd type="none" w="med" len="med"/>
-                      <a:tailEnd type="none" w="med" len="med"/>
-                    </a:lnR>
-                    <a:lnT w="12700" cap="flat" cmpd="sng" algn="ctr">
-                      <a:solidFill>
-                        <a:schemeClr val="tx1"/>
-                      </a:solidFill>
-                      <a:prstDash val="solid"/>
-                      <a:round/>
-                      <a:headEnd type="none" w="med" len="med"/>
-                      <a:tailEnd type="none" w="med" len="med"/>
-                    </a:lnT>
-                    <a:lnB w="12700" cap="flat" cmpd="sng" algn="ctr">
-                      <a:solidFill>
-                        <a:schemeClr val="tx1"/>
-                      </a:solidFill>
-                      <a:prstDash val="solid"/>
-                      <a:round/>
-                      <a:headEnd type="none" w="med" len="med"/>
-                      <a:tailEnd type="none" w="med" len="med"/>
-                    </a:lnB>
-                    <a:lnTlToBr w="12700" cmpd="sng">
-                      <a:noFill/>
-                      <a:prstDash val="solid"/>
-                    </a:lnTlToBr>
-                    <a:lnBlToTr w="12700" cmpd="sng">
-                      <a:noFill/>
-                      <a:prstDash val="solid"/>
-                    </a:lnBlToTr>
-                    <a:solidFill>
-                      <a:schemeClr val="accent6">
-                        <a:lumMod val="20000"/>
-                        <a:lumOff val="80000"/>
-                      </a:schemeClr>
-                    </a:solidFill>
-                  </a:tcPr>
-                </a:tc>
-                <a:extLst>
-                  <a:ext uri="{0D108BD9-81ED-4DB2-BD59-A6C34878D82A}">
-                    <a16:rowId xmlns:a16="http://schemas.microsoft.com/office/drawing/2014/main" val="2715459904"/>
-                  </a:ext>
-                </a:extLst>
-              </a:tr>
-              <a:tr h="523469">
-                <a:tc>
-                  <a:txBody>
-                    <a:bodyPr/>
-                    <a:lstStyle/>
-                    <a:p>
-                      <a:pPr>
-                        <a:buNone/>
-                      </a:pPr>
-                      <a:r>
-                        <a:rPr lang="en-IN" sz="1400" b="1" noProof="0" dirty="0"/>
-                        <a:t>6</a:t>
-                      </a:r>
-                      <a:endParaRPr lang="en-IN" sz="1400" noProof="0" dirty="0"/>
-                    </a:p>
-                  </a:txBody>
-                  <a:tcPr marL="32717" marR="32717" marT="16358" marB="16358" anchor="ctr">
-                    <a:lnL w="12700" cap="flat" cmpd="sng" algn="ctr">
-                      <a:solidFill>
-                        <a:schemeClr val="tx1"/>
-                      </a:solidFill>
-                      <a:prstDash val="solid"/>
-                      <a:round/>
-                      <a:headEnd type="none" w="med" len="med"/>
-                      <a:tailEnd type="none" w="med" len="med"/>
-                    </a:lnL>
-                    <a:lnR w="12700" cap="flat" cmpd="sng" algn="ctr">
-                      <a:solidFill>
-                        <a:schemeClr val="tx1"/>
-                      </a:solidFill>
-                      <a:prstDash val="solid"/>
-                      <a:round/>
-                      <a:headEnd type="none" w="med" len="med"/>
-                      <a:tailEnd type="none" w="med" len="med"/>
-                    </a:lnR>
-                    <a:lnT w="12700" cap="flat" cmpd="sng" algn="ctr">
-                      <a:solidFill>
-                        <a:schemeClr val="tx1"/>
-                      </a:solidFill>
-                      <a:prstDash val="solid"/>
-                      <a:round/>
-                      <a:headEnd type="none" w="med" len="med"/>
-                      <a:tailEnd type="none" w="med" len="med"/>
-                    </a:lnT>
-                    <a:lnB w="12700" cap="flat" cmpd="sng" algn="ctr">
-                      <a:solidFill>
-                        <a:schemeClr val="tx1"/>
-                      </a:solidFill>
-                      <a:prstDash val="solid"/>
-                      <a:round/>
-                      <a:headEnd type="none" w="med" len="med"/>
-                      <a:tailEnd type="none" w="med" len="med"/>
-                    </a:lnB>
-                    <a:lnTlToBr w="12700" cmpd="sng">
-                      <a:noFill/>
-                      <a:prstDash val="solid"/>
-                    </a:lnTlToBr>
-                    <a:lnBlToTr w="12700" cmpd="sng">
-                      <a:noFill/>
-                      <a:prstDash val="solid"/>
-                    </a:lnBlToTr>
-                    <a:solidFill>
-                      <a:schemeClr val="accent6">
-                        <a:lumMod val="20000"/>
-                        <a:lumOff val="80000"/>
-                      </a:schemeClr>
-                    </a:solidFill>
-                  </a:tcPr>
-                </a:tc>
-                <a:tc>
-                  <a:txBody>
-                    <a:bodyPr/>
-                    <a:lstStyle/>
-                    <a:p>
-                      <a:pPr>
-                        <a:buNone/>
-                      </a:pPr>
-                      <a:r>
-                        <a:rPr lang="en-IN" sz="1400" noProof="0" dirty="0"/>
-                        <a:t>Results returned</a:t>
-                      </a:r>
-                    </a:p>
-                  </a:txBody>
-                  <a:tcPr marL="32717" marR="32717" marT="16358" marB="16358" anchor="ctr">
-                    <a:lnL w="12700" cap="flat" cmpd="sng" algn="ctr">
-                      <a:solidFill>
-                        <a:schemeClr val="tx1"/>
-                      </a:solidFill>
-                      <a:prstDash val="solid"/>
-                      <a:round/>
-                      <a:headEnd type="none" w="med" len="med"/>
-                      <a:tailEnd type="none" w="med" len="med"/>
-                    </a:lnL>
-                    <a:lnR w="12700" cap="flat" cmpd="sng" algn="ctr">
-                      <a:solidFill>
-                        <a:schemeClr val="tx1"/>
-                      </a:solidFill>
-                      <a:prstDash val="solid"/>
-                      <a:round/>
-                      <a:headEnd type="none" w="med" len="med"/>
-                      <a:tailEnd type="none" w="med" len="med"/>
-                    </a:lnR>
-                    <a:lnT w="12700" cap="flat" cmpd="sng" algn="ctr">
-                      <a:solidFill>
-                        <a:schemeClr val="tx1"/>
-                      </a:solidFill>
-                      <a:prstDash val="solid"/>
-                      <a:round/>
-                      <a:headEnd type="none" w="med" len="med"/>
-                      <a:tailEnd type="none" w="med" len="med"/>
-                    </a:lnT>
-                    <a:lnB w="12700" cap="flat" cmpd="sng" algn="ctr">
-                      <a:solidFill>
-                        <a:schemeClr val="tx1"/>
-                      </a:solidFill>
-                      <a:prstDash val="solid"/>
-                      <a:round/>
-                      <a:headEnd type="none" w="med" len="med"/>
-                      <a:tailEnd type="none" w="med" len="med"/>
-                    </a:lnB>
-                    <a:lnTlToBr w="12700" cmpd="sng">
-                      <a:noFill/>
-                      <a:prstDash val="solid"/>
-                    </a:lnTlToBr>
-                    <a:lnBlToTr w="12700" cmpd="sng">
-                      <a:noFill/>
-                      <a:prstDash val="solid"/>
-                    </a:lnBlToTr>
-                    <a:solidFill>
-                      <a:schemeClr val="accent6">
-                        <a:lumMod val="20000"/>
-                        <a:lumOff val="80000"/>
-                      </a:schemeClr>
-                    </a:solidFill>
-                  </a:tcPr>
-                </a:tc>
-                <a:tc>
-                  <a:txBody>
-                    <a:bodyPr/>
-                    <a:lstStyle/>
-                    <a:p>
-                      <a:pPr>
-                        <a:buNone/>
-                      </a:pPr>
-                      <a:r>
-                        <a:rPr lang="en-IN" sz="1400" noProof="0" dirty="0">
-                          <a:latin typeface="Courier New" panose="02070309020205020404" pitchFamily="49" charset="0"/>
-                        </a:rPr>
-                        <a:t>[("Hi there", score=0.93), ("Bye, see you later", score=0.75)]</a:t>
-                      </a:r>
-                      <a:endParaRPr lang="en-IN" sz="1400" noProof="0" dirty="0"/>
-                    </a:p>
-                  </a:txBody>
-                  <a:tcPr marL="32717" marR="32717" marT="16358" marB="16358" anchor="ctr">
-                    <a:lnL w="12700" cap="flat" cmpd="sng" algn="ctr">
-                      <a:solidFill>
-                        <a:schemeClr val="tx1"/>
-                      </a:solidFill>
-                      <a:prstDash val="solid"/>
-                      <a:round/>
-                      <a:headEnd type="none" w="med" len="med"/>
-                      <a:tailEnd type="none" w="med" len="med"/>
-                    </a:lnL>
-                    <a:lnR w="12700" cap="flat" cmpd="sng" algn="ctr">
-                      <a:solidFill>
-                        <a:schemeClr val="tx1"/>
-                      </a:solidFill>
-                      <a:prstDash val="solid"/>
-                      <a:round/>
-                      <a:headEnd type="none" w="med" len="med"/>
-                      <a:tailEnd type="none" w="med" len="med"/>
-                    </a:lnR>
-                    <a:lnT w="12700" cap="flat" cmpd="sng" algn="ctr">
-                      <a:solidFill>
-                        <a:schemeClr val="tx1"/>
-                      </a:solidFill>
-                      <a:prstDash val="solid"/>
-                      <a:round/>
-                      <a:headEnd type="none" w="med" len="med"/>
-                      <a:tailEnd type="none" w="med" len="med"/>
-                    </a:lnT>
-                    <a:lnB w="12700" cap="flat" cmpd="sng" algn="ctr">
-                      <a:solidFill>
-                        <a:schemeClr val="tx1"/>
-                      </a:solidFill>
-                      <a:prstDash val="solid"/>
-                      <a:round/>
-                      <a:headEnd type="none" w="med" len="med"/>
-                      <a:tailEnd type="none" w="med" len="med"/>
-                    </a:lnB>
-                    <a:lnTlToBr w="12700" cmpd="sng">
-                      <a:noFill/>
-                      <a:prstDash val="solid"/>
-                    </a:lnTlToBr>
-                    <a:lnBlToTr w="12700" cmpd="sng">
-                      <a:noFill/>
-                      <a:prstDash val="solid"/>
-                    </a:lnBlToTr>
-                    <a:solidFill>
-                      <a:schemeClr val="accent6">
-                        <a:lumMod val="20000"/>
-                        <a:lumOff val="80000"/>
-                      </a:schemeClr>
-                    </a:solidFill>
-                  </a:tcPr>
-                </a:tc>
-                <a:tc>
-                  <a:txBody>
-                    <a:bodyPr/>
-                    <a:lstStyle/>
-                    <a:p>
-                      <a:pPr>
-                        <a:buNone/>
-                      </a:pPr>
-                      <a:r>
-                        <a:rPr lang="en-IN" sz="1400" noProof="0" dirty="0"/>
-                        <a:t>Chroma returns top-k nearest </a:t>
-                      </a:r>
-                      <a:r>
-                        <a:rPr lang="en-IN" sz="1400" noProof="0" dirty="0" err="1"/>
-                        <a:t>neighbors</a:t>
-                      </a:r>
-                      <a:r>
-                        <a:rPr lang="en-IN" sz="1400" noProof="0" dirty="0"/>
-                        <a:t> sorted by similarity.</a:t>
-                      </a:r>
-                    </a:p>
-                  </a:txBody>
-                  <a:tcPr marL="32717" marR="32717" marT="16358" marB="16358" anchor="ctr">
-                    <a:lnL w="12700" cap="flat" cmpd="sng" algn="ctr">
-                      <a:solidFill>
-                        <a:schemeClr val="tx1"/>
-                      </a:solidFill>
-                      <a:prstDash val="solid"/>
-                      <a:round/>
-                      <a:headEnd type="none" w="med" len="med"/>
-                      <a:tailEnd type="none" w="med" len="med"/>
-                    </a:lnL>
-                    <a:lnR w="12700" cap="flat" cmpd="sng" algn="ctr">
-                      <a:solidFill>
-                        <a:schemeClr val="tx1"/>
-                      </a:solidFill>
-                      <a:prstDash val="solid"/>
-                      <a:round/>
-                      <a:headEnd type="none" w="med" len="med"/>
-                      <a:tailEnd type="none" w="med" len="med"/>
-                    </a:lnR>
-                    <a:lnT w="12700" cap="flat" cmpd="sng" algn="ctr">
-                      <a:solidFill>
-                        <a:schemeClr val="tx1"/>
-                      </a:solidFill>
-                      <a:prstDash val="solid"/>
-                      <a:round/>
-                      <a:headEnd type="none" w="med" len="med"/>
-                      <a:tailEnd type="none" w="med" len="med"/>
-                    </a:lnT>
-                    <a:lnB w="12700" cap="flat" cmpd="sng" algn="ctr">
-                      <a:solidFill>
-                        <a:schemeClr val="tx1"/>
-                      </a:solidFill>
-                      <a:prstDash val="solid"/>
-                      <a:round/>
-                      <a:headEnd type="none" w="med" len="med"/>
-                      <a:tailEnd type="none" w="med" len="med"/>
-                    </a:lnB>
-                    <a:lnTlToBr w="12700" cmpd="sng">
-                      <a:noFill/>
-                      <a:prstDash val="solid"/>
-                    </a:lnTlToBr>
-                    <a:lnBlToTr w="12700" cmpd="sng">
-                      <a:noFill/>
-                      <a:prstDash val="solid"/>
-                    </a:lnBlToTr>
-                    <a:solidFill>
-                      <a:schemeClr val="accent6">
-                        <a:lumMod val="20000"/>
-                        <a:lumOff val="80000"/>
-                      </a:schemeClr>
-                    </a:solidFill>
-                  </a:tcPr>
-                </a:tc>
-                <a:tc>
-                  <a:txBody>
-                    <a:bodyPr/>
-                    <a:lstStyle/>
-                    <a:p>
-                      <a:pPr>
-                        <a:buNone/>
-                      </a:pPr>
-                      <a:r>
-                        <a:rPr lang="en-IN" sz="1400" noProof="0" dirty="0"/>
-                        <a:t>We can convert or normalize scores before showing to user.</a:t>
-                      </a:r>
-                    </a:p>
-                  </a:txBody>
-                  <a:tcPr marL="32717" marR="32717" marT="16358" marB="16358" anchor="ctr">
-                    <a:lnL w="12700" cap="flat" cmpd="sng" algn="ctr">
-                      <a:solidFill>
-                        <a:schemeClr val="tx1"/>
-                      </a:solidFill>
-                      <a:prstDash val="solid"/>
-                      <a:round/>
-                      <a:headEnd type="none" w="med" len="med"/>
-                      <a:tailEnd type="none" w="med" len="med"/>
-                    </a:lnL>
-                    <a:lnR w="12700" cap="flat" cmpd="sng" algn="ctr">
-                      <a:solidFill>
-                        <a:schemeClr val="tx1"/>
-                      </a:solidFill>
-                      <a:prstDash val="solid"/>
-                      <a:round/>
-                      <a:headEnd type="none" w="med" len="med"/>
-                      <a:tailEnd type="none" w="med" len="med"/>
-                    </a:lnR>
-                    <a:lnT w="12700" cap="flat" cmpd="sng" algn="ctr">
-                      <a:solidFill>
-                        <a:schemeClr val="tx1"/>
-                      </a:solidFill>
-                      <a:prstDash val="solid"/>
-                      <a:round/>
-                      <a:headEnd type="none" w="med" len="med"/>
-                      <a:tailEnd type="none" w="med" len="med"/>
-                    </a:lnT>
-                    <a:lnB w="12700" cap="flat" cmpd="sng" algn="ctr">
-                      <a:solidFill>
-                        <a:schemeClr val="tx1"/>
-                      </a:solidFill>
-                      <a:prstDash val="solid"/>
-                      <a:round/>
-                      <a:headEnd type="none" w="med" len="med"/>
-                      <a:tailEnd type="none" w="med" len="med"/>
-                    </a:lnB>
-                    <a:lnTlToBr w="12700" cmpd="sng">
-                      <a:noFill/>
-                      <a:prstDash val="solid"/>
-                    </a:lnTlToBr>
-                    <a:lnBlToTr w="12700" cmpd="sng">
-                      <a:noFill/>
-                      <a:prstDash val="solid"/>
-                    </a:lnBlToTr>
-                    <a:solidFill>
-                      <a:schemeClr val="accent6">
-                        <a:lumMod val="20000"/>
-                        <a:lumOff val="80000"/>
-                      </a:schemeClr>
-                    </a:solidFill>
-                  </a:tcPr>
-                </a:tc>
-                <a:extLst>
-                  <a:ext uri="{0D108BD9-81ED-4DB2-BD59-A6C34878D82A}">
-                    <a16:rowId xmlns:a16="http://schemas.microsoft.com/office/drawing/2014/main" val="3764812083"/>
+                    <a16:rowId xmlns:a16="http://schemas.microsoft.com/office/drawing/2014/main" val="2215321247"/>
                   </a:ext>
                 </a:extLst>
               </a:tr>
@@ -21131,10 +21130,150 @@
           </a:graphicData>
         </a:graphic>
       </p:graphicFrame>
+      <p:sp>
+        <p:nvSpPr>
+          <p:cNvPr id="11" name="TextBox 10">
+            <a:extLst>
+              <a:ext uri="{FF2B5EF4-FFF2-40B4-BE49-F238E27FC236}">
+                <a16:creationId xmlns:a16="http://schemas.microsoft.com/office/drawing/2014/main" id="{1B88602B-9883-DF95-D991-467FA00330BD}"/>
+              </a:ext>
+            </a:extLst>
+          </p:cNvPr>
+          <p:cNvSpPr txBox="1"/>
+          <p:nvPr/>
+        </p:nvSpPr>
+        <p:spPr>
+          <a:xfrm>
+            <a:off x="7545254" y="792524"/>
+            <a:ext cx="3645967" cy="369332"/>
+          </a:xfrm>
+          <a:prstGeom prst="rect">
+            <a:avLst/>
+          </a:prstGeom>
+          <a:noFill/>
+        </p:spPr>
+        <p:txBody>
+          <a:bodyPr wrap="square" rtlCol="0">
+            <a:spAutoFit/>
+          </a:bodyPr>
+          <a:lstStyle/>
+          <a:p>
+            <a:pPr algn="ctr"/>
+            <a:r>
+              <a:rPr lang="en-IN" b="1" dirty="0"/>
+              <a:t>Original record in CSV file</a:t>
+            </a:r>
+            <a:endParaRPr lang="en-GB" b="1" dirty="0"/>
+          </a:p>
+        </p:txBody>
+      </p:sp>
+      <p:cxnSp>
+        <p:nvCxnSpPr>
+          <p:cNvPr id="13" name="Straight Arrow Connector 12">
+            <a:extLst>
+              <a:ext uri="{FF2B5EF4-FFF2-40B4-BE49-F238E27FC236}">
+                <a16:creationId xmlns:a16="http://schemas.microsoft.com/office/drawing/2014/main" id="{6CDA64D2-053E-8BF8-F0C9-338C90F9021A}"/>
+              </a:ext>
+            </a:extLst>
+          </p:cNvPr>
+          <p:cNvCxnSpPr/>
+          <p:nvPr/>
+        </p:nvCxnSpPr>
+        <p:spPr>
+          <a:xfrm>
+            <a:off x="3483096" y="3252751"/>
+            <a:ext cx="2429093" cy="0"/>
+          </a:xfrm>
+          <a:prstGeom prst="straightConnector1">
+            <a:avLst/>
+          </a:prstGeom>
+          <a:ln w="28575">
+            <a:solidFill>
+              <a:srgbClr val="002060"/>
+            </a:solidFill>
+            <a:tailEnd type="triangle"/>
+          </a:ln>
+        </p:spPr>
+        <p:style>
+          <a:lnRef idx="1">
+            <a:schemeClr val="accent1"/>
+          </a:lnRef>
+          <a:fillRef idx="0">
+            <a:schemeClr val="accent1"/>
+          </a:fillRef>
+          <a:effectRef idx="0">
+            <a:schemeClr val="accent1"/>
+          </a:effectRef>
+          <a:fontRef idx="minor">
+            <a:schemeClr val="tx1"/>
+          </a:fontRef>
+        </p:style>
+      </p:cxnSp>
+      <p:sp>
+        <p:nvSpPr>
+          <p:cNvPr id="14" name="TextBox 13">
+            <a:extLst>
+              <a:ext uri="{FF2B5EF4-FFF2-40B4-BE49-F238E27FC236}">
+                <a16:creationId xmlns:a16="http://schemas.microsoft.com/office/drawing/2014/main" id="{DC7A7271-AA96-9B60-BC29-CB771800E161}"/>
+              </a:ext>
+            </a:extLst>
+          </p:cNvPr>
+          <p:cNvSpPr txBox="1"/>
+          <p:nvPr/>
+        </p:nvSpPr>
+        <p:spPr>
+          <a:xfrm>
+            <a:off x="649445" y="4488238"/>
+            <a:ext cx="4104039" cy="1477328"/>
+          </a:xfrm>
+          <a:prstGeom prst="rect">
+            <a:avLst/>
+          </a:prstGeom>
+          <a:solidFill>
+            <a:srgbClr val="FFC000"/>
+          </a:solidFill>
+        </p:spPr>
+        <p:txBody>
+          <a:bodyPr wrap="square" rtlCol="0">
+            <a:spAutoFit/>
+          </a:bodyPr>
+          <a:lstStyle/>
+          <a:p>
+            <a:r>
+              <a:rPr lang="en-IN" dirty="0"/>
+              <a:t>How is this searched?</a:t>
+            </a:r>
+          </a:p>
+          <a:p>
+            <a:endParaRPr lang="en-IN" dirty="0"/>
+          </a:p>
+          <a:p>
+            <a:r>
+              <a:rPr lang="en-IN" dirty="0"/>
+              <a:t>Suppose user later says </a:t>
+            </a:r>
+            <a:r>
+              <a:rPr lang="en-IN" i="1" dirty="0"/>
+              <a:t>Large black bag</a:t>
+            </a:r>
+            <a:endParaRPr lang="en-IN" dirty="0"/>
+          </a:p>
+          <a:p>
+            <a:endParaRPr lang="en-IN" dirty="0"/>
+          </a:p>
+          <a:p>
+            <a:r>
+              <a:rPr lang="en-IN" dirty="0"/>
+              <a:t>Next slide …</a:t>
+            </a:r>
+            <a:endParaRPr lang="en-GB" dirty="0"/>
+          </a:p>
+        </p:txBody>
+      </p:sp>
     </p:spTree>
     <p:extLst>
       <p:ext uri="{BB962C8B-B14F-4D97-AF65-F5344CB8AC3E}">
-        <p14:creationId xmlns:p14="http://schemas.microsoft.com/office/powerpoint/2010/main" val="2598216701"/>
+        <p14:creationId xmlns:p14="http://schemas.microsoft.com/office/powerpoint/2010/main" val="3880383669"/>
       </p:ext>
     </p:extLst>
   </p:cSld>
@@ -21166,7 +21305,1422 @@
           <p:cNvPr id="2" name="Title 1">
             <a:extLst>
               <a:ext uri="{FF2B5EF4-FFF2-40B4-BE49-F238E27FC236}">
-                <a16:creationId xmlns:a16="http://schemas.microsoft.com/office/drawing/2014/main" id="{E05ECEC1-37C5-1402-6FE7-2A4B96E45E8D}"/>
+                <a16:creationId xmlns:a16="http://schemas.microsoft.com/office/drawing/2014/main" id="{396248F5-6105-719B-8001-846E242CC59F}"/>
+              </a:ext>
+            </a:extLst>
+          </p:cNvPr>
+          <p:cNvSpPr>
+            <a:spLocks noGrp="1"/>
+          </p:cNvSpPr>
+          <p:nvPr>
+            <p:ph type="title"/>
+          </p:nvPr>
+        </p:nvSpPr>
+        <p:spPr>
+          <a:xfrm>
+            <a:off x="838200" y="76783"/>
+            <a:ext cx="10515600" cy="551431"/>
+          </a:xfrm>
+        </p:spPr>
+        <p:txBody>
+          <a:bodyPr>
+            <a:normAutofit fontScale="90000"/>
+          </a:bodyPr>
+          <a:lstStyle/>
+          <a:p>
+            <a:r>
+              <a:rPr lang="en-IN" dirty="0"/>
+              <a:t>Retrieval Using Vectors</a:t>
+            </a:r>
+            <a:endParaRPr lang="en-GB" dirty="0"/>
+          </a:p>
+        </p:txBody>
+      </p:sp>
+      <p:graphicFrame>
+        <p:nvGraphicFramePr>
+          <p:cNvPr id="11" name="Content Placeholder 10">
+            <a:extLst>
+              <a:ext uri="{FF2B5EF4-FFF2-40B4-BE49-F238E27FC236}">
+                <a16:creationId xmlns:a16="http://schemas.microsoft.com/office/drawing/2014/main" id="{8DA00130-AEBF-420A-1B66-41B4F9DE68CF}"/>
+              </a:ext>
+            </a:extLst>
+          </p:cNvPr>
+          <p:cNvGraphicFramePr>
+            <a:graphicFrameLocks noGrp="1"/>
+          </p:cNvGraphicFramePr>
+          <p:nvPr>
+            <p:ph idx="1"/>
+          </p:nvPr>
+        </p:nvGraphicFramePr>
+        <p:xfrm>
+          <a:off x="62819" y="2833368"/>
+          <a:ext cx="5032690" cy="2499360"/>
+        </p:xfrm>
+        <a:graphic>
+          <a:graphicData uri="http://schemas.openxmlformats.org/drawingml/2006/table">
+            <a:tbl>
+              <a:tblPr>
+                <a:tableStyleId>{BC89EF96-8CEA-46FF-86C4-4CE0E7609802}</a:tableStyleId>
+              </a:tblPr>
+              <a:tblGrid>
+                <a:gridCol w="293972">
+                  <a:extLst>
+                    <a:ext uri="{9D8B030D-6E8A-4147-A177-3AD203B41FA5}">
+                      <a16:colId xmlns:a16="http://schemas.microsoft.com/office/drawing/2014/main" val="1255785916"/>
+                    </a:ext>
+                  </a:extLst>
+                </a:gridCol>
+                <a:gridCol w="1724872">
+                  <a:extLst>
+                    <a:ext uri="{9D8B030D-6E8A-4147-A177-3AD203B41FA5}">
+                      <a16:colId xmlns:a16="http://schemas.microsoft.com/office/drawing/2014/main" val="2349061254"/>
+                    </a:ext>
+                  </a:extLst>
+                </a:gridCol>
+                <a:gridCol w="3013846">
+                  <a:extLst>
+                    <a:ext uri="{9D8B030D-6E8A-4147-A177-3AD203B41FA5}">
+                      <a16:colId xmlns:a16="http://schemas.microsoft.com/office/drawing/2014/main" val="3323806620"/>
+                    </a:ext>
+                  </a:extLst>
+                </a:gridCol>
+              </a:tblGrid>
+              <a:tr h="0">
+                <a:tc>
+                  <a:txBody>
+                    <a:bodyPr/>
+                    <a:lstStyle/>
+                    <a:p>
+                      <a:pPr>
+                        <a:buNone/>
+                      </a:pPr>
+                      <a:r>
+                        <a:rPr lang="en-GB" sz="1400" b="1" dirty="0"/>
+                        <a:t>Step</a:t>
+                      </a:r>
+                    </a:p>
+                  </a:txBody>
+                  <a:tcPr anchor="ctr"/>
+                </a:tc>
+                <a:tc>
+                  <a:txBody>
+                    <a:bodyPr/>
+                    <a:lstStyle/>
+                    <a:p>
+                      <a:pPr>
+                        <a:buNone/>
+                      </a:pPr>
+                      <a:r>
+                        <a:rPr lang="en-GB" sz="1400" b="1" dirty="0"/>
+                        <a:t>Code</a:t>
+                      </a:r>
+                    </a:p>
+                  </a:txBody>
+                  <a:tcPr anchor="ctr"/>
+                </a:tc>
+                <a:tc>
+                  <a:txBody>
+                    <a:bodyPr/>
+                    <a:lstStyle/>
+                    <a:p>
+                      <a:pPr>
+                        <a:buNone/>
+                      </a:pPr>
+                      <a:r>
+                        <a:rPr lang="en-GB" sz="1400" b="1" dirty="0"/>
+                        <a:t>What Happens</a:t>
+                      </a:r>
+                    </a:p>
+                  </a:txBody>
+                  <a:tcPr anchor="ctr"/>
+                </a:tc>
+                <a:extLst>
+                  <a:ext uri="{0D108BD9-81ED-4DB2-BD59-A6C34878D82A}">
+                    <a16:rowId xmlns:a16="http://schemas.microsoft.com/office/drawing/2014/main" val="1270903135"/>
+                  </a:ext>
+                </a:extLst>
+              </a:tr>
+              <a:tr h="0">
+                <a:tc>
+                  <a:txBody>
+                    <a:bodyPr/>
+                    <a:lstStyle/>
+                    <a:p>
+                      <a:pPr>
+                        <a:buNone/>
+                      </a:pPr>
+                      <a:r>
+                        <a:rPr lang="en-GB" sz="1400" dirty="0"/>
+                        <a:t>1</a:t>
+                      </a:r>
+                    </a:p>
+                  </a:txBody>
+                  <a:tcPr anchor="ctr"/>
+                </a:tc>
+                <a:tc>
+                  <a:txBody>
+                    <a:bodyPr/>
+                    <a:lstStyle/>
+                    <a:p>
+                      <a:pPr>
+                        <a:buNone/>
+                      </a:pPr>
+                      <a:r>
+                        <a:rPr lang="en-GB" sz="1400" dirty="0"/>
+                        <a:t>state["query"]</a:t>
+                      </a:r>
+                    </a:p>
+                  </a:txBody>
+                  <a:tcPr anchor="ctr"/>
+                </a:tc>
+                <a:tc>
+                  <a:txBody>
+                    <a:bodyPr/>
+                    <a:lstStyle/>
+                    <a:p>
+                      <a:pPr>
+                        <a:buNone/>
+                      </a:pPr>
+                      <a:r>
+                        <a:rPr lang="en-US" sz="1400"/>
+                        <a:t>User query string is taken</a:t>
+                      </a:r>
+                    </a:p>
+                  </a:txBody>
+                  <a:tcPr anchor="ctr"/>
+                </a:tc>
+                <a:extLst>
+                  <a:ext uri="{0D108BD9-81ED-4DB2-BD59-A6C34878D82A}">
+                    <a16:rowId xmlns:a16="http://schemas.microsoft.com/office/drawing/2014/main" val="2300258247"/>
+                  </a:ext>
+                </a:extLst>
+              </a:tr>
+              <a:tr h="0">
+                <a:tc>
+                  <a:txBody>
+                    <a:bodyPr/>
+                    <a:lstStyle/>
+                    <a:p>
+                      <a:pPr>
+                        <a:buNone/>
+                      </a:pPr>
+                      <a:r>
+                        <a:rPr lang="en-GB" sz="1400"/>
+                        <a:t>2</a:t>
+                      </a:r>
+                    </a:p>
+                  </a:txBody>
+                  <a:tcPr anchor="ctr"/>
+                </a:tc>
+                <a:tc>
+                  <a:txBody>
+                    <a:bodyPr/>
+                    <a:lstStyle/>
+                    <a:p>
+                      <a:pPr>
+                        <a:buNone/>
+                      </a:pPr>
+                      <a:r>
+                        <a:rPr lang="en-GB" sz="1400"/>
+                        <a:t>vectordb.similarity_search(query)</a:t>
+                      </a:r>
+                    </a:p>
+                  </a:txBody>
+                  <a:tcPr anchor="ctr"/>
+                </a:tc>
+                <a:tc>
+                  <a:txBody>
+                    <a:bodyPr/>
+                    <a:lstStyle/>
+                    <a:p>
+                      <a:pPr>
+                        <a:buNone/>
+                      </a:pPr>
+                      <a:r>
+                        <a:rPr lang="en-US" sz="1400" dirty="0"/>
+                        <a:t>Chroma calls our embedding model</a:t>
+                      </a:r>
+                    </a:p>
+                  </a:txBody>
+                  <a:tcPr anchor="ctr"/>
+                </a:tc>
+                <a:extLst>
+                  <a:ext uri="{0D108BD9-81ED-4DB2-BD59-A6C34878D82A}">
+                    <a16:rowId xmlns:a16="http://schemas.microsoft.com/office/drawing/2014/main" val="3752351232"/>
+                  </a:ext>
+                </a:extLst>
+              </a:tr>
+              <a:tr h="0">
+                <a:tc>
+                  <a:txBody>
+                    <a:bodyPr/>
+                    <a:lstStyle/>
+                    <a:p>
+                      <a:pPr>
+                        <a:buNone/>
+                      </a:pPr>
+                      <a:r>
+                        <a:rPr lang="en-GB" sz="1400"/>
+                        <a:t>3</a:t>
+                      </a:r>
+                    </a:p>
+                  </a:txBody>
+                  <a:tcPr anchor="ctr"/>
+                </a:tc>
+                <a:tc>
+                  <a:txBody>
+                    <a:bodyPr/>
+                    <a:lstStyle/>
+                    <a:p>
+                      <a:pPr>
+                        <a:buNone/>
+                      </a:pPr>
+                      <a:r>
+                        <a:rPr lang="en-GB" sz="1400"/>
+                        <a:t>HuggingFaceEmbeddings("all-MiniLM-L6-v2")</a:t>
+                      </a:r>
+                    </a:p>
+                  </a:txBody>
+                  <a:tcPr anchor="ctr"/>
+                </a:tc>
+                <a:tc>
+                  <a:txBody>
+                    <a:bodyPr/>
+                    <a:lstStyle/>
+                    <a:p>
+                      <a:pPr>
+                        <a:buNone/>
+                      </a:pPr>
+                      <a:r>
+                        <a:rPr lang="en-GB" sz="1400" dirty="0"/>
+                        <a:t>Converts query text → </a:t>
+                      </a:r>
+                      <a:r>
+                        <a:rPr lang="en-GB" sz="1400" b="1" dirty="0">
+                          <a:solidFill>
+                            <a:srgbClr val="FF0000"/>
+                          </a:solidFill>
+                        </a:rPr>
+                        <a:t>384-dim vector</a:t>
+                      </a:r>
+                      <a:endParaRPr lang="en-GB" sz="1400" dirty="0">
+                        <a:solidFill>
+                          <a:srgbClr val="FF0000"/>
+                        </a:solidFill>
+                      </a:endParaRPr>
+                    </a:p>
+                  </a:txBody>
+                  <a:tcPr anchor="ctr"/>
+                </a:tc>
+                <a:extLst>
+                  <a:ext uri="{0D108BD9-81ED-4DB2-BD59-A6C34878D82A}">
+                    <a16:rowId xmlns:a16="http://schemas.microsoft.com/office/drawing/2014/main" val="1615669976"/>
+                  </a:ext>
+                </a:extLst>
+              </a:tr>
+            </a:tbl>
+          </a:graphicData>
+        </a:graphic>
+      </p:graphicFrame>
+      <p:sp>
+        <p:nvSpPr>
+          <p:cNvPr id="4" name="TextBox 3">
+            <a:extLst>
+              <a:ext uri="{FF2B5EF4-FFF2-40B4-BE49-F238E27FC236}">
+                <a16:creationId xmlns:a16="http://schemas.microsoft.com/office/drawing/2014/main" id="{E6C6812E-3DF1-5E01-C228-CF70E309B79F}"/>
+              </a:ext>
+            </a:extLst>
+          </p:cNvPr>
+          <p:cNvSpPr txBox="1"/>
+          <p:nvPr/>
+        </p:nvSpPr>
+        <p:spPr>
+          <a:xfrm>
+            <a:off x="307127" y="886479"/>
+            <a:ext cx="3720422" cy="369332"/>
+          </a:xfrm>
+          <a:prstGeom prst="rect">
+            <a:avLst/>
+          </a:prstGeom>
+          <a:solidFill>
+            <a:schemeClr val="accent4">
+              <a:lumMod val="40000"/>
+              <a:lumOff val="60000"/>
+            </a:schemeClr>
+          </a:solidFill>
+        </p:spPr>
+        <p:txBody>
+          <a:bodyPr wrap="square" rtlCol="0">
+            <a:spAutoFit/>
+          </a:bodyPr>
+          <a:lstStyle/>
+          <a:p>
+            <a:pPr algn="ctr"/>
+            <a:r>
+              <a:rPr lang="en-IN" b="1" dirty="0"/>
+              <a:t>User searches for "large black bag"</a:t>
+            </a:r>
+            <a:endParaRPr lang="en-GB" b="1" dirty="0"/>
+          </a:p>
+        </p:txBody>
+      </p:sp>
+      <p:sp>
+        <p:nvSpPr>
+          <p:cNvPr id="7" name="TextBox 6">
+            <a:extLst>
+              <a:ext uri="{FF2B5EF4-FFF2-40B4-BE49-F238E27FC236}">
+                <a16:creationId xmlns:a16="http://schemas.microsoft.com/office/drawing/2014/main" id="{B54C03DE-CE9A-A7BE-7E9E-72527B0F4C08}"/>
+              </a:ext>
+            </a:extLst>
+          </p:cNvPr>
+          <p:cNvSpPr txBox="1"/>
+          <p:nvPr/>
+        </p:nvSpPr>
+        <p:spPr>
+          <a:xfrm>
+            <a:off x="230345" y="1615101"/>
+            <a:ext cx="3873985" cy="830997"/>
+          </a:xfrm>
+          <a:prstGeom prst="rect">
+            <a:avLst/>
+          </a:prstGeom>
+          <a:solidFill>
+            <a:schemeClr val="accent4">
+              <a:lumMod val="40000"/>
+              <a:lumOff val="60000"/>
+            </a:schemeClr>
+          </a:solidFill>
+        </p:spPr>
+        <p:txBody>
+          <a:bodyPr wrap="square" rtlCol="0">
+            <a:spAutoFit/>
+          </a:bodyPr>
+          <a:lstStyle/>
+          <a:p>
+            <a:r>
+              <a:rPr lang="en-US" sz="1600" b="1" dirty="0">
+                <a:latin typeface="Courier New" panose="02070309020205020404" pitchFamily="49" charset="0"/>
+                <a:cs typeface="Courier New" panose="02070309020205020404" pitchFamily="49" charset="0"/>
+              </a:rPr>
+              <a:t>results = </a:t>
+            </a:r>
+            <a:r>
+              <a:rPr lang="en-US" sz="1600" b="1" dirty="0" err="1">
+                <a:latin typeface="Courier New" panose="02070309020205020404" pitchFamily="49" charset="0"/>
+                <a:cs typeface="Courier New" panose="02070309020205020404" pitchFamily="49" charset="0"/>
+              </a:rPr>
+              <a:t>vectordb.similarity_search</a:t>
+            </a:r>
+            <a:r>
+              <a:rPr lang="en-US" sz="1600" b="1" dirty="0">
+                <a:latin typeface="Courier New" panose="02070309020205020404" pitchFamily="49" charset="0"/>
+                <a:cs typeface="Courier New" panose="02070309020205020404" pitchFamily="49" charset="0"/>
+              </a:rPr>
+              <a:t>(state["query"], k=2)</a:t>
+            </a:r>
+          </a:p>
+        </p:txBody>
+      </p:sp>
+      <p:sp>
+        <p:nvSpPr>
+          <p:cNvPr id="12" name="Arrow: Down 11">
+            <a:extLst>
+              <a:ext uri="{FF2B5EF4-FFF2-40B4-BE49-F238E27FC236}">
+                <a16:creationId xmlns:a16="http://schemas.microsoft.com/office/drawing/2014/main" id="{54B664F5-FD71-7C3E-D785-1131180DF43C}"/>
+              </a:ext>
+            </a:extLst>
+          </p:cNvPr>
+          <p:cNvSpPr/>
+          <p:nvPr/>
+        </p:nvSpPr>
+        <p:spPr>
+          <a:xfrm>
+            <a:off x="1821819" y="1276547"/>
+            <a:ext cx="355988" cy="338554"/>
+          </a:xfrm>
+          <a:prstGeom prst="downArrow">
+            <a:avLst/>
+          </a:prstGeom>
+          <a:solidFill>
+            <a:srgbClr val="7030A0"/>
+          </a:solidFill>
+        </p:spPr>
+        <p:style>
+          <a:lnRef idx="2">
+            <a:schemeClr val="accent1">
+              <a:shade val="15000"/>
+            </a:schemeClr>
+          </a:lnRef>
+          <a:fillRef idx="1">
+            <a:schemeClr val="accent1"/>
+          </a:fillRef>
+          <a:effectRef idx="0">
+            <a:schemeClr val="accent1"/>
+          </a:effectRef>
+          <a:fontRef idx="minor">
+            <a:schemeClr val="lt1"/>
+          </a:fontRef>
+        </p:style>
+        <p:txBody>
+          <a:bodyPr rtlCol="0" anchor="ctr"/>
+          <a:lstStyle/>
+          <a:p>
+            <a:pPr algn="ctr"/>
+            <a:endParaRPr lang="en-GB"/>
+          </a:p>
+        </p:txBody>
+      </p:sp>
+      <p:sp>
+        <p:nvSpPr>
+          <p:cNvPr id="13" name="TextBox 12">
+            <a:extLst>
+              <a:ext uri="{FF2B5EF4-FFF2-40B4-BE49-F238E27FC236}">
+                <a16:creationId xmlns:a16="http://schemas.microsoft.com/office/drawing/2014/main" id="{CDA4028E-E483-449A-F4E9-366325AF1418}"/>
+              </a:ext>
+            </a:extLst>
+          </p:cNvPr>
+          <p:cNvSpPr txBox="1"/>
+          <p:nvPr/>
+        </p:nvSpPr>
+        <p:spPr>
+          <a:xfrm>
+            <a:off x="6098325" y="50598"/>
+            <a:ext cx="5183347" cy="369332"/>
+          </a:xfrm>
+          <a:prstGeom prst="rect">
+            <a:avLst/>
+          </a:prstGeom>
+          <a:solidFill>
+            <a:schemeClr val="accent4">
+              <a:lumMod val="40000"/>
+              <a:lumOff val="60000"/>
+            </a:schemeClr>
+          </a:solidFill>
+        </p:spPr>
+        <p:txBody>
+          <a:bodyPr wrap="square" rtlCol="0">
+            <a:spAutoFit/>
+          </a:bodyPr>
+          <a:lstStyle>
+            <a:defPPr>
+              <a:defRPr lang="en-US"/>
+            </a:defPPr>
+            <a:lvl1pPr algn="ctr">
+              <a:defRPr b="1"/>
+            </a:lvl1pPr>
+          </a:lstStyle>
+          <a:p>
+            <a:r>
+              <a:rPr lang="en-GB" dirty="0"/>
+              <a:t>Earlier, for every row in the CSV, this was created:</a:t>
+            </a:r>
+          </a:p>
+        </p:txBody>
+      </p:sp>
+      <p:graphicFrame>
+        <p:nvGraphicFramePr>
+          <p:cNvPr id="14" name="Table 13">
+            <a:extLst>
+              <a:ext uri="{FF2B5EF4-FFF2-40B4-BE49-F238E27FC236}">
+                <a16:creationId xmlns:a16="http://schemas.microsoft.com/office/drawing/2014/main" id="{A623D032-F98D-36AD-50B9-F7B15851BE81}"/>
+              </a:ext>
+            </a:extLst>
+          </p:cNvPr>
+          <p:cNvGraphicFramePr>
+            <a:graphicFrameLocks noGrp="1"/>
+          </p:cNvGraphicFramePr>
+          <p:nvPr/>
+        </p:nvGraphicFramePr>
+        <p:xfrm>
+          <a:off x="5235695" y="783363"/>
+          <a:ext cx="6725960" cy="1739440"/>
+        </p:xfrm>
+        <a:graphic>
+          <a:graphicData uri="http://schemas.openxmlformats.org/drawingml/2006/table">
+            <a:tbl>
+              <a:tblPr>
+                <a:tableStyleId>{BC89EF96-8CEA-46FF-86C4-4CE0E7609802}</a:tableStyleId>
+              </a:tblPr>
+              <a:tblGrid>
+                <a:gridCol w="2309850">
+                  <a:extLst>
+                    <a:ext uri="{9D8B030D-6E8A-4147-A177-3AD203B41FA5}">
+                      <a16:colId xmlns:a16="http://schemas.microsoft.com/office/drawing/2014/main" val="2421627941"/>
+                    </a:ext>
+                  </a:extLst>
+                </a:gridCol>
+                <a:gridCol w="4416110">
+                  <a:extLst>
+                    <a:ext uri="{9D8B030D-6E8A-4147-A177-3AD203B41FA5}">
+                      <a16:colId xmlns:a16="http://schemas.microsoft.com/office/drawing/2014/main" val="174124159"/>
+                    </a:ext>
+                  </a:extLst>
+                </a:gridCol>
+              </a:tblGrid>
+              <a:tr h="297280">
+                <a:tc>
+                  <a:txBody>
+                    <a:bodyPr/>
+                    <a:lstStyle/>
+                    <a:p>
+                      <a:pPr>
+                        <a:buNone/>
+                      </a:pPr>
+                      <a:r>
+                        <a:rPr lang="en-GB" sz="1400" b="1" dirty="0"/>
+                        <a:t>Stored Item</a:t>
+                      </a:r>
+                    </a:p>
+                  </a:txBody>
+                  <a:tcPr anchor="ctr"/>
+                </a:tc>
+                <a:tc>
+                  <a:txBody>
+                    <a:bodyPr/>
+                    <a:lstStyle/>
+                    <a:p>
+                      <a:pPr>
+                        <a:buNone/>
+                      </a:pPr>
+                      <a:r>
+                        <a:rPr lang="en-GB" sz="1400" b="1" dirty="0"/>
+                        <a:t>Description</a:t>
+                      </a:r>
+                    </a:p>
+                  </a:txBody>
+                  <a:tcPr anchor="ctr"/>
+                </a:tc>
+                <a:extLst>
+                  <a:ext uri="{0D108BD9-81ED-4DB2-BD59-A6C34878D82A}">
+                    <a16:rowId xmlns:a16="http://schemas.microsoft.com/office/drawing/2014/main" val="3154810886"/>
+                  </a:ext>
+                </a:extLst>
+              </a:tr>
+              <a:tr h="297280">
+                <a:tc>
+                  <a:txBody>
+                    <a:bodyPr/>
+                    <a:lstStyle/>
+                    <a:p>
+                      <a:pPr>
+                        <a:buNone/>
+                      </a:pPr>
+                      <a:r>
+                        <a:rPr lang="en-GB" sz="1400" b="1" dirty="0"/>
+                        <a:t>id</a:t>
+                      </a:r>
+                      <a:endParaRPr lang="en-GB" sz="1400" dirty="0"/>
+                    </a:p>
+                  </a:txBody>
+                  <a:tcPr anchor="ctr"/>
+                </a:tc>
+                <a:tc>
+                  <a:txBody>
+                    <a:bodyPr/>
+                    <a:lstStyle/>
+                    <a:p>
+                      <a:pPr>
+                        <a:buNone/>
+                      </a:pPr>
+                      <a:r>
+                        <a:rPr lang="en-GB" sz="1400"/>
+                        <a:t>Auto-generated UUID</a:t>
+                      </a:r>
+                    </a:p>
+                  </a:txBody>
+                  <a:tcPr anchor="ctr"/>
+                </a:tc>
+                <a:extLst>
+                  <a:ext uri="{0D108BD9-81ED-4DB2-BD59-A6C34878D82A}">
+                    <a16:rowId xmlns:a16="http://schemas.microsoft.com/office/drawing/2014/main" val="1835418203"/>
+                  </a:ext>
+                </a:extLst>
+              </a:tr>
+              <a:tr h="297280">
+                <a:tc>
+                  <a:txBody>
+                    <a:bodyPr/>
+                    <a:lstStyle/>
+                    <a:p>
+                      <a:pPr>
+                        <a:buNone/>
+                      </a:pPr>
+                      <a:r>
+                        <a:rPr lang="en-GB" sz="1400" b="1" dirty="0"/>
+                        <a:t>embedding</a:t>
+                      </a:r>
+                      <a:endParaRPr lang="en-GB" sz="1400" dirty="0"/>
+                    </a:p>
+                  </a:txBody>
+                  <a:tcPr anchor="ctr"/>
+                </a:tc>
+                <a:tc>
+                  <a:txBody>
+                    <a:bodyPr/>
+                    <a:lstStyle/>
+                    <a:p>
+                      <a:pPr>
+                        <a:buNone/>
+                      </a:pPr>
+                      <a:r>
+                        <a:rPr lang="en-US" sz="1400" b="1" dirty="0">
+                          <a:solidFill>
+                            <a:srgbClr val="FF0000"/>
+                          </a:solidFill>
+                        </a:rPr>
+                        <a:t>384-dim vector</a:t>
+                      </a:r>
+                      <a:r>
+                        <a:rPr lang="en-US" sz="1400" dirty="0">
+                          <a:solidFill>
+                            <a:srgbClr val="FF0000"/>
+                          </a:solidFill>
+                        </a:rPr>
+                        <a:t> </a:t>
+                      </a:r>
+                      <a:r>
+                        <a:rPr lang="en-US" sz="1400" dirty="0"/>
+                        <a:t>of product </a:t>
+                      </a:r>
+                      <a:r>
+                        <a:rPr lang="en-US" sz="1400" b="1" dirty="0"/>
+                        <a:t>title</a:t>
+                      </a:r>
+                      <a:endParaRPr lang="en-US" sz="1400" dirty="0"/>
+                    </a:p>
+                  </a:txBody>
+                  <a:tcPr anchor="ctr"/>
+                </a:tc>
+                <a:extLst>
+                  <a:ext uri="{0D108BD9-81ED-4DB2-BD59-A6C34878D82A}">
+                    <a16:rowId xmlns:a16="http://schemas.microsoft.com/office/drawing/2014/main" val="1401899888"/>
+                  </a:ext>
+                </a:extLst>
+              </a:tr>
+              <a:tr h="520240">
+                <a:tc>
+                  <a:txBody>
+                    <a:bodyPr/>
+                    <a:lstStyle/>
+                    <a:p>
+                      <a:pPr>
+                        <a:buNone/>
+                      </a:pPr>
+                      <a:r>
+                        <a:rPr lang="en-GB" sz="1400" b="1" dirty="0"/>
+                        <a:t>metadata</a:t>
+                      </a:r>
+                      <a:endParaRPr lang="en-GB" sz="1400" dirty="0"/>
+                    </a:p>
+                  </a:txBody>
+                  <a:tcPr anchor="ctr"/>
+                </a:tc>
+                <a:tc>
+                  <a:txBody>
+                    <a:bodyPr/>
+                    <a:lstStyle/>
+                    <a:p>
+                      <a:pPr>
+                        <a:buNone/>
+                      </a:pPr>
+                      <a:r>
+                        <a:rPr lang="en-US" sz="1400" dirty="0"/>
+                        <a:t>Full CSV row dictionary (</a:t>
+                      </a:r>
+                      <a:r>
+                        <a:rPr lang="en-US" sz="1400" dirty="0" err="1"/>
+                        <a:t>asin</a:t>
+                      </a:r>
+                      <a:r>
+                        <a:rPr lang="en-US" sz="1400" dirty="0"/>
+                        <a:t>, title, </a:t>
+                      </a:r>
+                      <a:r>
+                        <a:rPr lang="en-US" sz="1400" dirty="0" err="1"/>
+                        <a:t>imgUrl</a:t>
+                      </a:r>
+                      <a:r>
+                        <a:rPr lang="en-US" sz="1400" dirty="0"/>
+                        <a:t>, price, …)</a:t>
+                      </a:r>
+                    </a:p>
+                  </a:txBody>
+                  <a:tcPr anchor="ctr"/>
+                </a:tc>
+                <a:extLst>
+                  <a:ext uri="{0D108BD9-81ED-4DB2-BD59-A6C34878D82A}">
+                    <a16:rowId xmlns:a16="http://schemas.microsoft.com/office/drawing/2014/main" val="1110858148"/>
+                  </a:ext>
+                </a:extLst>
+              </a:tr>
+              <a:tr h="297280">
+                <a:tc>
+                  <a:txBody>
+                    <a:bodyPr/>
+                    <a:lstStyle/>
+                    <a:p>
+                      <a:pPr>
+                        <a:buNone/>
+                      </a:pPr>
+                      <a:r>
+                        <a:rPr lang="en-GB" sz="1400" b="1" dirty="0"/>
+                        <a:t>document/</a:t>
+                      </a:r>
+                      <a:r>
+                        <a:rPr lang="en-GB" sz="1400" b="1" dirty="0" err="1"/>
+                        <a:t>page_content</a:t>
+                      </a:r>
+                      <a:endParaRPr lang="en-GB" sz="1400" dirty="0"/>
+                    </a:p>
+                  </a:txBody>
+                  <a:tcPr anchor="ctr"/>
+                </a:tc>
+                <a:tc>
+                  <a:txBody>
+                    <a:bodyPr/>
+                    <a:lstStyle/>
+                    <a:p>
+                      <a:pPr>
+                        <a:buNone/>
+                      </a:pPr>
+                      <a:r>
+                        <a:rPr lang="en-GB" sz="1400" dirty="0"/>
+                        <a:t>Product title string</a:t>
+                      </a:r>
+                    </a:p>
+                  </a:txBody>
+                  <a:tcPr anchor="ctr"/>
+                </a:tc>
+                <a:extLst>
+                  <a:ext uri="{0D108BD9-81ED-4DB2-BD59-A6C34878D82A}">
+                    <a16:rowId xmlns:a16="http://schemas.microsoft.com/office/drawing/2014/main" val="1841974059"/>
+                  </a:ext>
+                </a:extLst>
+              </a:tr>
+            </a:tbl>
+          </a:graphicData>
+        </a:graphic>
+      </p:graphicFrame>
+      <p:sp>
+        <p:nvSpPr>
+          <p:cNvPr id="16" name="Arrow: Down 15">
+            <a:extLst>
+              <a:ext uri="{FF2B5EF4-FFF2-40B4-BE49-F238E27FC236}">
+                <a16:creationId xmlns:a16="http://schemas.microsoft.com/office/drawing/2014/main" id="{576FBC93-1105-A936-2335-43E2BA6A3EF6}"/>
+              </a:ext>
+            </a:extLst>
+          </p:cNvPr>
+          <p:cNvSpPr/>
+          <p:nvPr/>
+        </p:nvSpPr>
+        <p:spPr>
+          <a:xfrm>
+            <a:off x="1821819" y="2470456"/>
+            <a:ext cx="355988" cy="338554"/>
+          </a:xfrm>
+          <a:prstGeom prst="downArrow">
+            <a:avLst/>
+          </a:prstGeom>
+          <a:solidFill>
+            <a:srgbClr val="7030A0"/>
+          </a:solidFill>
+        </p:spPr>
+        <p:style>
+          <a:lnRef idx="2">
+            <a:schemeClr val="accent1">
+              <a:shade val="15000"/>
+            </a:schemeClr>
+          </a:lnRef>
+          <a:fillRef idx="1">
+            <a:schemeClr val="accent1"/>
+          </a:fillRef>
+          <a:effectRef idx="0">
+            <a:schemeClr val="accent1"/>
+          </a:effectRef>
+          <a:fontRef idx="minor">
+            <a:schemeClr val="lt1"/>
+          </a:fontRef>
+        </p:style>
+        <p:txBody>
+          <a:bodyPr rtlCol="0" anchor="ctr"/>
+          <a:lstStyle/>
+          <a:p>
+            <a:pPr algn="ctr"/>
+            <a:endParaRPr lang="en-GB"/>
+          </a:p>
+        </p:txBody>
+      </p:sp>
+      <p:sp>
+        <p:nvSpPr>
+          <p:cNvPr id="17" name="Arrow: Down 16">
+            <a:extLst>
+              <a:ext uri="{FF2B5EF4-FFF2-40B4-BE49-F238E27FC236}">
+                <a16:creationId xmlns:a16="http://schemas.microsoft.com/office/drawing/2014/main" id="{15B7EDF4-A516-3123-268A-4E56696DB438}"/>
+              </a:ext>
+            </a:extLst>
+          </p:cNvPr>
+          <p:cNvSpPr/>
+          <p:nvPr/>
+        </p:nvSpPr>
+        <p:spPr>
+          <a:xfrm>
+            <a:off x="8416607" y="434840"/>
+            <a:ext cx="355988" cy="338554"/>
+          </a:xfrm>
+          <a:prstGeom prst="downArrow">
+            <a:avLst/>
+          </a:prstGeom>
+          <a:solidFill>
+            <a:srgbClr val="7030A0"/>
+          </a:solidFill>
+        </p:spPr>
+        <p:style>
+          <a:lnRef idx="2">
+            <a:schemeClr val="accent1">
+              <a:shade val="15000"/>
+            </a:schemeClr>
+          </a:lnRef>
+          <a:fillRef idx="1">
+            <a:schemeClr val="accent1"/>
+          </a:fillRef>
+          <a:effectRef idx="0">
+            <a:schemeClr val="accent1"/>
+          </a:effectRef>
+          <a:fontRef idx="minor">
+            <a:schemeClr val="lt1"/>
+          </a:fontRef>
+        </p:style>
+        <p:txBody>
+          <a:bodyPr rtlCol="0" anchor="ctr"/>
+          <a:lstStyle/>
+          <a:p>
+            <a:pPr algn="ctr"/>
+            <a:endParaRPr lang="en-GB"/>
+          </a:p>
+        </p:txBody>
+      </p:sp>
+      <p:sp>
+        <p:nvSpPr>
+          <p:cNvPr id="18" name="TextBox 17">
+            <a:extLst>
+              <a:ext uri="{FF2B5EF4-FFF2-40B4-BE49-F238E27FC236}">
+                <a16:creationId xmlns:a16="http://schemas.microsoft.com/office/drawing/2014/main" id="{4DA75A09-7FDB-722A-352B-7806070ABC5F}"/>
+              </a:ext>
+            </a:extLst>
+          </p:cNvPr>
+          <p:cNvSpPr txBox="1"/>
+          <p:nvPr/>
+        </p:nvSpPr>
+        <p:spPr>
+          <a:xfrm>
+            <a:off x="6096000" y="2639733"/>
+            <a:ext cx="4285814" cy="646331"/>
+          </a:xfrm>
+          <a:prstGeom prst="rect">
+            <a:avLst/>
+          </a:prstGeom>
+          <a:noFill/>
+        </p:spPr>
+        <p:txBody>
+          <a:bodyPr wrap="square" rtlCol="0">
+            <a:spAutoFit/>
+          </a:bodyPr>
+          <a:lstStyle/>
+          <a:p>
+            <a:r>
+              <a:rPr lang="en-IN" b="1" dirty="0">
+                <a:solidFill>
+                  <a:srgbClr val="FF0000"/>
+                </a:solidFill>
+              </a:rPr>
+              <a:t>These</a:t>
+            </a:r>
+            <a:r>
+              <a:rPr lang="en-IN" dirty="0"/>
+              <a:t> are compared using </a:t>
+            </a:r>
+            <a:r>
+              <a:rPr lang="en-IN" b="1" dirty="0"/>
+              <a:t>Cosine Similarity</a:t>
+            </a:r>
+          </a:p>
+          <a:p>
+            <a:pPr algn="ctr"/>
+            <a:r>
+              <a:rPr lang="en-IN" dirty="0">
+                <a:solidFill>
+                  <a:srgbClr val="C00000"/>
+                </a:solidFill>
+              </a:rPr>
+              <a:t>Higher Value = More Relevant</a:t>
+            </a:r>
+            <a:endParaRPr lang="en-GB" dirty="0">
+              <a:solidFill>
+                <a:srgbClr val="C00000"/>
+              </a:solidFill>
+            </a:endParaRPr>
+          </a:p>
+        </p:txBody>
+      </p:sp>
+      <p:graphicFrame>
+        <p:nvGraphicFramePr>
+          <p:cNvPr id="19" name="Table 18">
+            <a:extLst>
+              <a:ext uri="{FF2B5EF4-FFF2-40B4-BE49-F238E27FC236}">
+                <a16:creationId xmlns:a16="http://schemas.microsoft.com/office/drawing/2014/main" id="{25064F22-05C9-7458-4671-183881458B68}"/>
+              </a:ext>
+            </a:extLst>
+          </p:cNvPr>
+          <p:cNvGraphicFramePr>
+            <a:graphicFrameLocks noGrp="1"/>
+          </p:cNvGraphicFramePr>
+          <p:nvPr/>
+        </p:nvGraphicFramePr>
+        <p:xfrm>
+          <a:off x="5295609" y="3286064"/>
+          <a:ext cx="6344959" cy="1752333"/>
+        </p:xfrm>
+        <a:graphic>
+          <a:graphicData uri="http://schemas.openxmlformats.org/drawingml/2006/table">
+            <a:tbl>
+              <a:tblPr>
+                <a:tableStyleId>{BC89EF96-8CEA-46FF-86C4-4CE0E7609802}</a:tableStyleId>
+              </a:tblPr>
+              <a:tblGrid>
+                <a:gridCol w="5454943">
+                  <a:extLst>
+                    <a:ext uri="{9D8B030D-6E8A-4147-A177-3AD203B41FA5}">
+                      <a16:colId xmlns:a16="http://schemas.microsoft.com/office/drawing/2014/main" val="3233101817"/>
+                    </a:ext>
+                  </a:extLst>
+                </a:gridCol>
+                <a:gridCol w="890016">
+                  <a:extLst>
+                    <a:ext uri="{9D8B030D-6E8A-4147-A177-3AD203B41FA5}">
+                      <a16:colId xmlns:a16="http://schemas.microsoft.com/office/drawing/2014/main" val="3041023525"/>
+                    </a:ext>
+                  </a:extLst>
+                </a:gridCol>
+              </a:tblGrid>
+              <a:tr h="182728">
+                <a:tc>
+                  <a:txBody>
+                    <a:bodyPr/>
+                    <a:lstStyle/>
+                    <a:p>
+                      <a:pPr>
+                        <a:buNone/>
+                      </a:pPr>
+                      <a:r>
+                        <a:rPr lang="en-GB" sz="1400" b="1" dirty="0"/>
+                        <a:t>Row Title</a:t>
+                      </a:r>
+                    </a:p>
+                  </a:txBody>
+                  <a:tcPr anchor="ctr"/>
+                </a:tc>
+                <a:tc>
+                  <a:txBody>
+                    <a:bodyPr/>
+                    <a:lstStyle/>
+                    <a:p>
+                      <a:pPr>
+                        <a:buNone/>
+                      </a:pPr>
+                      <a:r>
+                        <a:rPr lang="en-GB" sz="1400" b="1" dirty="0"/>
+                        <a:t>Cosine Similarity</a:t>
+                      </a:r>
+                    </a:p>
+                  </a:txBody>
+                  <a:tcPr anchor="ctr"/>
+                </a:tc>
+                <a:extLst>
+                  <a:ext uri="{0D108BD9-81ED-4DB2-BD59-A6C34878D82A}">
+                    <a16:rowId xmlns:a16="http://schemas.microsoft.com/office/drawing/2014/main" val="2718555480"/>
+                  </a:ext>
+                </a:extLst>
+              </a:tr>
+              <a:tr h="319773">
+                <a:tc>
+                  <a:txBody>
+                    <a:bodyPr/>
+                    <a:lstStyle/>
+                    <a:p>
+                      <a:pPr>
+                        <a:buNone/>
+                      </a:pPr>
+                      <a:r>
+                        <a:rPr lang="en-US" sz="1400"/>
+                        <a:t>"Sion Softside Expandable Roller Luggage, Black, Checked-Large 29-Inch"</a:t>
+                      </a:r>
+                    </a:p>
+                  </a:txBody>
+                  <a:tcPr anchor="ctr"/>
+                </a:tc>
+                <a:tc>
+                  <a:txBody>
+                    <a:bodyPr/>
+                    <a:lstStyle/>
+                    <a:p>
+                      <a:pPr>
+                        <a:buNone/>
+                      </a:pPr>
+                      <a:r>
+                        <a:rPr lang="en-GB" sz="1400" b="1" dirty="0"/>
+                        <a:t>0.92</a:t>
+                      </a:r>
+                      <a:endParaRPr lang="en-GB" sz="1400" dirty="0"/>
+                    </a:p>
+                  </a:txBody>
+                  <a:tcPr anchor="ctr"/>
+                </a:tc>
+                <a:extLst>
+                  <a:ext uri="{0D108BD9-81ED-4DB2-BD59-A6C34878D82A}">
+                    <a16:rowId xmlns:a16="http://schemas.microsoft.com/office/drawing/2014/main" val="2050606647"/>
+                  </a:ext>
+                </a:extLst>
+              </a:tr>
+              <a:tr h="182728">
+                <a:tc>
+                  <a:txBody>
+                    <a:bodyPr/>
+                    <a:lstStyle/>
+                    <a:p>
+                      <a:pPr>
+                        <a:buNone/>
+                      </a:pPr>
+                      <a:r>
+                        <a:rPr lang="en-GB" sz="1400" dirty="0"/>
+                        <a:t>Luggage Sets Expandable PC+ABS Durable Suitcase</a:t>
+                      </a:r>
+                    </a:p>
+                  </a:txBody>
+                  <a:tcPr anchor="ctr"/>
+                </a:tc>
+                <a:tc>
+                  <a:txBody>
+                    <a:bodyPr/>
+                    <a:lstStyle/>
+                    <a:p>
+                      <a:pPr>
+                        <a:buNone/>
+                      </a:pPr>
+                      <a:r>
+                        <a:rPr lang="en-GB" sz="1400" dirty="0"/>
+                        <a:t>0.88</a:t>
+                      </a:r>
+                    </a:p>
+                  </a:txBody>
+                  <a:tcPr anchor="ctr"/>
+                </a:tc>
+                <a:extLst>
+                  <a:ext uri="{0D108BD9-81ED-4DB2-BD59-A6C34878D82A}">
+                    <a16:rowId xmlns:a16="http://schemas.microsoft.com/office/drawing/2014/main" val="1086023604"/>
+                  </a:ext>
+                </a:extLst>
+              </a:tr>
+              <a:tr h="182728">
+                <a:tc>
+                  <a:txBody>
+                    <a:bodyPr/>
+                    <a:lstStyle/>
+                    <a:p>
+                      <a:pPr>
+                        <a:buNone/>
+                      </a:pPr>
+                      <a:r>
+                        <a:rPr lang="en-GB" sz="1400"/>
+                        <a:t>Non-luggage titles</a:t>
+                      </a:r>
+                    </a:p>
+                  </a:txBody>
+                  <a:tcPr anchor="ctr"/>
+                </a:tc>
+                <a:tc>
+                  <a:txBody>
+                    <a:bodyPr/>
+                    <a:lstStyle/>
+                    <a:p>
+                      <a:pPr>
+                        <a:buNone/>
+                      </a:pPr>
+                      <a:r>
+                        <a:rPr lang="en-GB" sz="1400" dirty="0"/>
+                        <a:t>0.41</a:t>
+                      </a:r>
+                    </a:p>
+                  </a:txBody>
+                  <a:tcPr anchor="ctr"/>
+                </a:tc>
+                <a:extLst>
+                  <a:ext uri="{0D108BD9-81ED-4DB2-BD59-A6C34878D82A}">
+                    <a16:rowId xmlns:a16="http://schemas.microsoft.com/office/drawing/2014/main" val="1586637187"/>
+                  </a:ext>
+                </a:extLst>
+              </a:tr>
+              <a:tr h="182728">
+                <a:tc>
+                  <a:txBody>
+                    <a:bodyPr/>
+                    <a:lstStyle/>
+                    <a:p>
+                      <a:pPr>
+                        <a:buNone/>
+                      </a:pPr>
+                      <a:r>
+                        <a:rPr lang="en-GB" sz="1400"/>
+                        <a:t>Irrelevant items</a:t>
+                      </a:r>
+                    </a:p>
+                  </a:txBody>
+                  <a:tcPr anchor="ctr"/>
+                </a:tc>
+                <a:tc>
+                  <a:txBody>
+                    <a:bodyPr/>
+                    <a:lstStyle/>
+                    <a:p>
+                      <a:pPr>
+                        <a:buNone/>
+                      </a:pPr>
+                      <a:r>
+                        <a:rPr lang="en-GB" sz="1400" dirty="0"/>
+                        <a:t>0.10</a:t>
+                      </a:r>
+                    </a:p>
+                  </a:txBody>
+                  <a:tcPr anchor="ctr"/>
+                </a:tc>
+                <a:extLst>
+                  <a:ext uri="{0D108BD9-81ED-4DB2-BD59-A6C34878D82A}">
+                    <a16:rowId xmlns:a16="http://schemas.microsoft.com/office/drawing/2014/main" val="2698269572"/>
+                  </a:ext>
+                </a:extLst>
+              </a:tr>
+            </a:tbl>
+          </a:graphicData>
+        </a:graphic>
+      </p:graphicFrame>
+      <p:sp>
+        <p:nvSpPr>
+          <p:cNvPr id="21" name="TextBox 20">
+            <a:extLst>
+              <a:ext uri="{FF2B5EF4-FFF2-40B4-BE49-F238E27FC236}">
+                <a16:creationId xmlns:a16="http://schemas.microsoft.com/office/drawing/2014/main" id="{8CDF69AF-B442-3474-11BF-9EB6F1BAC9D6}"/>
+              </a:ext>
+            </a:extLst>
+          </p:cNvPr>
+          <p:cNvSpPr txBox="1"/>
+          <p:nvPr/>
+        </p:nvSpPr>
+        <p:spPr>
+          <a:xfrm>
+            <a:off x="6076799" y="5871277"/>
+            <a:ext cx="5032690" cy="646331"/>
+          </a:xfrm>
+          <a:prstGeom prst="rect">
+            <a:avLst/>
+          </a:prstGeom>
+          <a:solidFill>
+            <a:schemeClr val="accent2">
+              <a:lumMod val="40000"/>
+              <a:lumOff val="60000"/>
+            </a:schemeClr>
+          </a:solidFill>
+        </p:spPr>
+        <p:txBody>
+          <a:bodyPr wrap="square">
+            <a:spAutoFit/>
+          </a:bodyPr>
+          <a:lstStyle/>
+          <a:p>
+            <a:r>
+              <a:rPr lang="en-GB" dirty="0"/>
+              <a:t>Sion </a:t>
+            </a:r>
+            <a:r>
+              <a:rPr lang="en-GB" dirty="0" err="1"/>
+              <a:t>Softside</a:t>
+            </a:r>
+            <a:r>
+              <a:rPr lang="en-GB" dirty="0"/>
+              <a:t> Expandable Roller Luggage, Black…</a:t>
+            </a:r>
+          </a:p>
+          <a:p>
+            <a:r>
+              <a:rPr lang="en-GB" dirty="0"/>
+              <a:t>Luggage Sets Expandable PC+ABS Durable Suitcase…</a:t>
+            </a:r>
+          </a:p>
+        </p:txBody>
+      </p:sp>
+      <p:sp>
+        <p:nvSpPr>
+          <p:cNvPr id="22" name="TextBox 21">
+            <a:extLst>
+              <a:ext uri="{FF2B5EF4-FFF2-40B4-BE49-F238E27FC236}">
+                <a16:creationId xmlns:a16="http://schemas.microsoft.com/office/drawing/2014/main" id="{9DFF733E-15F4-9320-6390-0D57AEA2C45A}"/>
+              </a:ext>
+            </a:extLst>
+          </p:cNvPr>
+          <p:cNvSpPr txBox="1"/>
+          <p:nvPr/>
+        </p:nvSpPr>
+        <p:spPr>
+          <a:xfrm>
+            <a:off x="6369383" y="5439448"/>
+            <a:ext cx="4447521" cy="369332"/>
+          </a:xfrm>
+          <a:prstGeom prst="rect">
+            <a:avLst/>
+          </a:prstGeom>
+          <a:noFill/>
+        </p:spPr>
+        <p:txBody>
+          <a:bodyPr wrap="square" rtlCol="0">
+            <a:spAutoFit/>
+          </a:bodyPr>
+          <a:lstStyle/>
+          <a:p>
+            <a:pPr algn="ctr"/>
+            <a:r>
+              <a:rPr lang="en-IN" b="1" dirty="0"/>
+              <a:t>Title from top 2 results’ metadata is returned</a:t>
+            </a:r>
+            <a:endParaRPr lang="en-GB" b="1" dirty="0"/>
+          </a:p>
+        </p:txBody>
+      </p:sp>
+      <p:sp>
+        <p:nvSpPr>
+          <p:cNvPr id="23" name="Arrow: Down 22">
+            <a:extLst>
+              <a:ext uri="{FF2B5EF4-FFF2-40B4-BE49-F238E27FC236}">
+                <a16:creationId xmlns:a16="http://schemas.microsoft.com/office/drawing/2014/main" id="{DDC74B7E-E7C3-600E-A100-C591188239E5}"/>
+              </a:ext>
+            </a:extLst>
+          </p:cNvPr>
+          <p:cNvSpPr/>
+          <p:nvPr/>
+        </p:nvSpPr>
+        <p:spPr>
+          <a:xfrm>
+            <a:off x="8415150" y="5100894"/>
+            <a:ext cx="355988" cy="338554"/>
+          </a:xfrm>
+          <a:prstGeom prst="downArrow">
+            <a:avLst/>
+          </a:prstGeom>
+          <a:solidFill>
+            <a:srgbClr val="7030A0"/>
+          </a:solidFill>
+        </p:spPr>
+        <p:style>
+          <a:lnRef idx="2">
+            <a:schemeClr val="accent1">
+              <a:shade val="15000"/>
+            </a:schemeClr>
+          </a:lnRef>
+          <a:fillRef idx="1">
+            <a:schemeClr val="accent1"/>
+          </a:fillRef>
+          <a:effectRef idx="0">
+            <a:schemeClr val="accent1"/>
+          </a:effectRef>
+          <a:fontRef idx="minor">
+            <a:schemeClr val="lt1"/>
+          </a:fontRef>
+        </p:style>
+        <p:txBody>
+          <a:bodyPr rtlCol="0" anchor="ctr"/>
+          <a:lstStyle/>
+          <a:p>
+            <a:pPr algn="ctr"/>
+            <a:endParaRPr lang="en-GB"/>
+          </a:p>
+        </p:txBody>
+      </p:sp>
+      <p:cxnSp>
+        <p:nvCxnSpPr>
+          <p:cNvPr id="25" name="Straight Connector 24">
+            <a:extLst>
+              <a:ext uri="{FF2B5EF4-FFF2-40B4-BE49-F238E27FC236}">
+                <a16:creationId xmlns:a16="http://schemas.microsoft.com/office/drawing/2014/main" id="{F93466D5-BB75-AA3A-6360-0D0AC8D430DA}"/>
+              </a:ext>
+            </a:extLst>
+          </p:cNvPr>
+          <p:cNvCxnSpPr>
+            <a:cxnSpLocks/>
+          </p:cNvCxnSpPr>
+          <p:nvPr/>
+        </p:nvCxnSpPr>
+        <p:spPr>
+          <a:xfrm>
+            <a:off x="5124011" y="582842"/>
+            <a:ext cx="61658" cy="6198375"/>
+          </a:xfrm>
+          <a:prstGeom prst="line">
+            <a:avLst/>
+          </a:prstGeom>
+          <a:ln w="34925">
+            <a:solidFill>
+              <a:srgbClr val="FF0000"/>
+            </a:solidFill>
+          </a:ln>
+        </p:spPr>
+        <p:style>
+          <a:lnRef idx="1">
+            <a:schemeClr val="accent1"/>
+          </a:lnRef>
+          <a:fillRef idx="0">
+            <a:schemeClr val="accent1"/>
+          </a:fillRef>
+          <a:effectRef idx="0">
+            <a:schemeClr val="accent1"/>
+          </a:effectRef>
+          <a:fontRef idx="minor">
+            <a:schemeClr val="tx1"/>
+          </a:fontRef>
+        </p:style>
+      </p:cxnSp>
+    </p:spTree>
+    <p:extLst>
+      <p:ext uri="{BB962C8B-B14F-4D97-AF65-F5344CB8AC3E}">
+        <p14:creationId xmlns:p14="http://schemas.microsoft.com/office/powerpoint/2010/main" val="32027410"/>
+      </p:ext>
+    </p:extLst>
+  </p:cSld>
+  <p:clrMapOvr>
+    <a:masterClrMapping/>
+  </p:clrMapOvr>
+</p:sld>
+</file>
+
+<file path=ppt/slides/slide22.xml><?xml version="1.0" encoding="utf-8"?>
+<p:sld xmlns:a="http://schemas.openxmlformats.org/drawingml/2006/main" xmlns:r="http://schemas.openxmlformats.org/officeDocument/2006/relationships" xmlns:p="http://schemas.openxmlformats.org/presentationml/2006/main">
+  <p:cSld>
+    <p:spTree>
+      <p:nvGrpSpPr>
+        <p:cNvPr id="1" name=""/>
+        <p:cNvGrpSpPr/>
+        <p:nvPr/>
+      </p:nvGrpSpPr>
+      <p:grpSpPr>
+        <a:xfrm>
+          <a:off x="0" y="0"/>
+          <a:ext cx="0" cy="0"/>
+          <a:chOff x="0" y="0"/>
+          <a:chExt cx="0" cy="0"/>
+        </a:xfrm>
+      </p:grpSpPr>
+      <p:sp>
+        <p:nvSpPr>
+          <p:cNvPr id="2" name="Title 1">
+            <a:extLst>
+              <a:ext uri="{FF2B5EF4-FFF2-40B4-BE49-F238E27FC236}">
+                <a16:creationId xmlns:a16="http://schemas.microsoft.com/office/drawing/2014/main" id="{7DD7311E-19A9-9157-848A-D5C52B4BFD28}"/>
               </a:ext>
             </a:extLst>
           </p:cNvPr>
@@ -21183,14 +22737,10 @@
           <a:lstStyle/>
           <a:p>
             <a:r>
-              <a:rPr lang="en-IN" noProof="0" dirty="0"/>
-              <a:t>Representation Inside </a:t>
-            </a:r>
-            <a:r>
-              <a:rPr lang="en-IN" noProof="0" dirty="0" err="1"/>
-              <a:t>ChromaDB</a:t>
-            </a:r>
-            <a:endParaRPr lang="en-IN" noProof="0" dirty="0"/>
+              <a:rPr lang="en-IN" dirty="0"/>
+              <a:t>Vector Database Comparison</a:t>
+            </a:r>
+            <a:endParaRPr lang="en-GB" dirty="0"/>
           </a:p>
         </p:txBody>
       </p:sp>
@@ -21199,7 +22749,7 @@
           <p:cNvPr id="4" name="Content Placeholder 3">
             <a:extLst>
               <a:ext uri="{FF2B5EF4-FFF2-40B4-BE49-F238E27FC236}">
-                <a16:creationId xmlns:a16="http://schemas.microsoft.com/office/drawing/2014/main" id="{043410E2-2776-041C-0EAF-63D191E8E3A3}"/>
+                <a16:creationId xmlns:a16="http://schemas.microsoft.com/office/drawing/2014/main" id="{316A4EAD-DA98-4957-F0AA-1F14258A3F06}"/>
               </a:ext>
             </a:extLst>
           </p:cNvPr>
@@ -21211,60 +22761,66 @@
           </p:nvPr>
         </p:nvGraphicFramePr>
         <p:xfrm>
-          <a:off x="691617" y="1690688"/>
-          <a:ext cx="10515600" cy="1828800"/>
+          <a:off x="642174" y="1430932"/>
+          <a:ext cx="10396622" cy="4746033"/>
         </p:xfrm>
         <a:graphic>
           <a:graphicData uri="http://schemas.openxmlformats.org/drawingml/2006/table">
             <a:tbl>
               <a:tblPr/>
               <a:tblGrid>
-                <a:gridCol w="1542032">
+                <a:gridCol w="1422938">
                   <a:extLst>
                     <a:ext uri="{9D8B030D-6E8A-4147-A177-3AD203B41FA5}">
-                      <a16:colId xmlns:a16="http://schemas.microsoft.com/office/drawing/2014/main" val="1706977520"/>
+                      <a16:colId xmlns:a16="http://schemas.microsoft.com/office/drawing/2014/main" val="3124604475"/>
                     </a:ext>
                   </a:extLst>
                 </a:gridCol>
-                <a:gridCol w="3078247">
+                <a:gridCol w="2243421">
                   <a:extLst>
                     <a:ext uri="{9D8B030D-6E8A-4147-A177-3AD203B41FA5}">
-                      <a16:colId xmlns:a16="http://schemas.microsoft.com/office/drawing/2014/main" val="1777147293"/>
+                      <a16:colId xmlns:a16="http://schemas.microsoft.com/office/drawing/2014/main" val="2651605982"/>
                     </a:ext>
                   </a:extLst>
                 </a:gridCol>
-                <a:gridCol w="4425417">
+                <a:gridCol w="2243421">
                   <a:extLst>
                     <a:ext uri="{9D8B030D-6E8A-4147-A177-3AD203B41FA5}">
-                      <a16:colId xmlns:a16="http://schemas.microsoft.com/office/drawing/2014/main" val="1853368615"/>
+                      <a16:colId xmlns:a16="http://schemas.microsoft.com/office/drawing/2014/main" val="1738029044"/>
                     </a:ext>
                   </a:extLst>
                 </a:gridCol>
-                <a:gridCol w="1469904">
+                <a:gridCol w="2243421">
                   <a:extLst>
                     <a:ext uri="{9D8B030D-6E8A-4147-A177-3AD203B41FA5}">
-                      <a16:colId xmlns:a16="http://schemas.microsoft.com/office/drawing/2014/main" val="770471081"/>
+                      <a16:colId xmlns:a16="http://schemas.microsoft.com/office/drawing/2014/main" val="2480930775"/>
+                    </a:ext>
+                  </a:extLst>
+                </a:gridCol>
+                <a:gridCol w="2243421">
+                  <a:extLst>
+                    <a:ext uri="{9D8B030D-6E8A-4147-A177-3AD203B41FA5}">
+                      <a16:colId xmlns:a16="http://schemas.microsoft.com/office/drawing/2014/main" val="4219440020"/>
                     </a:ext>
                   </a:extLst>
                 </a:gridCol>
               </a:tblGrid>
-              <a:tr h="0">
-                <a:tc>
-                  <a:txBody>
-                    <a:bodyPr/>
-                    <a:lstStyle/>
-                    <a:p>
-                      <a:pPr algn="l">
-                        <a:buNone/>
-                      </a:pPr>
-                      <a:r>
-                        <a:rPr lang="en-IN" b="1" noProof="0" dirty="0"/>
-                        <a:t>ID</a:t>
-                      </a:r>
-                      <a:endParaRPr lang="en-IN" noProof="0" dirty="0"/>
-                    </a:p>
-                  </a:txBody>
-                  <a:tcPr anchor="ctr">
+              <a:tr h="292064">
+                <a:tc>
+                  <a:txBody>
+                    <a:bodyPr/>
+                    <a:lstStyle/>
+                    <a:p>
+                      <a:pPr>
+                        <a:buNone/>
+                      </a:pPr>
+                      <a:r>
+                        <a:rPr lang="en-GB" sz="1300" b="1" dirty="0"/>
+                        <a:t>Vector DB</a:t>
+                      </a:r>
+                    </a:p>
+                  </a:txBody>
+                  <a:tcPr marL="66944" marR="66944" marT="33472" marB="33472" anchor="ctr">
                     <a:lnL w="12700" cap="flat" cmpd="sng" algn="ctr">
                       <a:solidFill>
                         <a:schemeClr val="tx1"/>
@@ -21301,12 +22857,7 @@
                       <a:headEnd type="none" w="med" len="med"/>
                       <a:tailEnd type="none" w="med" len="med"/>
                     </a:lnB>
-                    <a:solidFill>
-                      <a:schemeClr val="accent6">
-                        <a:lumMod val="20000"/>
-                        <a:lumOff val="80000"/>
-                      </a:schemeClr>
-                    </a:solidFill>
+                    <a:noFill/>
                   </a:tcPr>
                 </a:tc>
                 <a:tc>
@@ -21314,17 +22865,16 @@
                     <a:bodyPr/>
                     <a:lstStyle/>
                     <a:p>
-                      <a:pPr algn="l">
-                        <a:buNone/>
-                      </a:pPr>
-                      <a:r>
-                        <a:rPr lang="en-IN" b="1" noProof="0" dirty="0"/>
-                        <a:t>Document (Text)</a:t>
-                      </a:r>
-                      <a:endParaRPr lang="en-IN" noProof="0" dirty="0"/>
-                    </a:p>
-                  </a:txBody>
-                  <a:tcPr anchor="ctr">
+                      <a:pPr>
+                        <a:buNone/>
+                      </a:pPr>
+                      <a:r>
+                        <a:rPr lang="en-GB" sz="1300" b="1" dirty="0"/>
+                        <a:t>Type</a:t>
+                      </a:r>
+                    </a:p>
+                  </a:txBody>
+                  <a:tcPr marL="66944" marR="66944" marT="33472" marB="33472" anchor="ctr">
                     <a:lnL w="12700" cap="flat" cmpd="sng" algn="ctr">
                       <a:solidFill>
                         <a:schemeClr val="tx1"/>
@@ -21361,12 +22911,7 @@
                       <a:headEnd type="none" w="med" len="med"/>
                       <a:tailEnd type="none" w="med" len="med"/>
                     </a:lnB>
-                    <a:solidFill>
-                      <a:schemeClr val="accent6">
-                        <a:lumMod val="20000"/>
-                        <a:lumOff val="80000"/>
-                      </a:schemeClr>
-                    </a:solidFill>
+                    <a:noFill/>
                   </a:tcPr>
                 </a:tc>
                 <a:tc>
@@ -21374,17 +22919,16 @@
                     <a:bodyPr/>
                     <a:lstStyle/>
                     <a:p>
-                      <a:pPr algn="l">
-                        <a:buNone/>
-                      </a:pPr>
-                      <a:r>
-                        <a:rPr lang="en-IN" b="1" noProof="0" dirty="0"/>
-                        <a:t>Embedding (Vector)</a:t>
-                      </a:r>
-                      <a:endParaRPr lang="en-IN" noProof="0" dirty="0"/>
-                    </a:p>
-                  </a:txBody>
-                  <a:tcPr anchor="ctr">
+                      <a:pPr>
+                        <a:buNone/>
+                      </a:pPr>
+                      <a:r>
+                        <a:rPr lang="en-GB" sz="1300" b="1" dirty="0"/>
+                        <a:t>Best For</a:t>
+                      </a:r>
+                    </a:p>
+                  </a:txBody>
+                  <a:tcPr marL="66944" marR="66944" marT="33472" marB="33472" anchor="ctr">
                     <a:lnL w="12700" cap="flat" cmpd="sng" algn="ctr">
                       <a:solidFill>
                         <a:schemeClr val="tx1"/>
@@ -21421,12 +22965,7 @@
                       <a:headEnd type="none" w="med" len="med"/>
                       <a:tailEnd type="none" w="med" len="med"/>
                     </a:lnB>
-                    <a:solidFill>
-                      <a:schemeClr val="accent6">
-                        <a:lumMod val="20000"/>
-                        <a:lumOff val="80000"/>
-                      </a:schemeClr>
-                    </a:solidFill>
+                    <a:noFill/>
                   </a:tcPr>
                 </a:tc>
                 <a:tc>
@@ -21434,17 +22973,16 @@
                     <a:bodyPr/>
                     <a:lstStyle/>
                     <a:p>
-                      <a:pPr algn="l">
-                        <a:buNone/>
-                      </a:pPr>
-                      <a:r>
-                        <a:rPr lang="en-IN" b="1" noProof="0" dirty="0"/>
-                        <a:t>Metadata</a:t>
-                      </a:r>
-                      <a:endParaRPr lang="en-IN" noProof="0" dirty="0"/>
-                    </a:p>
-                  </a:txBody>
-                  <a:tcPr anchor="ctr">
+                      <a:pPr>
+                        <a:buNone/>
+                      </a:pPr>
+                      <a:r>
+                        <a:rPr lang="en-GB" sz="1300" b="1" dirty="0"/>
+                        <a:t>Pros</a:t>
+                      </a:r>
+                    </a:p>
+                  </a:txBody>
+                  <a:tcPr marL="66944" marR="66944" marT="33472" marB="33472" anchor="ctr">
                     <a:lnL w="12700" cap="flat" cmpd="sng" algn="ctr">
                       <a:solidFill>
                         <a:schemeClr val="tx1"/>
@@ -21481,39 +23019,86 @@
                       <a:headEnd type="none" w="med" len="med"/>
                       <a:tailEnd type="none" w="med" len="med"/>
                     </a:lnB>
-                    <a:solidFill>
-                      <a:schemeClr val="accent6">
-                        <a:lumMod val="20000"/>
-                        <a:lumOff val="80000"/>
-                      </a:schemeClr>
-                    </a:solidFill>
+                    <a:noFill/>
+                  </a:tcPr>
+                </a:tc>
+                <a:tc>
+                  <a:txBody>
+                    <a:bodyPr/>
+                    <a:lstStyle/>
+                    <a:p>
+                      <a:pPr>
+                        <a:buNone/>
+                      </a:pPr>
+                      <a:r>
+                        <a:rPr lang="en-GB" sz="1300" b="1" dirty="0"/>
+                        <a:t>Cons</a:t>
+                      </a:r>
+                    </a:p>
+                  </a:txBody>
+                  <a:tcPr marL="66944" marR="66944" marT="33472" marB="33472" anchor="ctr">
+                    <a:lnL w="12700" cap="flat" cmpd="sng" algn="ctr">
+                      <a:solidFill>
+                        <a:schemeClr val="tx1"/>
+                      </a:solidFill>
+                      <a:prstDash val="solid"/>
+                      <a:round/>
+                      <a:headEnd type="none" w="med" len="med"/>
+                      <a:tailEnd type="none" w="med" len="med"/>
+                    </a:lnL>
+                    <a:lnR w="12700" cap="flat" cmpd="sng" algn="ctr">
+                      <a:solidFill>
+                        <a:schemeClr val="tx1"/>
+                      </a:solidFill>
+                      <a:prstDash val="solid"/>
+                      <a:round/>
+                      <a:headEnd type="none" w="med" len="med"/>
+                      <a:tailEnd type="none" w="med" len="med"/>
+                    </a:lnR>
+                    <a:lnT w="12700" cap="flat" cmpd="sng" algn="ctr">
+                      <a:solidFill>
+                        <a:schemeClr val="tx1"/>
+                      </a:solidFill>
+                      <a:prstDash val="solid"/>
+                      <a:round/>
+                      <a:headEnd type="none" w="med" len="med"/>
+                      <a:tailEnd type="none" w="med" len="med"/>
+                    </a:lnT>
+                    <a:lnB w="12700" cap="flat" cmpd="sng" algn="ctr">
+                      <a:solidFill>
+                        <a:schemeClr val="tx1"/>
+                      </a:solidFill>
+                      <a:prstDash val="solid"/>
+                      <a:round/>
+                      <a:headEnd type="none" w="med" len="med"/>
+                      <a:tailEnd type="none" w="med" len="med"/>
+                    </a:lnB>
+                    <a:noFill/>
                   </a:tcPr>
                 </a:tc>
                 <a:extLst>
                   <a:ext uri="{0D108BD9-81ED-4DB2-BD59-A6C34878D82A}">
-                    <a16:rowId xmlns:a16="http://schemas.microsoft.com/office/drawing/2014/main" val="686123110"/>
+                    <a16:rowId xmlns:a16="http://schemas.microsoft.com/office/drawing/2014/main" val="3177154765"/>
                   </a:ext>
                 </a:extLst>
               </a:tr>
-              <a:tr h="0">
-                <a:tc>
-                  <a:txBody>
-                    <a:bodyPr/>
-                    <a:lstStyle/>
-                    <a:p>
-                      <a:pPr algn="l">
-                        <a:buNone/>
-                      </a:pPr>
-                      <a:r>
-                        <a:rPr lang="en-IN" noProof="0" dirty="0">
-                          <a:latin typeface="Courier New" panose="02070309020205020404" pitchFamily="49" charset="0"/>
-                        </a:rPr>
-                        <a:t>uuid-1</a:t>
-                      </a:r>
-                      <a:endParaRPr lang="en-IN" noProof="0" dirty="0"/>
-                    </a:p>
-                  </a:txBody>
-                  <a:tcPr anchor="ctr">
+              <a:tr h="730159">
+                <a:tc>
+                  <a:txBody>
+                    <a:bodyPr/>
+                    <a:lstStyle/>
+                    <a:p>
+                      <a:pPr>
+                        <a:buNone/>
+                      </a:pPr>
+                      <a:r>
+                        <a:rPr lang="en-GB" sz="1300" b="1"/>
+                        <a:t>ChromaDB</a:t>
+                      </a:r>
+                      <a:endParaRPr lang="en-GB" sz="1300"/>
+                    </a:p>
+                  </a:txBody>
+                  <a:tcPr marL="66944" marR="66944" marT="33472" marB="33472" anchor="ctr">
                     <a:lnL w="12700" cap="flat" cmpd="sng" algn="ctr">
                       <a:solidFill>
                         <a:schemeClr val="tx1"/>
@@ -21550,12 +23135,7 @@
                       <a:headEnd type="none" w="med" len="med"/>
                       <a:tailEnd type="none" w="med" len="med"/>
                     </a:lnB>
-                    <a:solidFill>
-                      <a:schemeClr val="accent6">
-                        <a:lumMod val="20000"/>
-                        <a:lumOff val="80000"/>
-                      </a:schemeClr>
-                    </a:solidFill>
+                    <a:noFill/>
                   </a:tcPr>
                 </a:tc>
                 <a:tc>
@@ -21563,19 +23143,16 @@
                     <a:bodyPr/>
                     <a:lstStyle/>
                     <a:p>
-                      <a:pPr algn="l">
-                        <a:buNone/>
-                      </a:pPr>
-                      <a:r>
-                        <a:rPr lang="en-IN" noProof="0" dirty="0">
-                          <a:latin typeface="Courier New" panose="02070309020205020404" pitchFamily="49" charset="0"/>
-                        </a:rPr>
-                        <a:t>"Hi there"</a:t>
-                      </a:r>
-                      <a:endParaRPr lang="en-IN" noProof="0" dirty="0"/>
-                    </a:p>
-                  </a:txBody>
-                  <a:tcPr anchor="ctr">
+                      <a:pPr>
+                        <a:buNone/>
+                      </a:pPr>
+                      <a:r>
+                        <a:rPr lang="en-GB" sz="1300" dirty="0"/>
+                        <a:t>Local / Embedded</a:t>
+                      </a:r>
+                    </a:p>
+                  </a:txBody>
+                  <a:tcPr marL="66944" marR="66944" marT="33472" marB="33472" anchor="ctr">
                     <a:lnL w="12700" cap="flat" cmpd="sng" algn="ctr">
                       <a:solidFill>
                         <a:schemeClr val="tx1"/>
@@ -21612,12 +23189,7 @@
                       <a:headEnd type="none" w="med" len="med"/>
                       <a:tailEnd type="none" w="med" len="med"/>
                     </a:lnB>
-                    <a:solidFill>
-                      <a:schemeClr val="accent6">
-                        <a:lumMod val="20000"/>
-                        <a:lumOff val="80000"/>
-                      </a:schemeClr>
-                    </a:solidFill>
+                    <a:noFill/>
                   </a:tcPr>
                 </a:tc>
                 <a:tc>
@@ -21625,19 +23197,16 @@
                     <a:bodyPr/>
                     <a:lstStyle/>
                     <a:p>
-                      <a:pPr algn="l">
-                        <a:buNone/>
-                      </a:pPr>
-                      <a:r>
-                        <a:rPr lang="en-IN" noProof="0" dirty="0">
-                          <a:latin typeface="Courier New" panose="02070309020205020404" pitchFamily="49" charset="0"/>
-                        </a:rPr>
-                        <a:t>[0.12, -0.43, 0.87, ...]</a:t>
-                      </a:r>
-                      <a:endParaRPr lang="en-IN" noProof="0" dirty="0"/>
-                    </a:p>
-                  </a:txBody>
-                  <a:tcPr anchor="ctr">
+                      <a:pPr>
+                        <a:buNone/>
+                      </a:pPr>
+                      <a:r>
+                        <a:rPr lang="en-US" sz="1300"/>
+                        <a:t>Small–medium apps, notebooks, prototyping</a:t>
+                      </a:r>
+                    </a:p>
+                  </a:txBody>
+                  <a:tcPr marL="66944" marR="66944" marT="33472" marB="33472" anchor="ctr">
                     <a:lnL w="12700" cap="flat" cmpd="sng" algn="ctr">
                       <a:solidFill>
                         <a:schemeClr val="tx1"/>
@@ -21674,12 +23243,7 @@
                       <a:headEnd type="none" w="med" len="med"/>
                       <a:tailEnd type="none" w="med" len="med"/>
                     </a:lnB>
-                    <a:solidFill>
-                      <a:schemeClr val="accent6">
-                        <a:lumMod val="20000"/>
-                        <a:lumOff val="80000"/>
-                      </a:schemeClr>
-                    </a:solidFill>
+                    <a:noFill/>
                   </a:tcPr>
                 </a:tc>
                 <a:tc>
@@ -21687,19 +23251,16 @@
                     <a:bodyPr/>
                     <a:lstStyle/>
                     <a:p>
-                      <a:pPr algn="l">
-                        <a:buNone/>
-                      </a:pPr>
-                      <a:r>
-                        <a:rPr lang="en-IN" noProof="0" dirty="0">
-                          <a:latin typeface="Courier New" panose="02070309020205020404" pitchFamily="49" charset="0"/>
-                        </a:rPr>
-                        <a:t>{}</a:t>
-                      </a:r>
-                      <a:endParaRPr lang="en-IN" noProof="0" dirty="0"/>
-                    </a:p>
-                  </a:txBody>
-                  <a:tcPr anchor="ctr">
+                      <a:pPr>
+                        <a:buNone/>
+                      </a:pPr>
+                      <a:r>
+                        <a:rPr lang="en-US" sz="1300"/>
+                        <a:t>Easy to use, local persistence, Python-friendly</a:t>
+                      </a:r>
+                    </a:p>
+                  </a:txBody>
+                  <a:tcPr marL="66944" marR="66944" marT="33472" marB="33472" anchor="ctr">
                     <a:lnL w="12700" cap="flat" cmpd="sng" algn="ctr">
                       <a:solidFill>
                         <a:schemeClr val="tx1"/>
@@ -21736,39 +23297,86 @@
                       <a:headEnd type="none" w="med" len="med"/>
                       <a:tailEnd type="none" w="med" len="med"/>
                     </a:lnB>
-                    <a:solidFill>
-                      <a:schemeClr val="accent6">
-                        <a:lumMod val="20000"/>
-                        <a:lumOff val="80000"/>
-                      </a:schemeClr>
-                    </a:solidFill>
+                    <a:noFill/>
+                  </a:tcPr>
+                </a:tc>
+                <a:tc>
+                  <a:txBody>
+                    <a:bodyPr/>
+                    <a:lstStyle/>
+                    <a:p>
+                      <a:pPr>
+                        <a:buNone/>
+                      </a:pPr>
+                      <a:r>
+                        <a:rPr lang="en-US" sz="1300"/>
+                        <a:t>Not ideal for very large scale</a:t>
+                      </a:r>
+                    </a:p>
+                  </a:txBody>
+                  <a:tcPr marL="66944" marR="66944" marT="33472" marB="33472" anchor="ctr">
+                    <a:lnL w="12700" cap="flat" cmpd="sng" algn="ctr">
+                      <a:solidFill>
+                        <a:schemeClr val="tx1"/>
+                      </a:solidFill>
+                      <a:prstDash val="solid"/>
+                      <a:round/>
+                      <a:headEnd type="none" w="med" len="med"/>
+                      <a:tailEnd type="none" w="med" len="med"/>
+                    </a:lnL>
+                    <a:lnR w="12700" cap="flat" cmpd="sng" algn="ctr">
+                      <a:solidFill>
+                        <a:schemeClr val="tx1"/>
+                      </a:solidFill>
+                      <a:prstDash val="solid"/>
+                      <a:round/>
+                      <a:headEnd type="none" w="med" len="med"/>
+                      <a:tailEnd type="none" w="med" len="med"/>
+                    </a:lnR>
+                    <a:lnT w="12700" cap="flat" cmpd="sng" algn="ctr">
+                      <a:solidFill>
+                        <a:schemeClr val="tx1"/>
+                      </a:solidFill>
+                      <a:prstDash val="solid"/>
+                      <a:round/>
+                      <a:headEnd type="none" w="med" len="med"/>
+                      <a:tailEnd type="none" w="med" len="med"/>
+                    </a:lnT>
+                    <a:lnB w="12700" cap="flat" cmpd="sng" algn="ctr">
+                      <a:solidFill>
+                        <a:schemeClr val="tx1"/>
+                      </a:solidFill>
+                      <a:prstDash val="solid"/>
+                      <a:round/>
+                      <a:headEnd type="none" w="med" len="med"/>
+                      <a:tailEnd type="none" w="med" len="med"/>
+                    </a:lnB>
+                    <a:noFill/>
                   </a:tcPr>
                 </a:tc>
                 <a:extLst>
                   <a:ext uri="{0D108BD9-81ED-4DB2-BD59-A6C34878D82A}">
-                    <a16:rowId xmlns:a16="http://schemas.microsoft.com/office/drawing/2014/main" val="11730595"/>
+                    <a16:rowId xmlns:a16="http://schemas.microsoft.com/office/drawing/2014/main" val="1963076748"/>
                   </a:ext>
                 </a:extLst>
               </a:tr>
-              <a:tr h="0">
-                <a:tc>
-                  <a:txBody>
-                    <a:bodyPr/>
-                    <a:lstStyle/>
-                    <a:p>
-                      <a:pPr algn="l">
-                        <a:buNone/>
-                      </a:pPr>
-                      <a:r>
-                        <a:rPr lang="en-IN" noProof="0" dirty="0">
-                          <a:latin typeface="Courier New" panose="02070309020205020404" pitchFamily="49" charset="0"/>
-                        </a:rPr>
-                        <a:t>uuid-2</a:t>
-                      </a:r>
-                      <a:endParaRPr lang="en-IN" noProof="0" dirty="0"/>
-                    </a:p>
-                  </a:txBody>
-                  <a:tcPr anchor="ctr">
+              <a:tr h="511111">
+                <a:tc>
+                  <a:txBody>
+                    <a:bodyPr/>
+                    <a:lstStyle/>
+                    <a:p>
+                      <a:pPr>
+                        <a:buNone/>
+                      </a:pPr>
+                      <a:r>
+                        <a:rPr lang="en-GB" sz="1300" b="1"/>
+                        <a:t>FAISS</a:t>
+                      </a:r>
+                      <a:endParaRPr lang="en-GB" sz="1300"/>
+                    </a:p>
+                  </a:txBody>
+                  <a:tcPr marL="66944" marR="66944" marT="33472" marB="33472" anchor="ctr">
                     <a:lnL w="12700" cap="flat" cmpd="sng" algn="ctr">
                       <a:solidFill>
                         <a:schemeClr val="tx1"/>
@@ -21805,12 +23413,7 @@
                       <a:headEnd type="none" w="med" len="med"/>
                       <a:tailEnd type="none" w="med" len="med"/>
                     </a:lnB>
-                    <a:solidFill>
-                      <a:schemeClr val="accent6">
-                        <a:lumMod val="20000"/>
-                        <a:lumOff val="80000"/>
-                      </a:schemeClr>
-                    </a:solidFill>
+                    <a:noFill/>
                   </a:tcPr>
                 </a:tc>
                 <a:tc>
@@ -21818,19 +23421,16 @@
                     <a:bodyPr/>
                     <a:lstStyle/>
                     <a:p>
-                      <a:pPr algn="l">
-                        <a:buNone/>
-                      </a:pPr>
-                      <a:r>
-                        <a:rPr lang="en-IN" noProof="0" dirty="0">
-                          <a:latin typeface="Courier New" panose="02070309020205020404" pitchFamily="49" charset="0"/>
-                        </a:rPr>
-                        <a:t>"Bye, see you later"</a:t>
-                      </a:r>
-                      <a:endParaRPr lang="en-IN" noProof="0" dirty="0"/>
-                    </a:p>
-                  </a:txBody>
-                  <a:tcPr anchor="ctr">
+                      <a:pPr>
+                        <a:buNone/>
+                      </a:pPr>
+                      <a:r>
+                        <a:rPr lang="en-GB" sz="1300"/>
+                        <a:t>Library (not a DB)</a:t>
+                      </a:r>
+                    </a:p>
+                  </a:txBody>
+                  <a:tcPr marL="66944" marR="66944" marT="33472" marB="33472" anchor="ctr">
                     <a:lnL w="12700" cap="flat" cmpd="sng" algn="ctr">
                       <a:solidFill>
                         <a:schemeClr val="tx1"/>
@@ -21867,12 +23467,7 @@
                       <a:headEnd type="none" w="med" len="med"/>
                       <a:tailEnd type="none" w="med" len="med"/>
                     </a:lnB>
-                    <a:solidFill>
-                      <a:schemeClr val="accent6">
-                        <a:lumMod val="20000"/>
-                        <a:lumOff val="80000"/>
-                      </a:schemeClr>
-                    </a:solidFill>
+                    <a:noFill/>
                   </a:tcPr>
                 </a:tc>
                 <a:tc>
@@ -21880,19 +23475,16 @@
                     <a:bodyPr/>
                     <a:lstStyle/>
                     <a:p>
-                      <a:pPr algn="l">
-                        <a:buNone/>
-                      </a:pPr>
-                      <a:r>
-                        <a:rPr lang="en-IN" noProof="0" dirty="0">
-                          <a:latin typeface="Courier New" panose="02070309020205020404" pitchFamily="49" charset="0"/>
-                        </a:rPr>
-                        <a:t>[-0.05, 0.22, 0.79, ...]</a:t>
-                      </a:r>
-                      <a:endParaRPr lang="en-IN" noProof="0" dirty="0"/>
-                    </a:p>
-                  </a:txBody>
-                  <a:tcPr anchor="ctr">
+                      <a:pPr>
+                        <a:buNone/>
+                      </a:pPr>
+                      <a:r>
+                        <a:rPr lang="en-US" sz="1300"/>
+                        <a:t>Fast similarity search inside apps</a:t>
+                      </a:r>
+                    </a:p>
+                  </a:txBody>
+                  <a:tcPr marL="66944" marR="66944" marT="33472" marB="33472" anchor="ctr">
                     <a:lnL w="12700" cap="flat" cmpd="sng" algn="ctr">
                       <a:solidFill>
                         <a:schemeClr val="tx1"/>
@@ -21929,12 +23521,7 @@
                       <a:headEnd type="none" w="med" len="med"/>
                       <a:tailEnd type="none" w="med" len="med"/>
                     </a:lnB>
-                    <a:solidFill>
-                      <a:schemeClr val="accent6">
-                        <a:lumMod val="20000"/>
-                        <a:lumOff val="80000"/>
-                      </a:schemeClr>
-                    </a:solidFill>
+                    <a:noFill/>
                   </a:tcPr>
                 </a:tc>
                 <a:tc>
@@ -21942,19 +23529,16 @@
                     <a:bodyPr/>
                     <a:lstStyle/>
                     <a:p>
-                      <a:pPr algn="l">
-                        <a:buNone/>
-                      </a:pPr>
-                      <a:r>
-                        <a:rPr lang="en-IN" noProof="0" dirty="0">
-                          <a:latin typeface="Courier New" panose="02070309020205020404" pitchFamily="49" charset="0"/>
-                        </a:rPr>
-                        <a:t>{}</a:t>
-                      </a:r>
-                      <a:endParaRPr lang="en-IN" noProof="0" dirty="0"/>
-                    </a:p>
-                  </a:txBody>
-                  <a:tcPr anchor="ctr">
+                      <a:pPr>
+                        <a:buNone/>
+                      </a:pPr>
+                      <a:r>
+                        <a:rPr lang="en-US" sz="1300"/>
+                        <a:t>Very fast, offline, highly optimized</a:t>
+                      </a:r>
+                    </a:p>
+                  </a:txBody>
+                  <a:tcPr marL="66944" marR="66944" marT="33472" marB="33472" anchor="ctr">
                     <a:lnL w="12700" cap="flat" cmpd="sng" algn="ctr">
                       <a:solidFill>
                         <a:schemeClr val="tx1"/>
@@ -21991,39 +23575,86 @@
                       <a:headEnd type="none" w="med" len="med"/>
                       <a:tailEnd type="none" w="med" len="med"/>
                     </a:lnB>
-                    <a:solidFill>
-                      <a:schemeClr val="accent6">
-                        <a:lumMod val="20000"/>
-                        <a:lumOff val="80000"/>
-                      </a:schemeClr>
-                    </a:solidFill>
+                    <a:noFill/>
+                  </a:tcPr>
+                </a:tc>
+                <a:tc>
+                  <a:txBody>
+                    <a:bodyPr/>
+                    <a:lstStyle/>
+                    <a:p>
+                      <a:pPr>
+                        <a:buNone/>
+                      </a:pPr>
+                      <a:r>
+                        <a:rPr lang="pt-BR" sz="1300"/>
+                        <a:t>No metadata store, no server mode</a:t>
+                      </a:r>
+                    </a:p>
+                  </a:txBody>
+                  <a:tcPr marL="66944" marR="66944" marT="33472" marB="33472" anchor="ctr">
+                    <a:lnL w="12700" cap="flat" cmpd="sng" algn="ctr">
+                      <a:solidFill>
+                        <a:schemeClr val="tx1"/>
+                      </a:solidFill>
+                      <a:prstDash val="solid"/>
+                      <a:round/>
+                      <a:headEnd type="none" w="med" len="med"/>
+                      <a:tailEnd type="none" w="med" len="med"/>
+                    </a:lnL>
+                    <a:lnR w="12700" cap="flat" cmpd="sng" algn="ctr">
+                      <a:solidFill>
+                        <a:schemeClr val="tx1"/>
+                      </a:solidFill>
+                      <a:prstDash val="solid"/>
+                      <a:round/>
+                      <a:headEnd type="none" w="med" len="med"/>
+                      <a:tailEnd type="none" w="med" len="med"/>
+                    </a:lnR>
+                    <a:lnT w="12700" cap="flat" cmpd="sng" algn="ctr">
+                      <a:solidFill>
+                        <a:schemeClr val="tx1"/>
+                      </a:solidFill>
+                      <a:prstDash val="solid"/>
+                      <a:round/>
+                      <a:headEnd type="none" w="med" len="med"/>
+                      <a:tailEnd type="none" w="med" len="med"/>
+                    </a:lnT>
+                    <a:lnB w="12700" cap="flat" cmpd="sng" algn="ctr">
+                      <a:solidFill>
+                        <a:schemeClr val="tx1"/>
+                      </a:solidFill>
+                      <a:prstDash val="solid"/>
+                      <a:round/>
+                      <a:headEnd type="none" w="med" len="med"/>
+                      <a:tailEnd type="none" w="med" len="med"/>
+                    </a:lnB>
+                    <a:noFill/>
                   </a:tcPr>
                 </a:tc>
                 <a:extLst>
                   <a:ext uri="{0D108BD9-81ED-4DB2-BD59-A6C34878D82A}">
-                    <a16:rowId xmlns:a16="http://schemas.microsoft.com/office/drawing/2014/main" val="958304217"/>
+                    <a16:rowId xmlns:a16="http://schemas.microsoft.com/office/drawing/2014/main" val="650261837"/>
                   </a:ext>
                 </a:extLst>
               </a:tr>
-              <a:tr h="0">
-                <a:tc>
-                  <a:txBody>
-                    <a:bodyPr/>
-                    <a:lstStyle/>
-                    <a:p>
-                      <a:pPr algn="l">
-                        <a:buNone/>
-                      </a:pPr>
-                      <a:r>
-                        <a:rPr lang="en-IN" noProof="0" dirty="0">
-                          <a:latin typeface="Courier New" panose="02070309020205020404" pitchFamily="49" charset="0"/>
-                        </a:rPr>
-                        <a:t>uuid-3</a:t>
-                      </a:r>
-                      <a:endParaRPr lang="en-IN" noProof="0" dirty="0"/>
-                    </a:p>
-                  </a:txBody>
-                  <a:tcPr anchor="ctr">
+              <a:tr h="730159">
+                <a:tc>
+                  <a:txBody>
+                    <a:bodyPr/>
+                    <a:lstStyle/>
+                    <a:p>
+                      <a:pPr>
+                        <a:buNone/>
+                      </a:pPr>
+                      <a:r>
+                        <a:rPr lang="en-GB" sz="1300" b="1"/>
+                        <a:t>Pinecone</a:t>
+                      </a:r>
+                      <a:endParaRPr lang="en-GB" sz="1300"/>
+                    </a:p>
+                  </a:txBody>
+                  <a:tcPr marL="66944" marR="66944" marT="33472" marB="33472" anchor="ctr">
                     <a:lnL w="12700" cap="flat" cmpd="sng" algn="ctr">
                       <a:solidFill>
                         <a:schemeClr val="tx1"/>
@@ -22060,12 +23691,7 @@
                       <a:headEnd type="none" w="med" len="med"/>
                       <a:tailEnd type="none" w="med" len="med"/>
                     </a:lnB>
-                    <a:solidFill>
-                      <a:schemeClr val="accent6">
-                        <a:lumMod val="20000"/>
-                        <a:lumOff val="80000"/>
-                      </a:schemeClr>
-                    </a:solidFill>
+                    <a:noFill/>
                   </a:tcPr>
                 </a:tc>
                 <a:tc>
@@ -22073,19 +23699,16 @@
                     <a:bodyPr/>
                     <a:lstStyle/>
                     <a:p>
-                      <a:pPr algn="l">
-                        <a:buNone/>
-                      </a:pPr>
-                      <a:r>
-                        <a:rPr lang="en-IN" noProof="0" dirty="0">
-                          <a:latin typeface="Courier New" panose="02070309020205020404" pitchFamily="49" charset="0"/>
-                        </a:rPr>
-                        <a:t>"Greetings!"</a:t>
-                      </a:r>
-                      <a:endParaRPr lang="en-IN" noProof="0" dirty="0"/>
-                    </a:p>
-                  </a:txBody>
-                  <a:tcPr anchor="ctr">
+                      <a:pPr>
+                        <a:buNone/>
+                      </a:pPr>
+                      <a:r>
+                        <a:rPr lang="en-GB" sz="1300"/>
+                        <a:t>Fully-Managed Cloud</a:t>
+                      </a:r>
+                    </a:p>
+                  </a:txBody>
+                  <a:tcPr marL="66944" marR="66944" marT="33472" marB="33472" anchor="ctr">
                     <a:lnL w="12700" cap="flat" cmpd="sng" algn="ctr">
                       <a:solidFill>
                         <a:schemeClr val="tx1"/>
@@ -22122,12 +23745,7 @@
                       <a:headEnd type="none" w="med" len="med"/>
                       <a:tailEnd type="none" w="med" len="med"/>
                     </a:lnB>
-                    <a:solidFill>
-                      <a:schemeClr val="accent6">
-                        <a:lumMod val="20000"/>
-                        <a:lumOff val="80000"/>
-                      </a:schemeClr>
-                    </a:solidFill>
+                    <a:noFill/>
                   </a:tcPr>
                 </a:tc>
                 <a:tc>
@@ -22135,19 +23753,16 @@
                     <a:bodyPr/>
                     <a:lstStyle/>
                     <a:p>
-                      <a:pPr algn="l">
-                        <a:buNone/>
-                      </a:pPr>
-                      <a:r>
-                        <a:rPr lang="en-IN" noProof="0" dirty="0">
-                          <a:latin typeface="Courier New" panose="02070309020205020404" pitchFamily="49" charset="0"/>
-                        </a:rPr>
-                        <a:t>[0.11, -0.39, 0.92, ...]</a:t>
-                      </a:r>
-                      <a:endParaRPr lang="en-IN" noProof="0" dirty="0"/>
-                    </a:p>
-                  </a:txBody>
-                  <a:tcPr anchor="ctr">
+                      <a:pPr>
+                        <a:buNone/>
+                      </a:pPr>
+                      <a:r>
+                        <a:rPr lang="en-GB" sz="1300"/>
+                        <a:t>Production-grade large-scale search</a:t>
+                      </a:r>
+                    </a:p>
+                  </a:txBody>
+                  <a:tcPr marL="66944" marR="66944" marT="33472" marB="33472" anchor="ctr">
                     <a:lnL w="12700" cap="flat" cmpd="sng" algn="ctr">
                       <a:solidFill>
                         <a:schemeClr val="tx1"/>
@@ -22184,12 +23799,7 @@
                       <a:headEnd type="none" w="med" len="med"/>
                       <a:tailEnd type="none" w="med" len="med"/>
                     </a:lnB>
-                    <a:solidFill>
-                      <a:schemeClr val="accent6">
-                        <a:lumMod val="20000"/>
-                        <a:lumOff val="80000"/>
-                      </a:schemeClr>
-                    </a:solidFill>
+                    <a:noFill/>
                   </a:tcPr>
                 </a:tc>
                 <a:tc>
@@ -22197,19 +23807,16 @@
                     <a:bodyPr/>
                     <a:lstStyle/>
                     <a:p>
-                      <a:pPr algn="l">
-                        <a:buNone/>
-                      </a:pPr>
-                      <a:r>
-                        <a:rPr lang="en-IN" noProof="0" dirty="0">
-                          <a:latin typeface="Courier New" panose="02070309020205020404" pitchFamily="49" charset="0"/>
-                        </a:rPr>
-                        <a:t>{}</a:t>
-                      </a:r>
-                      <a:endParaRPr lang="en-IN" noProof="0" dirty="0"/>
-                    </a:p>
-                  </a:txBody>
-                  <a:tcPr anchor="ctr">
+                      <a:pPr>
+                        <a:buNone/>
+                      </a:pPr>
+                      <a:r>
+                        <a:rPr lang="en-US" sz="1300"/>
+                        <a:t>Scalable, high availability, no infra needed</a:t>
+                      </a:r>
+                    </a:p>
+                  </a:txBody>
+                  <a:tcPr marL="66944" marR="66944" marT="33472" marB="33472" anchor="ctr">
                     <a:lnL w="12700" cap="flat" cmpd="sng" algn="ctr">
                       <a:solidFill>
                         <a:schemeClr val="tx1"/>
@@ -22246,39 +23853,86 @@
                       <a:headEnd type="none" w="med" len="med"/>
                       <a:tailEnd type="none" w="med" len="med"/>
                     </a:lnB>
-                    <a:solidFill>
-                      <a:schemeClr val="accent6">
-                        <a:lumMod val="20000"/>
-                        <a:lumOff val="80000"/>
-                      </a:schemeClr>
-                    </a:solidFill>
+                    <a:noFill/>
+                  </a:tcPr>
+                </a:tc>
+                <a:tc>
+                  <a:txBody>
+                    <a:bodyPr/>
+                    <a:lstStyle/>
+                    <a:p>
+                      <a:pPr>
+                        <a:buNone/>
+                      </a:pPr>
+                      <a:r>
+                        <a:rPr lang="en-GB" sz="1300"/>
+                        <a:t>Paid, cloud-only</a:t>
+                      </a:r>
+                    </a:p>
+                  </a:txBody>
+                  <a:tcPr marL="66944" marR="66944" marT="33472" marB="33472" anchor="ctr">
+                    <a:lnL w="12700" cap="flat" cmpd="sng" algn="ctr">
+                      <a:solidFill>
+                        <a:schemeClr val="tx1"/>
+                      </a:solidFill>
+                      <a:prstDash val="solid"/>
+                      <a:round/>
+                      <a:headEnd type="none" w="med" len="med"/>
+                      <a:tailEnd type="none" w="med" len="med"/>
+                    </a:lnL>
+                    <a:lnR w="12700" cap="flat" cmpd="sng" algn="ctr">
+                      <a:solidFill>
+                        <a:schemeClr val="tx1"/>
+                      </a:solidFill>
+                      <a:prstDash val="solid"/>
+                      <a:round/>
+                      <a:headEnd type="none" w="med" len="med"/>
+                      <a:tailEnd type="none" w="med" len="med"/>
+                    </a:lnR>
+                    <a:lnT w="12700" cap="flat" cmpd="sng" algn="ctr">
+                      <a:solidFill>
+                        <a:schemeClr val="tx1"/>
+                      </a:solidFill>
+                      <a:prstDash val="solid"/>
+                      <a:round/>
+                      <a:headEnd type="none" w="med" len="med"/>
+                      <a:tailEnd type="none" w="med" len="med"/>
+                    </a:lnT>
+                    <a:lnB w="12700" cap="flat" cmpd="sng" algn="ctr">
+                      <a:solidFill>
+                        <a:schemeClr val="tx1"/>
+                      </a:solidFill>
+                      <a:prstDash val="solid"/>
+                      <a:round/>
+                      <a:headEnd type="none" w="med" len="med"/>
+                      <a:tailEnd type="none" w="med" len="med"/>
+                    </a:lnB>
+                    <a:noFill/>
                   </a:tcPr>
                 </a:tc>
                 <a:extLst>
                   <a:ext uri="{0D108BD9-81ED-4DB2-BD59-A6C34878D82A}">
-                    <a16:rowId xmlns:a16="http://schemas.microsoft.com/office/drawing/2014/main" val="1929737405"/>
+                    <a16:rowId xmlns:a16="http://schemas.microsoft.com/office/drawing/2014/main" val="517046315"/>
                   </a:ext>
                 </a:extLst>
               </a:tr>
-              <a:tr h="0">
-                <a:tc>
-                  <a:txBody>
-                    <a:bodyPr/>
-                    <a:lstStyle/>
-                    <a:p>
-                      <a:pPr algn="l">
-                        <a:buNone/>
-                      </a:pPr>
-                      <a:r>
-                        <a:rPr lang="en-IN" noProof="0" dirty="0">
-                          <a:latin typeface="Courier New" panose="02070309020205020404" pitchFamily="49" charset="0"/>
-                        </a:rPr>
-                        <a:t>uuid-4</a:t>
-                      </a:r>
-                      <a:endParaRPr lang="en-IN" noProof="0" dirty="0"/>
-                    </a:p>
-                  </a:txBody>
-                  <a:tcPr anchor="ctr">
+              <a:tr h="730159">
+                <a:tc>
+                  <a:txBody>
+                    <a:bodyPr/>
+                    <a:lstStyle/>
+                    <a:p>
+                      <a:pPr>
+                        <a:buNone/>
+                      </a:pPr>
+                      <a:r>
+                        <a:rPr lang="en-GB" sz="1300" b="1"/>
+                        <a:t>Weaviate</a:t>
+                      </a:r>
+                      <a:endParaRPr lang="en-GB" sz="1300"/>
+                    </a:p>
+                  </a:txBody>
+                  <a:tcPr marL="66944" marR="66944" marT="33472" marB="33472" anchor="ctr">
                     <a:lnL w="12700" cap="flat" cmpd="sng" algn="ctr">
                       <a:solidFill>
                         <a:schemeClr val="tx1"/>
@@ -22315,12 +23969,7 @@
                       <a:headEnd type="none" w="med" len="med"/>
                       <a:tailEnd type="none" w="med" len="med"/>
                     </a:lnB>
-                    <a:solidFill>
-                      <a:schemeClr val="accent6">
-                        <a:lumMod val="20000"/>
-                        <a:lumOff val="80000"/>
-                      </a:schemeClr>
-                    </a:solidFill>
+                    <a:noFill/>
                   </a:tcPr>
                 </a:tc>
                 <a:tc>
@@ -22328,19 +23977,16 @@
                     <a:bodyPr/>
                     <a:lstStyle/>
                     <a:p>
-                      <a:pPr algn="l">
-                        <a:buNone/>
-                      </a:pPr>
-                      <a:r>
-                        <a:rPr lang="en-IN" noProof="0" dirty="0">
-                          <a:latin typeface="Courier New" panose="02070309020205020404" pitchFamily="49" charset="0"/>
-                        </a:rPr>
-                        <a:t>"Do not come"</a:t>
-                      </a:r>
-                      <a:endParaRPr lang="en-IN" noProof="0" dirty="0"/>
-                    </a:p>
-                  </a:txBody>
-                  <a:tcPr anchor="ctr">
+                      <a:pPr>
+                        <a:buNone/>
+                      </a:pPr>
+                      <a:r>
+                        <a:rPr lang="en-GB" sz="1300"/>
+                        <a:t>Open-source + Cloud</a:t>
+                      </a:r>
+                    </a:p>
+                  </a:txBody>
+                  <a:tcPr marL="66944" marR="66944" marT="33472" marB="33472" anchor="ctr">
                     <a:lnL w="12700" cap="flat" cmpd="sng" algn="ctr">
                       <a:solidFill>
                         <a:schemeClr val="tx1"/>
@@ -22377,12 +24023,7 @@
                       <a:headEnd type="none" w="med" len="med"/>
                       <a:tailEnd type="none" w="med" len="med"/>
                     </a:lnB>
-                    <a:solidFill>
-                      <a:schemeClr val="accent6">
-                        <a:lumMod val="20000"/>
-                        <a:lumOff val="80000"/>
-                      </a:schemeClr>
-                    </a:solidFill>
+                    <a:noFill/>
                   </a:tcPr>
                 </a:tc>
                 <a:tc>
@@ -22390,19 +24031,16 @@
                     <a:bodyPr/>
                     <a:lstStyle/>
                     <a:p>
-                      <a:pPr algn="l">
-                        <a:buNone/>
-                      </a:pPr>
-                      <a:r>
-                        <a:rPr lang="en-IN" noProof="0" dirty="0">
-                          <a:latin typeface="Courier New" panose="02070309020205020404" pitchFamily="49" charset="0"/>
-                        </a:rPr>
-                        <a:t>[-0.45, 0.67, -0.21, ...]</a:t>
-                      </a:r>
-                      <a:endParaRPr lang="en-IN" noProof="0" dirty="0"/>
-                    </a:p>
-                  </a:txBody>
-                  <a:tcPr anchor="ctr">
+                      <a:pPr>
+                        <a:buNone/>
+                      </a:pPr>
+                      <a:r>
+                        <a:rPr lang="en-GB" sz="1300"/>
+                        <a:t>Semantic search with metadata</a:t>
+                      </a:r>
+                    </a:p>
+                  </a:txBody>
+                  <a:tcPr marL="66944" marR="66944" marT="33472" marB="33472" anchor="ctr">
                     <a:lnL w="12700" cap="flat" cmpd="sng" algn="ctr">
                       <a:solidFill>
                         <a:schemeClr val="tx1"/>
@@ -22439,12 +24077,7 @@
                       <a:headEnd type="none" w="med" len="med"/>
                       <a:tailEnd type="none" w="med" len="med"/>
                     </a:lnB>
-                    <a:solidFill>
-                      <a:schemeClr val="accent6">
-                        <a:lumMod val="20000"/>
-                        <a:lumOff val="80000"/>
-                      </a:schemeClr>
-                    </a:solidFill>
+                    <a:noFill/>
                   </a:tcPr>
                 </a:tc>
                 <a:tc>
@@ -22452,19 +24085,16 @@
                     <a:bodyPr/>
                     <a:lstStyle/>
                     <a:p>
-                      <a:pPr algn="l">
-                        <a:buNone/>
-                      </a:pPr>
-                      <a:r>
-                        <a:rPr lang="en-IN" noProof="0" dirty="0">
-                          <a:latin typeface="Courier New" panose="02070309020205020404" pitchFamily="49" charset="0"/>
-                        </a:rPr>
-                        <a:t>{}</a:t>
-                      </a:r>
-                      <a:endParaRPr lang="en-IN" noProof="0" dirty="0"/>
-                    </a:p>
-                  </a:txBody>
-                  <a:tcPr anchor="ctr">
+                      <a:pPr>
+                        <a:buNone/>
+                      </a:pPr>
+                      <a:r>
+                        <a:rPr lang="en-GB" sz="1300"/>
+                        <a:t>Hybrid search, schema, GraphQL API</a:t>
+                      </a:r>
+                    </a:p>
+                  </a:txBody>
+                  <a:tcPr marL="66944" marR="66944" marT="33472" marB="33472" anchor="ctr">
                     <a:lnL w="12700" cap="flat" cmpd="sng" algn="ctr">
                       <a:solidFill>
                         <a:schemeClr val="tx1"/>
@@ -22501,17 +24131,900 @@
                       <a:headEnd type="none" w="med" len="med"/>
                       <a:tailEnd type="none" w="med" len="med"/>
                     </a:lnB>
-                    <a:solidFill>
-                      <a:schemeClr val="accent6">
-                        <a:lumMod val="20000"/>
-                        <a:lumOff val="80000"/>
-                      </a:schemeClr>
-                    </a:solidFill>
+                    <a:noFill/>
+                  </a:tcPr>
+                </a:tc>
+                <a:tc>
+                  <a:txBody>
+                    <a:bodyPr/>
+                    <a:lstStyle/>
+                    <a:p>
+                      <a:pPr>
+                        <a:buNone/>
+                      </a:pPr>
+                      <a:r>
+                        <a:rPr lang="en-GB" sz="1300"/>
+                        <a:t>More complex setup</a:t>
+                      </a:r>
+                    </a:p>
+                  </a:txBody>
+                  <a:tcPr marL="66944" marR="66944" marT="33472" marB="33472" anchor="ctr">
+                    <a:lnL w="12700" cap="flat" cmpd="sng" algn="ctr">
+                      <a:solidFill>
+                        <a:schemeClr val="tx1"/>
+                      </a:solidFill>
+                      <a:prstDash val="solid"/>
+                      <a:round/>
+                      <a:headEnd type="none" w="med" len="med"/>
+                      <a:tailEnd type="none" w="med" len="med"/>
+                    </a:lnL>
+                    <a:lnR w="12700" cap="flat" cmpd="sng" algn="ctr">
+                      <a:solidFill>
+                        <a:schemeClr val="tx1"/>
+                      </a:solidFill>
+                      <a:prstDash val="solid"/>
+                      <a:round/>
+                      <a:headEnd type="none" w="med" len="med"/>
+                      <a:tailEnd type="none" w="med" len="med"/>
+                    </a:lnR>
+                    <a:lnT w="12700" cap="flat" cmpd="sng" algn="ctr">
+                      <a:solidFill>
+                        <a:schemeClr val="tx1"/>
+                      </a:solidFill>
+                      <a:prstDash val="solid"/>
+                      <a:round/>
+                      <a:headEnd type="none" w="med" len="med"/>
+                      <a:tailEnd type="none" w="med" len="med"/>
+                    </a:lnT>
+                    <a:lnB w="12700" cap="flat" cmpd="sng" algn="ctr">
+                      <a:solidFill>
+                        <a:schemeClr val="tx1"/>
+                      </a:solidFill>
+                      <a:prstDash val="solid"/>
+                      <a:round/>
+                      <a:headEnd type="none" w="med" len="med"/>
+                      <a:tailEnd type="none" w="med" len="med"/>
+                    </a:lnB>
+                    <a:noFill/>
                   </a:tcPr>
                 </a:tc>
                 <a:extLst>
                   <a:ext uri="{0D108BD9-81ED-4DB2-BD59-A6C34878D82A}">
-                    <a16:rowId xmlns:a16="http://schemas.microsoft.com/office/drawing/2014/main" val="2848430649"/>
+                    <a16:rowId xmlns:a16="http://schemas.microsoft.com/office/drawing/2014/main" val="3824453382"/>
+                  </a:ext>
+                </a:extLst>
+              </a:tr>
+              <a:tr h="730159">
+                <a:tc>
+                  <a:txBody>
+                    <a:bodyPr/>
+                    <a:lstStyle/>
+                    <a:p>
+                      <a:pPr>
+                        <a:buNone/>
+                      </a:pPr>
+                      <a:r>
+                        <a:rPr lang="en-GB" sz="1300" b="1"/>
+                        <a:t>Milvus</a:t>
+                      </a:r>
+                      <a:endParaRPr lang="en-GB" sz="1300"/>
+                    </a:p>
+                  </a:txBody>
+                  <a:tcPr marL="66944" marR="66944" marT="33472" marB="33472" anchor="ctr">
+                    <a:lnL w="12700" cap="flat" cmpd="sng" algn="ctr">
+                      <a:solidFill>
+                        <a:schemeClr val="tx1"/>
+                      </a:solidFill>
+                      <a:prstDash val="solid"/>
+                      <a:round/>
+                      <a:headEnd type="none" w="med" len="med"/>
+                      <a:tailEnd type="none" w="med" len="med"/>
+                    </a:lnL>
+                    <a:lnR w="12700" cap="flat" cmpd="sng" algn="ctr">
+                      <a:solidFill>
+                        <a:schemeClr val="tx1"/>
+                      </a:solidFill>
+                      <a:prstDash val="solid"/>
+                      <a:round/>
+                      <a:headEnd type="none" w="med" len="med"/>
+                      <a:tailEnd type="none" w="med" len="med"/>
+                    </a:lnR>
+                    <a:lnT w="12700" cap="flat" cmpd="sng" algn="ctr">
+                      <a:solidFill>
+                        <a:schemeClr val="tx1"/>
+                      </a:solidFill>
+                      <a:prstDash val="solid"/>
+                      <a:round/>
+                      <a:headEnd type="none" w="med" len="med"/>
+                      <a:tailEnd type="none" w="med" len="med"/>
+                    </a:lnT>
+                    <a:lnB w="12700" cap="flat" cmpd="sng" algn="ctr">
+                      <a:solidFill>
+                        <a:schemeClr val="tx1"/>
+                      </a:solidFill>
+                      <a:prstDash val="solid"/>
+                      <a:round/>
+                      <a:headEnd type="none" w="med" len="med"/>
+                      <a:tailEnd type="none" w="med" len="med"/>
+                    </a:lnB>
+                    <a:noFill/>
+                  </a:tcPr>
+                </a:tc>
+                <a:tc>
+                  <a:txBody>
+                    <a:bodyPr/>
+                    <a:lstStyle/>
+                    <a:p>
+                      <a:pPr>
+                        <a:buNone/>
+                      </a:pPr>
+                      <a:r>
+                        <a:rPr lang="en-GB" sz="1300"/>
+                        <a:t>Open-source + Cloud</a:t>
+                      </a:r>
+                    </a:p>
+                  </a:txBody>
+                  <a:tcPr marL="66944" marR="66944" marT="33472" marB="33472" anchor="ctr">
+                    <a:lnL w="12700" cap="flat" cmpd="sng" algn="ctr">
+                      <a:solidFill>
+                        <a:schemeClr val="tx1"/>
+                      </a:solidFill>
+                      <a:prstDash val="solid"/>
+                      <a:round/>
+                      <a:headEnd type="none" w="med" len="med"/>
+                      <a:tailEnd type="none" w="med" len="med"/>
+                    </a:lnL>
+                    <a:lnR w="12700" cap="flat" cmpd="sng" algn="ctr">
+                      <a:solidFill>
+                        <a:schemeClr val="tx1"/>
+                      </a:solidFill>
+                      <a:prstDash val="solid"/>
+                      <a:round/>
+                      <a:headEnd type="none" w="med" len="med"/>
+                      <a:tailEnd type="none" w="med" len="med"/>
+                    </a:lnR>
+                    <a:lnT w="12700" cap="flat" cmpd="sng" algn="ctr">
+                      <a:solidFill>
+                        <a:schemeClr val="tx1"/>
+                      </a:solidFill>
+                      <a:prstDash val="solid"/>
+                      <a:round/>
+                      <a:headEnd type="none" w="med" len="med"/>
+                      <a:tailEnd type="none" w="med" len="med"/>
+                    </a:lnT>
+                    <a:lnB w="12700" cap="flat" cmpd="sng" algn="ctr">
+                      <a:solidFill>
+                        <a:schemeClr val="tx1"/>
+                      </a:solidFill>
+                      <a:prstDash val="solid"/>
+                      <a:round/>
+                      <a:headEnd type="none" w="med" len="med"/>
+                      <a:tailEnd type="none" w="med" len="med"/>
+                    </a:lnB>
+                    <a:noFill/>
+                  </a:tcPr>
+                </a:tc>
+                <a:tc>
+                  <a:txBody>
+                    <a:bodyPr/>
+                    <a:lstStyle/>
+                    <a:p>
+                      <a:pPr>
+                        <a:buNone/>
+                      </a:pPr>
+                      <a:r>
+                        <a:rPr lang="en-US" sz="1300"/>
+                        <a:t>Heavy workloads, millions of vectors</a:t>
+                      </a:r>
+                    </a:p>
+                  </a:txBody>
+                  <a:tcPr marL="66944" marR="66944" marT="33472" marB="33472" anchor="ctr">
+                    <a:lnL w="12700" cap="flat" cmpd="sng" algn="ctr">
+                      <a:solidFill>
+                        <a:schemeClr val="tx1"/>
+                      </a:solidFill>
+                      <a:prstDash val="solid"/>
+                      <a:round/>
+                      <a:headEnd type="none" w="med" len="med"/>
+                      <a:tailEnd type="none" w="med" len="med"/>
+                    </a:lnL>
+                    <a:lnR w="12700" cap="flat" cmpd="sng" algn="ctr">
+                      <a:solidFill>
+                        <a:schemeClr val="tx1"/>
+                      </a:solidFill>
+                      <a:prstDash val="solid"/>
+                      <a:round/>
+                      <a:headEnd type="none" w="med" len="med"/>
+                      <a:tailEnd type="none" w="med" len="med"/>
+                    </a:lnR>
+                    <a:lnT w="12700" cap="flat" cmpd="sng" algn="ctr">
+                      <a:solidFill>
+                        <a:schemeClr val="tx1"/>
+                      </a:solidFill>
+                      <a:prstDash val="solid"/>
+                      <a:round/>
+                      <a:headEnd type="none" w="med" len="med"/>
+                      <a:tailEnd type="none" w="med" len="med"/>
+                    </a:lnT>
+                    <a:lnB w="12700" cap="flat" cmpd="sng" algn="ctr">
+                      <a:solidFill>
+                        <a:schemeClr val="tx1"/>
+                      </a:solidFill>
+                      <a:prstDash val="solid"/>
+                      <a:round/>
+                      <a:headEnd type="none" w="med" len="med"/>
+                      <a:tailEnd type="none" w="med" len="med"/>
+                    </a:lnB>
+                    <a:noFill/>
+                  </a:tcPr>
+                </a:tc>
+                <a:tc>
+                  <a:txBody>
+                    <a:bodyPr/>
+                    <a:lstStyle/>
+                    <a:p>
+                      <a:pPr>
+                        <a:buNone/>
+                      </a:pPr>
+                      <a:r>
+                        <a:rPr lang="en-US" sz="1300"/>
+                        <a:t>Highly scalable, rich index options</a:t>
+                      </a:r>
+                    </a:p>
+                  </a:txBody>
+                  <a:tcPr marL="66944" marR="66944" marT="33472" marB="33472" anchor="ctr">
+                    <a:lnL w="12700" cap="flat" cmpd="sng" algn="ctr">
+                      <a:solidFill>
+                        <a:schemeClr val="tx1"/>
+                      </a:solidFill>
+                      <a:prstDash val="solid"/>
+                      <a:round/>
+                      <a:headEnd type="none" w="med" len="med"/>
+                      <a:tailEnd type="none" w="med" len="med"/>
+                    </a:lnL>
+                    <a:lnR w="12700" cap="flat" cmpd="sng" algn="ctr">
+                      <a:solidFill>
+                        <a:schemeClr val="tx1"/>
+                      </a:solidFill>
+                      <a:prstDash val="solid"/>
+                      <a:round/>
+                      <a:headEnd type="none" w="med" len="med"/>
+                      <a:tailEnd type="none" w="med" len="med"/>
+                    </a:lnR>
+                    <a:lnT w="12700" cap="flat" cmpd="sng" algn="ctr">
+                      <a:solidFill>
+                        <a:schemeClr val="tx1"/>
+                      </a:solidFill>
+                      <a:prstDash val="solid"/>
+                      <a:round/>
+                      <a:headEnd type="none" w="med" len="med"/>
+                      <a:tailEnd type="none" w="med" len="med"/>
+                    </a:lnT>
+                    <a:lnB w="12700" cap="flat" cmpd="sng" algn="ctr">
+                      <a:solidFill>
+                        <a:schemeClr val="tx1"/>
+                      </a:solidFill>
+                      <a:prstDash val="solid"/>
+                      <a:round/>
+                      <a:headEnd type="none" w="med" len="med"/>
+                      <a:tailEnd type="none" w="med" len="med"/>
+                    </a:lnB>
+                    <a:noFill/>
+                  </a:tcPr>
+                </a:tc>
+                <a:tc>
+                  <a:txBody>
+                    <a:bodyPr/>
+                    <a:lstStyle/>
+                    <a:p>
+                      <a:pPr>
+                        <a:buNone/>
+                      </a:pPr>
+                      <a:r>
+                        <a:rPr lang="en-GB" sz="1300"/>
+                        <a:t>Requires infrastructure management</a:t>
+                      </a:r>
+                    </a:p>
+                  </a:txBody>
+                  <a:tcPr marL="66944" marR="66944" marT="33472" marB="33472" anchor="ctr">
+                    <a:lnL w="12700" cap="flat" cmpd="sng" algn="ctr">
+                      <a:solidFill>
+                        <a:schemeClr val="tx1"/>
+                      </a:solidFill>
+                      <a:prstDash val="solid"/>
+                      <a:round/>
+                      <a:headEnd type="none" w="med" len="med"/>
+                      <a:tailEnd type="none" w="med" len="med"/>
+                    </a:lnL>
+                    <a:lnR w="12700" cap="flat" cmpd="sng" algn="ctr">
+                      <a:solidFill>
+                        <a:schemeClr val="tx1"/>
+                      </a:solidFill>
+                      <a:prstDash val="solid"/>
+                      <a:round/>
+                      <a:headEnd type="none" w="med" len="med"/>
+                      <a:tailEnd type="none" w="med" len="med"/>
+                    </a:lnR>
+                    <a:lnT w="12700" cap="flat" cmpd="sng" algn="ctr">
+                      <a:solidFill>
+                        <a:schemeClr val="tx1"/>
+                      </a:solidFill>
+                      <a:prstDash val="solid"/>
+                      <a:round/>
+                      <a:headEnd type="none" w="med" len="med"/>
+                      <a:tailEnd type="none" w="med" len="med"/>
+                    </a:lnT>
+                    <a:lnB w="12700" cap="flat" cmpd="sng" algn="ctr">
+                      <a:solidFill>
+                        <a:schemeClr val="tx1"/>
+                      </a:solidFill>
+                      <a:prstDash val="solid"/>
+                      <a:round/>
+                      <a:headEnd type="none" w="med" len="med"/>
+                      <a:tailEnd type="none" w="med" len="med"/>
+                    </a:lnB>
+                    <a:noFill/>
+                  </a:tcPr>
+                </a:tc>
+                <a:extLst>
+                  <a:ext uri="{0D108BD9-81ED-4DB2-BD59-A6C34878D82A}">
+                    <a16:rowId xmlns:a16="http://schemas.microsoft.com/office/drawing/2014/main" val="2377461763"/>
+                  </a:ext>
+                </a:extLst>
+              </a:tr>
+              <a:tr h="511111">
+                <a:tc>
+                  <a:txBody>
+                    <a:bodyPr/>
+                    <a:lstStyle/>
+                    <a:p>
+                      <a:pPr>
+                        <a:buNone/>
+                      </a:pPr>
+                      <a:r>
+                        <a:rPr lang="en-GB" sz="1300" b="1"/>
+                        <a:t>Qdrant</a:t>
+                      </a:r>
+                      <a:endParaRPr lang="en-GB" sz="1300"/>
+                    </a:p>
+                  </a:txBody>
+                  <a:tcPr marL="66944" marR="66944" marT="33472" marB="33472" anchor="ctr">
+                    <a:lnL w="12700" cap="flat" cmpd="sng" algn="ctr">
+                      <a:solidFill>
+                        <a:schemeClr val="tx1"/>
+                      </a:solidFill>
+                      <a:prstDash val="solid"/>
+                      <a:round/>
+                      <a:headEnd type="none" w="med" len="med"/>
+                      <a:tailEnd type="none" w="med" len="med"/>
+                    </a:lnL>
+                    <a:lnR w="12700" cap="flat" cmpd="sng" algn="ctr">
+                      <a:solidFill>
+                        <a:schemeClr val="tx1"/>
+                      </a:solidFill>
+                      <a:prstDash val="solid"/>
+                      <a:round/>
+                      <a:headEnd type="none" w="med" len="med"/>
+                      <a:tailEnd type="none" w="med" len="med"/>
+                    </a:lnR>
+                    <a:lnT w="12700" cap="flat" cmpd="sng" algn="ctr">
+                      <a:solidFill>
+                        <a:schemeClr val="tx1"/>
+                      </a:solidFill>
+                      <a:prstDash val="solid"/>
+                      <a:round/>
+                      <a:headEnd type="none" w="med" len="med"/>
+                      <a:tailEnd type="none" w="med" len="med"/>
+                    </a:lnT>
+                    <a:lnB w="12700" cap="flat" cmpd="sng" algn="ctr">
+                      <a:solidFill>
+                        <a:schemeClr val="tx1"/>
+                      </a:solidFill>
+                      <a:prstDash val="solid"/>
+                      <a:round/>
+                      <a:headEnd type="none" w="med" len="med"/>
+                      <a:tailEnd type="none" w="med" len="med"/>
+                    </a:lnB>
+                    <a:noFill/>
+                  </a:tcPr>
+                </a:tc>
+                <a:tc>
+                  <a:txBody>
+                    <a:bodyPr/>
+                    <a:lstStyle/>
+                    <a:p>
+                      <a:pPr>
+                        <a:buNone/>
+                      </a:pPr>
+                      <a:r>
+                        <a:rPr lang="en-GB" sz="1300"/>
+                        <a:t>Open-source + Cloud</a:t>
+                      </a:r>
+                    </a:p>
+                  </a:txBody>
+                  <a:tcPr marL="66944" marR="66944" marT="33472" marB="33472" anchor="ctr">
+                    <a:lnL w="12700" cap="flat" cmpd="sng" algn="ctr">
+                      <a:solidFill>
+                        <a:schemeClr val="tx1"/>
+                      </a:solidFill>
+                      <a:prstDash val="solid"/>
+                      <a:round/>
+                      <a:headEnd type="none" w="med" len="med"/>
+                      <a:tailEnd type="none" w="med" len="med"/>
+                    </a:lnL>
+                    <a:lnR w="12700" cap="flat" cmpd="sng" algn="ctr">
+                      <a:solidFill>
+                        <a:schemeClr val="tx1"/>
+                      </a:solidFill>
+                      <a:prstDash val="solid"/>
+                      <a:round/>
+                      <a:headEnd type="none" w="med" len="med"/>
+                      <a:tailEnd type="none" w="med" len="med"/>
+                    </a:lnR>
+                    <a:lnT w="12700" cap="flat" cmpd="sng" algn="ctr">
+                      <a:solidFill>
+                        <a:schemeClr val="tx1"/>
+                      </a:solidFill>
+                      <a:prstDash val="solid"/>
+                      <a:round/>
+                      <a:headEnd type="none" w="med" len="med"/>
+                      <a:tailEnd type="none" w="med" len="med"/>
+                    </a:lnT>
+                    <a:lnB w="12700" cap="flat" cmpd="sng" algn="ctr">
+                      <a:solidFill>
+                        <a:schemeClr val="tx1"/>
+                      </a:solidFill>
+                      <a:prstDash val="solid"/>
+                      <a:round/>
+                      <a:headEnd type="none" w="med" len="med"/>
+                      <a:tailEnd type="none" w="med" len="med"/>
+                    </a:lnB>
+                    <a:noFill/>
+                  </a:tcPr>
+                </a:tc>
+                <a:tc>
+                  <a:txBody>
+                    <a:bodyPr/>
+                    <a:lstStyle/>
+                    <a:p>
+                      <a:pPr>
+                        <a:buNone/>
+                      </a:pPr>
+                      <a:r>
+                        <a:rPr lang="en-GB" sz="1300"/>
+                        <a:t>Production apps with filters</a:t>
+                      </a:r>
+                    </a:p>
+                  </a:txBody>
+                  <a:tcPr marL="66944" marR="66944" marT="33472" marB="33472" anchor="ctr">
+                    <a:lnL w="12700" cap="flat" cmpd="sng" algn="ctr">
+                      <a:solidFill>
+                        <a:schemeClr val="tx1"/>
+                      </a:solidFill>
+                      <a:prstDash val="solid"/>
+                      <a:round/>
+                      <a:headEnd type="none" w="med" len="med"/>
+                      <a:tailEnd type="none" w="med" len="med"/>
+                    </a:lnL>
+                    <a:lnR w="12700" cap="flat" cmpd="sng" algn="ctr">
+                      <a:solidFill>
+                        <a:schemeClr val="tx1"/>
+                      </a:solidFill>
+                      <a:prstDash val="solid"/>
+                      <a:round/>
+                      <a:headEnd type="none" w="med" len="med"/>
+                      <a:tailEnd type="none" w="med" len="med"/>
+                    </a:lnR>
+                    <a:lnT w="12700" cap="flat" cmpd="sng" algn="ctr">
+                      <a:solidFill>
+                        <a:schemeClr val="tx1"/>
+                      </a:solidFill>
+                      <a:prstDash val="solid"/>
+                      <a:round/>
+                      <a:headEnd type="none" w="med" len="med"/>
+                      <a:tailEnd type="none" w="med" len="med"/>
+                    </a:lnT>
+                    <a:lnB w="12700" cap="flat" cmpd="sng" algn="ctr">
+                      <a:solidFill>
+                        <a:schemeClr val="tx1"/>
+                      </a:solidFill>
+                      <a:prstDash val="solid"/>
+                      <a:round/>
+                      <a:headEnd type="none" w="med" len="med"/>
+                      <a:tailEnd type="none" w="med" len="med"/>
+                    </a:lnB>
+                    <a:noFill/>
+                  </a:tcPr>
+                </a:tc>
+                <a:tc>
+                  <a:txBody>
+                    <a:bodyPr/>
+                    <a:lstStyle/>
+                    <a:p>
+                      <a:pPr>
+                        <a:buNone/>
+                      </a:pPr>
+                      <a:r>
+                        <a:rPr lang="en-GB" sz="1300"/>
+                        <a:t>Fast, good filtering, simple API</a:t>
+                      </a:r>
+                    </a:p>
+                  </a:txBody>
+                  <a:tcPr marL="66944" marR="66944" marT="33472" marB="33472" anchor="ctr">
+                    <a:lnL w="12700" cap="flat" cmpd="sng" algn="ctr">
+                      <a:solidFill>
+                        <a:schemeClr val="tx1"/>
+                      </a:solidFill>
+                      <a:prstDash val="solid"/>
+                      <a:round/>
+                      <a:headEnd type="none" w="med" len="med"/>
+                      <a:tailEnd type="none" w="med" len="med"/>
+                    </a:lnL>
+                    <a:lnR w="12700" cap="flat" cmpd="sng" algn="ctr">
+                      <a:solidFill>
+                        <a:schemeClr val="tx1"/>
+                      </a:solidFill>
+                      <a:prstDash val="solid"/>
+                      <a:round/>
+                      <a:headEnd type="none" w="med" len="med"/>
+                      <a:tailEnd type="none" w="med" len="med"/>
+                    </a:lnR>
+                    <a:lnT w="12700" cap="flat" cmpd="sng" algn="ctr">
+                      <a:solidFill>
+                        <a:schemeClr val="tx1"/>
+                      </a:solidFill>
+                      <a:prstDash val="solid"/>
+                      <a:round/>
+                      <a:headEnd type="none" w="med" len="med"/>
+                      <a:tailEnd type="none" w="med" len="med"/>
+                    </a:lnT>
+                    <a:lnB w="12700" cap="flat" cmpd="sng" algn="ctr">
+                      <a:solidFill>
+                        <a:schemeClr val="tx1"/>
+                      </a:solidFill>
+                      <a:prstDash val="solid"/>
+                      <a:round/>
+                      <a:headEnd type="none" w="med" len="med"/>
+                      <a:tailEnd type="none" w="med" len="med"/>
+                    </a:lnB>
+                    <a:noFill/>
+                  </a:tcPr>
+                </a:tc>
+                <a:tc>
+                  <a:txBody>
+                    <a:bodyPr/>
+                    <a:lstStyle/>
+                    <a:p>
+                      <a:pPr>
+                        <a:buNone/>
+                      </a:pPr>
+                      <a:r>
+                        <a:rPr lang="en-GB" sz="1300"/>
+                        <a:t>Slightly heavier setup locally</a:t>
+                      </a:r>
+                    </a:p>
+                  </a:txBody>
+                  <a:tcPr marL="66944" marR="66944" marT="33472" marB="33472" anchor="ctr">
+                    <a:lnL w="12700" cap="flat" cmpd="sng" algn="ctr">
+                      <a:solidFill>
+                        <a:schemeClr val="tx1"/>
+                      </a:solidFill>
+                      <a:prstDash val="solid"/>
+                      <a:round/>
+                      <a:headEnd type="none" w="med" len="med"/>
+                      <a:tailEnd type="none" w="med" len="med"/>
+                    </a:lnL>
+                    <a:lnR w="12700" cap="flat" cmpd="sng" algn="ctr">
+                      <a:solidFill>
+                        <a:schemeClr val="tx1"/>
+                      </a:solidFill>
+                      <a:prstDash val="solid"/>
+                      <a:round/>
+                      <a:headEnd type="none" w="med" len="med"/>
+                      <a:tailEnd type="none" w="med" len="med"/>
+                    </a:lnR>
+                    <a:lnT w="12700" cap="flat" cmpd="sng" algn="ctr">
+                      <a:solidFill>
+                        <a:schemeClr val="tx1"/>
+                      </a:solidFill>
+                      <a:prstDash val="solid"/>
+                      <a:round/>
+                      <a:headEnd type="none" w="med" len="med"/>
+                      <a:tailEnd type="none" w="med" len="med"/>
+                    </a:lnT>
+                    <a:lnB w="12700" cap="flat" cmpd="sng" algn="ctr">
+                      <a:solidFill>
+                        <a:schemeClr val="tx1"/>
+                      </a:solidFill>
+                      <a:prstDash val="solid"/>
+                      <a:round/>
+                      <a:headEnd type="none" w="med" len="med"/>
+                      <a:tailEnd type="none" w="med" len="med"/>
+                    </a:lnB>
+                    <a:noFill/>
+                  </a:tcPr>
+                </a:tc>
+                <a:extLst>
+                  <a:ext uri="{0D108BD9-81ED-4DB2-BD59-A6C34878D82A}">
+                    <a16:rowId xmlns:a16="http://schemas.microsoft.com/office/drawing/2014/main" val="1706043487"/>
+                  </a:ext>
+                </a:extLst>
+              </a:tr>
+              <a:tr h="511111">
+                <a:tc>
+                  <a:txBody>
+                    <a:bodyPr/>
+                    <a:lstStyle/>
+                    <a:p>
+                      <a:pPr>
+                        <a:buNone/>
+                      </a:pPr>
+                      <a:r>
+                        <a:rPr lang="en-GB" sz="1300" b="1"/>
+                        <a:t>Redis Vector Store</a:t>
+                      </a:r>
+                      <a:endParaRPr lang="en-GB" sz="1300"/>
+                    </a:p>
+                  </a:txBody>
+                  <a:tcPr marL="66944" marR="66944" marT="33472" marB="33472" anchor="ctr">
+                    <a:lnL w="12700" cap="flat" cmpd="sng" algn="ctr">
+                      <a:solidFill>
+                        <a:schemeClr val="tx1"/>
+                      </a:solidFill>
+                      <a:prstDash val="solid"/>
+                      <a:round/>
+                      <a:headEnd type="none" w="med" len="med"/>
+                      <a:tailEnd type="none" w="med" len="med"/>
+                    </a:lnL>
+                    <a:lnR w="12700" cap="flat" cmpd="sng" algn="ctr">
+                      <a:solidFill>
+                        <a:schemeClr val="tx1"/>
+                      </a:solidFill>
+                      <a:prstDash val="solid"/>
+                      <a:round/>
+                      <a:headEnd type="none" w="med" len="med"/>
+                      <a:tailEnd type="none" w="med" len="med"/>
+                    </a:lnR>
+                    <a:lnT w="12700" cap="flat" cmpd="sng" algn="ctr">
+                      <a:solidFill>
+                        <a:schemeClr val="tx1"/>
+                      </a:solidFill>
+                      <a:prstDash val="solid"/>
+                      <a:round/>
+                      <a:headEnd type="none" w="med" len="med"/>
+                      <a:tailEnd type="none" w="med" len="med"/>
+                    </a:lnT>
+                    <a:lnB w="12700" cap="flat" cmpd="sng" algn="ctr">
+                      <a:solidFill>
+                        <a:schemeClr val="tx1"/>
+                      </a:solidFill>
+                      <a:prstDash val="solid"/>
+                      <a:round/>
+                      <a:headEnd type="none" w="med" len="med"/>
+                      <a:tailEnd type="none" w="med" len="med"/>
+                    </a:lnB>
+                    <a:noFill/>
+                  </a:tcPr>
+                </a:tc>
+                <a:tc>
+                  <a:txBody>
+                    <a:bodyPr/>
+                    <a:lstStyle/>
+                    <a:p>
+                      <a:pPr>
+                        <a:buNone/>
+                      </a:pPr>
+                      <a:r>
+                        <a:rPr lang="en-GB" sz="1300"/>
+                        <a:t>Add-on to Redis</a:t>
+                      </a:r>
+                    </a:p>
+                  </a:txBody>
+                  <a:tcPr marL="66944" marR="66944" marT="33472" marB="33472" anchor="ctr">
+                    <a:lnL w="12700" cap="flat" cmpd="sng" algn="ctr">
+                      <a:solidFill>
+                        <a:schemeClr val="tx1"/>
+                      </a:solidFill>
+                      <a:prstDash val="solid"/>
+                      <a:round/>
+                      <a:headEnd type="none" w="med" len="med"/>
+                      <a:tailEnd type="none" w="med" len="med"/>
+                    </a:lnL>
+                    <a:lnR w="12700" cap="flat" cmpd="sng" algn="ctr">
+                      <a:solidFill>
+                        <a:schemeClr val="tx1"/>
+                      </a:solidFill>
+                      <a:prstDash val="solid"/>
+                      <a:round/>
+                      <a:headEnd type="none" w="med" len="med"/>
+                      <a:tailEnd type="none" w="med" len="med"/>
+                    </a:lnR>
+                    <a:lnT w="12700" cap="flat" cmpd="sng" algn="ctr">
+                      <a:solidFill>
+                        <a:schemeClr val="tx1"/>
+                      </a:solidFill>
+                      <a:prstDash val="solid"/>
+                      <a:round/>
+                      <a:headEnd type="none" w="med" len="med"/>
+                      <a:tailEnd type="none" w="med" len="med"/>
+                    </a:lnT>
+                    <a:lnB w="12700" cap="flat" cmpd="sng" algn="ctr">
+                      <a:solidFill>
+                        <a:schemeClr val="tx1"/>
+                      </a:solidFill>
+                      <a:prstDash val="solid"/>
+                      <a:round/>
+                      <a:headEnd type="none" w="med" len="med"/>
+                      <a:tailEnd type="none" w="med" len="med"/>
+                    </a:lnB>
+                    <a:noFill/>
+                  </a:tcPr>
+                </a:tc>
+                <a:tc>
+                  <a:txBody>
+                    <a:bodyPr/>
+                    <a:lstStyle/>
+                    <a:p>
+                      <a:pPr>
+                        <a:buNone/>
+                      </a:pPr>
+                      <a:r>
+                        <a:rPr lang="en-GB" sz="1300"/>
+                        <a:t>Apps already using Redis</a:t>
+                      </a:r>
+                    </a:p>
+                  </a:txBody>
+                  <a:tcPr marL="66944" marR="66944" marT="33472" marB="33472" anchor="ctr">
+                    <a:lnL w="12700" cap="flat" cmpd="sng" algn="ctr">
+                      <a:solidFill>
+                        <a:schemeClr val="tx1"/>
+                      </a:solidFill>
+                      <a:prstDash val="solid"/>
+                      <a:round/>
+                      <a:headEnd type="none" w="med" len="med"/>
+                      <a:tailEnd type="none" w="med" len="med"/>
+                    </a:lnL>
+                    <a:lnR w="12700" cap="flat" cmpd="sng" algn="ctr">
+                      <a:solidFill>
+                        <a:schemeClr val="tx1"/>
+                      </a:solidFill>
+                      <a:prstDash val="solid"/>
+                      <a:round/>
+                      <a:headEnd type="none" w="med" len="med"/>
+                      <a:tailEnd type="none" w="med" len="med"/>
+                    </a:lnR>
+                    <a:lnT w="12700" cap="flat" cmpd="sng" algn="ctr">
+                      <a:solidFill>
+                        <a:schemeClr val="tx1"/>
+                      </a:solidFill>
+                      <a:prstDash val="solid"/>
+                      <a:round/>
+                      <a:headEnd type="none" w="med" len="med"/>
+                      <a:tailEnd type="none" w="med" len="med"/>
+                    </a:lnT>
+                    <a:lnB w="12700" cap="flat" cmpd="sng" algn="ctr">
+                      <a:solidFill>
+                        <a:schemeClr val="tx1"/>
+                      </a:solidFill>
+                      <a:prstDash val="solid"/>
+                      <a:round/>
+                      <a:headEnd type="none" w="med" len="med"/>
+                      <a:tailEnd type="none" w="med" len="med"/>
+                    </a:lnB>
+                    <a:noFill/>
+                  </a:tcPr>
+                </a:tc>
+                <a:tc>
+                  <a:txBody>
+                    <a:bodyPr/>
+                    <a:lstStyle/>
+                    <a:p>
+                      <a:pPr>
+                        <a:buNone/>
+                      </a:pPr>
+                      <a:r>
+                        <a:rPr lang="en-GB" sz="1300"/>
+                        <a:t>Fast, real-time similarity</a:t>
+                      </a:r>
+                    </a:p>
+                  </a:txBody>
+                  <a:tcPr marL="66944" marR="66944" marT="33472" marB="33472" anchor="ctr">
+                    <a:lnL w="12700" cap="flat" cmpd="sng" algn="ctr">
+                      <a:solidFill>
+                        <a:schemeClr val="tx1"/>
+                      </a:solidFill>
+                      <a:prstDash val="solid"/>
+                      <a:round/>
+                      <a:headEnd type="none" w="med" len="med"/>
+                      <a:tailEnd type="none" w="med" len="med"/>
+                    </a:lnL>
+                    <a:lnR w="12700" cap="flat" cmpd="sng" algn="ctr">
+                      <a:solidFill>
+                        <a:schemeClr val="tx1"/>
+                      </a:solidFill>
+                      <a:prstDash val="solid"/>
+                      <a:round/>
+                      <a:headEnd type="none" w="med" len="med"/>
+                      <a:tailEnd type="none" w="med" len="med"/>
+                    </a:lnR>
+                    <a:lnT w="12700" cap="flat" cmpd="sng" algn="ctr">
+                      <a:solidFill>
+                        <a:schemeClr val="tx1"/>
+                      </a:solidFill>
+                      <a:prstDash val="solid"/>
+                      <a:round/>
+                      <a:headEnd type="none" w="med" len="med"/>
+                      <a:tailEnd type="none" w="med" len="med"/>
+                    </a:lnT>
+                    <a:lnB w="12700" cap="flat" cmpd="sng" algn="ctr">
+                      <a:solidFill>
+                        <a:schemeClr val="tx1"/>
+                      </a:solidFill>
+                      <a:prstDash val="solid"/>
+                      <a:round/>
+                      <a:headEnd type="none" w="med" len="med"/>
+                      <a:tailEnd type="none" w="med" len="med"/>
+                    </a:lnB>
+                    <a:noFill/>
+                  </a:tcPr>
+                </a:tc>
+                <a:tc>
+                  <a:txBody>
+                    <a:bodyPr/>
+                    <a:lstStyle/>
+                    <a:p>
+                      <a:pPr>
+                        <a:buNone/>
+                      </a:pPr>
+                      <a:r>
+                        <a:rPr lang="en-GB" sz="1300" dirty="0"/>
+                        <a:t>Requires Redis, not specialized</a:t>
+                      </a:r>
+                    </a:p>
+                  </a:txBody>
+                  <a:tcPr marL="66944" marR="66944" marT="33472" marB="33472" anchor="ctr">
+                    <a:lnL w="12700" cap="flat" cmpd="sng" algn="ctr">
+                      <a:solidFill>
+                        <a:schemeClr val="tx1"/>
+                      </a:solidFill>
+                      <a:prstDash val="solid"/>
+                      <a:round/>
+                      <a:headEnd type="none" w="med" len="med"/>
+                      <a:tailEnd type="none" w="med" len="med"/>
+                    </a:lnL>
+                    <a:lnR w="12700" cap="flat" cmpd="sng" algn="ctr">
+                      <a:solidFill>
+                        <a:schemeClr val="tx1"/>
+                      </a:solidFill>
+                      <a:prstDash val="solid"/>
+                      <a:round/>
+                      <a:headEnd type="none" w="med" len="med"/>
+                      <a:tailEnd type="none" w="med" len="med"/>
+                    </a:lnR>
+                    <a:lnT w="12700" cap="flat" cmpd="sng" algn="ctr">
+                      <a:solidFill>
+                        <a:schemeClr val="tx1"/>
+                      </a:solidFill>
+                      <a:prstDash val="solid"/>
+                      <a:round/>
+                      <a:headEnd type="none" w="med" len="med"/>
+                      <a:tailEnd type="none" w="med" len="med"/>
+                    </a:lnT>
+                    <a:lnB w="12700" cap="flat" cmpd="sng" algn="ctr">
+                      <a:solidFill>
+                        <a:schemeClr val="tx1"/>
+                      </a:solidFill>
+                      <a:prstDash val="solid"/>
+                      <a:round/>
+                      <a:headEnd type="none" w="med" len="med"/>
+                      <a:tailEnd type="none" w="med" len="med"/>
+                    </a:lnB>
+                    <a:noFill/>
+                  </a:tcPr>
+                </a:tc>
+                <a:extLst>
+                  <a:ext uri="{0D108BD9-81ED-4DB2-BD59-A6C34878D82A}">
+                    <a16:rowId xmlns:a16="http://schemas.microsoft.com/office/drawing/2014/main" val="265637889"/>
                   </a:ext>
                 </a:extLst>
               </a:tr>
@@ -22522,7 +25035,7 @@
     </p:spTree>
     <p:extLst>
       <p:ext uri="{BB962C8B-B14F-4D97-AF65-F5344CB8AC3E}">
-        <p14:creationId xmlns:p14="http://schemas.microsoft.com/office/powerpoint/2010/main" val="1817080124"/>
+        <p14:creationId xmlns:p14="http://schemas.microsoft.com/office/powerpoint/2010/main" val="871221552"/>
       </p:ext>
     </p:extLst>
   </p:cSld>
@@ -22532,7 +25045,7 @@
 </p:sld>
 </file>
 
-<file path=ppt/slides/slide22.xml><?xml version="1.0" encoding="utf-8"?>
+<file path=ppt/slides/slide23.xml><?xml version="1.0" encoding="utf-8"?>
 <p:sld xmlns:a="http://schemas.openxmlformats.org/drawingml/2006/main" xmlns:r="http://schemas.openxmlformats.org/officeDocument/2006/relationships" xmlns:p="http://schemas.openxmlformats.org/presentationml/2006/main">
   <p:cSld>
     <p:spTree>
@@ -24447,7 +26960,7 @@
 </p:sld>
 </file>
 
-<file path=ppt/slides/slide23.xml><?xml version="1.0" encoding="utf-8"?>
+<file path=ppt/slides/slide24.xml><?xml version="1.0" encoding="utf-8"?>
 <p:sld xmlns:a="http://schemas.openxmlformats.org/drawingml/2006/main" xmlns:r="http://schemas.openxmlformats.org/officeDocument/2006/relationships" xmlns:p="http://schemas.openxmlformats.org/presentationml/2006/main">
   <p:cSld>
     <p:spTree>
@@ -26775,7 +29288,7 @@
 </p:sld>
 </file>
 
-<file path=ppt/slides/slide24.xml><?xml version="1.0" encoding="utf-8"?>
+<file path=ppt/slides/slide25.xml><?xml version="1.0" encoding="utf-8"?>
 <p:sld xmlns:a="http://schemas.openxmlformats.org/drawingml/2006/main" xmlns:r="http://schemas.openxmlformats.org/officeDocument/2006/relationships" xmlns:p="http://schemas.openxmlformats.org/presentationml/2006/main">
   <p:cSld>
     <p:spTree>
@@ -29337,7 +31850,7 @@
 </p:sld>
 </file>
 
-<file path=ppt/slides/slide25.xml><?xml version="1.0" encoding="utf-8"?>
+<file path=ppt/slides/slide26.xml><?xml version="1.0" encoding="utf-8"?>
 <p:sld xmlns:a="http://schemas.openxmlformats.org/drawingml/2006/main" xmlns:r="http://schemas.openxmlformats.org/officeDocument/2006/relationships" xmlns:p="http://schemas.openxmlformats.org/presentationml/2006/main">
   <p:cSld>
     <p:spTree>
@@ -33210,7 +35723,7 @@
 </p:sld>
 </file>
 
-<file path=ppt/slides/slide26.xml><?xml version="1.0" encoding="utf-8"?>
+<file path=ppt/slides/slide27.xml><?xml version="1.0" encoding="utf-8"?>
 <p:sld xmlns:a="http://schemas.openxmlformats.org/drawingml/2006/main" xmlns:r="http://schemas.openxmlformats.org/officeDocument/2006/relationships" xmlns:p="http://schemas.openxmlformats.org/presentationml/2006/main">
   <p:cSld>
     <p:spTree>
@@ -35860,7 +38373,7 @@
 </p:sld>
 </file>
 
-<file path=ppt/slides/slide27.xml><?xml version="1.0" encoding="utf-8"?>
+<file path=ppt/slides/slide28.xml><?xml version="1.0" encoding="utf-8"?>
 <p:sld xmlns:a="http://schemas.openxmlformats.org/drawingml/2006/main" xmlns:r="http://schemas.openxmlformats.org/officeDocument/2006/relationships" xmlns:p="http://schemas.openxmlformats.org/presentationml/2006/main">
   <p:cSld>
     <p:spTree>
@@ -36415,7 +38928,7 @@
 </p:sld>
 </file>
 
-<file path=ppt/slides/slide28.xml><?xml version="1.0" encoding="utf-8"?>
+<file path=ppt/slides/slide29.xml><?xml version="1.0" encoding="utf-8"?>
 <p:sld xmlns:a="http://schemas.openxmlformats.org/drawingml/2006/main" xmlns:r="http://schemas.openxmlformats.org/officeDocument/2006/relationships" xmlns:p="http://schemas.openxmlformats.org/presentationml/2006/main">
   <p:cSld>
     <p:spTree>
@@ -36581,7 +39094,7 @@
                       </a:pPr>
                       <a:r>
                         <a:rPr lang="en-IN" b="1" noProof="0" dirty="0"/>
-                        <a:t>Guardrails</a:t>
+                        <a:t>Guardrails*</a:t>
                       </a:r>
                       <a:endParaRPr lang="en-IN" noProof="0" dirty="0"/>
                     </a:p>
@@ -37695,6 +40208,819 @@
     <p:extLst>
       <p:ext uri="{BB962C8B-B14F-4D97-AF65-F5344CB8AC3E}">
         <p14:creationId xmlns:p14="http://schemas.microsoft.com/office/powerpoint/2010/main" val="3314853432"/>
+      </p:ext>
+    </p:extLst>
+  </p:cSld>
+  <p:clrMapOvr>
+    <a:masterClrMapping/>
+  </p:clrMapOvr>
+</p:sld>
+</file>
+
+<file path=ppt/slides/slide30.xml><?xml version="1.0" encoding="utf-8"?>
+<p:sld xmlns:a="http://schemas.openxmlformats.org/drawingml/2006/main" xmlns:r="http://schemas.openxmlformats.org/officeDocument/2006/relationships" xmlns:p="http://schemas.openxmlformats.org/presentationml/2006/main">
+  <p:cSld>
+    <p:spTree>
+      <p:nvGrpSpPr>
+        <p:cNvPr id="1" name=""/>
+        <p:cNvGrpSpPr/>
+        <p:nvPr/>
+      </p:nvGrpSpPr>
+      <p:grpSpPr>
+        <a:xfrm>
+          <a:off x="0" y="0"/>
+          <a:ext cx="0" cy="0"/>
+          <a:chOff x="0" y="0"/>
+          <a:chExt cx="0" cy="0"/>
+        </a:xfrm>
+      </p:grpSpPr>
+      <p:sp>
+        <p:nvSpPr>
+          <p:cNvPr id="2" name="Title 1">
+            <a:extLst>
+              <a:ext uri="{FF2B5EF4-FFF2-40B4-BE49-F238E27FC236}">
+                <a16:creationId xmlns:a16="http://schemas.microsoft.com/office/drawing/2014/main" id="{116CCEFD-FCAC-AD81-A1CB-D2E2A0754D8D}"/>
+              </a:ext>
+            </a:extLst>
+          </p:cNvPr>
+          <p:cNvSpPr>
+            <a:spLocks noGrp="1"/>
+          </p:cNvSpPr>
+          <p:nvPr>
+            <p:ph type="title"/>
+          </p:nvPr>
+        </p:nvSpPr>
+        <p:spPr/>
+        <p:txBody>
+          <a:bodyPr/>
+          <a:lstStyle/>
+          <a:p>
+            <a:r>
+              <a:rPr lang="en-IN" dirty="0"/>
+              <a:t>Guardrails</a:t>
+            </a:r>
+            <a:endParaRPr lang="en-GB" dirty="0"/>
+          </a:p>
+        </p:txBody>
+      </p:sp>
+      <p:sp>
+        <p:nvSpPr>
+          <p:cNvPr id="3" name="Content Placeholder 2">
+            <a:extLst>
+              <a:ext uri="{FF2B5EF4-FFF2-40B4-BE49-F238E27FC236}">
+                <a16:creationId xmlns:a16="http://schemas.microsoft.com/office/drawing/2014/main" id="{6F69421C-BAC5-DCCC-5015-11BD263570B3}"/>
+              </a:ext>
+            </a:extLst>
+          </p:cNvPr>
+          <p:cNvSpPr>
+            <a:spLocks noGrp="1"/>
+          </p:cNvSpPr>
+          <p:nvPr>
+            <p:ph idx="1"/>
+          </p:nvPr>
+        </p:nvSpPr>
+        <p:spPr/>
+        <p:txBody>
+          <a:bodyPr/>
+          <a:lstStyle/>
+          <a:p>
+            <a:r>
+              <a:rPr lang="en-US" dirty="0"/>
+              <a:t>A safety control mechanism that ensures the model operates within defined limits by preventing unsafe, harmful, incorrect, off-topic, or policy-violating behavior</a:t>
+            </a:r>
+            <a:endParaRPr lang="en-GB" dirty="0"/>
+          </a:p>
+        </p:txBody>
+      </p:sp>
+      <p:graphicFrame>
+        <p:nvGraphicFramePr>
+          <p:cNvPr id="4" name="Table 3">
+            <a:extLst>
+              <a:ext uri="{FF2B5EF4-FFF2-40B4-BE49-F238E27FC236}">
+                <a16:creationId xmlns:a16="http://schemas.microsoft.com/office/drawing/2014/main" id="{A9FEC590-CE2D-1581-D49C-307E41D88BE5}"/>
+              </a:ext>
+            </a:extLst>
+          </p:cNvPr>
+          <p:cNvGraphicFramePr>
+            <a:graphicFrameLocks noGrp="1"/>
+          </p:cNvGraphicFramePr>
+          <p:nvPr/>
+        </p:nvGraphicFramePr>
+        <p:xfrm>
+          <a:off x="1030155" y="3213764"/>
+          <a:ext cx="10623792" cy="3469896"/>
+        </p:xfrm>
+        <a:graphic>
+          <a:graphicData uri="http://schemas.openxmlformats.org/drawingml/2006/table">
+            <a:tbl>
+              <a:tblPr>
+                <a:tableStyleId>{5DA37D80-6434-44D0-A028-1B22A696006F}</a:tableStyleId>
+              </a:tblPr>
+              <a:tblGrid>
+                <a:gridCol w="2655366">
+                  <a:extLst>
+                    <a:ext uri="{9D8B030D-6E8A-4147-A177-3AD203B41FA5}">
+                      <a16:colId xmlns:a16="http://schemas.microsoft.com/office/drawing/2014/main" val="1500301468"/>
+                    </a:ext>
+                  </a:extLst>
+                </a:gridCol>
+                <a:gridCol w="3776263">
+                  <a:extLst>
+                    <a:ext uri="{9D8B030D-6E8A-4147-A177-3AD203B41FA5}">
+                      <a16:colId xmlns:a16="http://schemas.microsoft.com/office/drawing/2014/main" val="3207693654"/>
+                    </a:ext>
+                  </a:extLst>
+                </a:gridCol>
+                <a:gridCol w="4192163">
+                  <a:extLst>
+                    <a:ext uri="{9D8B030D-6E8A-4147-A177-3AD203B41FA5}">
+                      <a16:colId xmlns:a16="http://schemas.microsoft.com/office/drawing/2014/main" val="761881727"/>
+                    </a:ext>
+                  </a:extLst>
+                </a:gridCol>
+              </a:tblGrid>
+              <a:tr h="153724">
+                <a:tc>
+                  <a:txBody>
+                    <a:bodyPr/>
+                    <a:lstStyle/>
+                    <a:p>
+                      <a:pPr>
+                        <a:buNone/>
+                      </a:pPr>
+                      <a:r>
+                        <a:rPr lang="en-GB" sz="1400" b="1"/>
+                        <a:t>Type of Guardrail</a:t>
+                      </a:r>
+                      <a:endParaRPr lang="en-GB" sz="1400"/>
+                    </a:p>
+                  </a:txBody>
+                  <a:tcPr marL="58018" marR="58018" marT="29009" marB="29009" anchor="ctr"/>
+                </a:tc>
+                <a:tc>
+                  <a:txBody>
+                    <a:bodyPr/>
+                    <a:lstStyle/>
+                    <a:p>
+                      <a:pPr>
+                        <a:buNone/>
+                      </a:pPr>
+                      <a:r>
+                        <a:rPr lang="en-GB" sz="1400" b="1"/>
+                        <a:t>Purpose</a:t>
+                      </a:r>
+                      <a:endParaRPr lang="en-GB" sz="1400"/>
+                    </a:p>
+                  </a:txBody>
+                  <a:tcPr marL="58018" marR="58018" marT="29009" marB="29009" anchor="ctr"/>
+                </a:tc>
+                <a:tc>
+                  <a:txBody>
+                    <a:bodyPr/>
+                    <a:lstStyle/>
+                    <a:p>
+                      <a:pPr>
+                        <a:buNone/>
+                      </a:pPr>
+                      <a:r>
+                        <a:rPr lang="en-GB" sz="1400" b="1"/>
+                        <a:t>Examples</a:t>
+                      </a:r>
+                      <a:endParaRPr lang="en-GB" sz="1400"/>
+                    </a:p>
+                  </a:txBody>
+                  <a:tcPr marL="58018" marR="58018" marT="29009" marB="29009" anchor="ctr"/>
+                </a:tc>
+                <a:extLst>
+                  <a:ext uri="{0D108BD9-81ED-4DB2-BD59-A6C34878D82A}">
+                    <a16:rowId xmlns:a16="http://schemas.microsoft.com/office/drawing/2014/main" val="1339299965"/>
+                  </a:ext>
+                </a:extLst>
+              </a:tr>
+              <a:tr h="153724">
+                <a:tc>
+                  <a:txBody>
+                    <a:bodyPr/>
+                    <a:lstStyle/>
+                    <a:p>
+                      <a:pPr>
+                        <a:buNone/>
+                      </a:pPr>
+                      <a:r>
+                        <a:rPr lang="en-GB" sz="1400" b="1"/>
+                        <a:t>Keyword / Phrase Blocking</a:t>
+                      </a:r>
+                      <a:endParaRPr lang="en-GB" sz="1400"/>
+                    </a:p>
+                  </a:txBody>
+                  <a:tcPr marL="58018" marR="58018" marT="29009" marB="29009" anchor="ctr"/>
+                </a:tc>
+                <a:tc>
+                  <a:txBody>
+                    <a:bodyPr/>
+                    <a:lstStyle/>
+                    <a:p>
+                      <a:pPr>
+                        <a:buNone/>
+                      </a:pPr>
+                      <a:r>
+                        <a:rPr lang="en-US" sz="1400"/>
+                        <a:t>Stop harmful or restricted words</a:t>
+                      </a:r>
+                    </a:p>
+                  </a:txBody>
+                  <a:tcPr marL="58018" marR="58018" marT="29009" marB="29009" anchor="ctr"/>
+                </a:tc>
+                <a:tc>
+                  <a:txBody>
+                    <a:bodyPr/>
+                    <a:lstStyle/>
+                    <a:p>
+                      <a:pPr>
+                        <a:buNone/>
+                      </a:pPr>
+                      <a:r>
+                        <a:rPr lang="sv-SE" sz="1400"/>
+                        <a:t>Block: “bomb”, “hack”, “virus”</a:t>
+                      </a:r>
+                    </a:p>
+                  </a:txBody>
+                  <a:tcPr marL="58018" marR="58018" marT="29009" marB="29009" anchor="ctr"/>
+                </a:tc>
+                <a:extLst>
+                  <a:ext uri="{0D108BD9-81ED-4DB2-BD59-A6C34878D82A}">
+                    <a16:rowId xmlns:a16="http://schemas.microsoft.com/office/drawing/2014/main" val="2288825984"/>
+                  </a:ext>
+                </a:extLst>
+              </a:tr>
+              <a:tr h="269018">
+                <a:tc>
+                  <a:txBody>
+                    <a:bodyPr/>
+                    <a:lstStyle/>
+                    <a:p>
+                      <a:pPr>
+                        <a:buNone/>
+                      </a:pPr>
+                      <a:r>
+                        <a:rPr lang="en-GB" sz="1400" b="1"/>
+                        <a:t>Input Validation</a:t>
+                      </a:r>
+                      <a:endParaRPr lang="en-GB" sz="1400"/>
+                    </a:p>
+                  </a:txBody>
+                  <a:tcPr marL="58018" marR="58018" marT="29009" marB="29009" anchor="ctr"/>
+                </a:tc>
+                <a:tc>
+                  <a:txBody>
+                    <a:bodyPr/>
+                    <a:lstStyle/>
+                    <a:p>
+                      <a:pPr>
+                        <a:buNone/>
+                      </a:pPr>
+                      <a:r>
+                        <a:rPr lang="en-US" sz="1400"/>
+                        <a:t>Reject malformed, long, or suspicious inputs</a:t>
+                      </a:r>
+                    </a:p>
+                  </a:txBody>
+                  <a:tcPr marL="58018" marR="58018" marT="29009" marB="29009" anchor="ctr"/>
+                </a:tc>
+                <a:tc>
+                  <a:txBody>
+                    <a:bodyPr/>
+                    <a:lstStyle/>
+                    <a:p>
+                      <a:pPr>
+                        <a:buNone/>
+                      </a:pPr>
+                      <a:r>
+                        <a:rPr lang="en-US" sz="1400"/>
+                        <a:t>Max length, no URLs, no code blocks</a:t>
+                      </a:r>
+                    </a:p>
+                  </a:txBody>
+                  <a:tcPr marL="58018" marR="58018" marT="29009" marB="29009" anchor="ctr"/>
+                </a:tc>
+                <a:extLst>
+                  <a:ext uri="{0D108BD9-81ED-4DB2-BD59-A6C34878D82A}">
+                    <a16:rowId xmlns:a16="http://schemas.microsoft.com/office/drawing/2014/main" val="1627828663"/>
+                  </a:ext>
+                </a:extLst>
+              </a:tr>
+              <a:tr h="269018">
+                <a:tc>
+                  <a:txBody>
+                    <a:bodyPr/>
+                    <a:lstStyle/>
+                    <a:p>
+                      <a:pPr>
+                        <a:buNone/>
+                      </a:pPr>
+                      <a:r>
+                        <a:rPr lang="en-GB" sz="1400" b="1"/>
+                        <a:t>Allow-List Topics</a:t>
+                      </a:r>
+                      <a:endParaRPr lang="en-GB" sz="1400"/>
+                    </a:p>
+                  </a:txBody>
+                  <a:tcPr marL="58018" marR="58018" marT="29009" marB="29009" anchor="ctr"/>
+                </a:tc>
+                <a:tc>
+                  <a:txBody>
+                    <a:bodyPr/>
+                    <a:lstStyle/>
+                    <a:p>
+                      <a:pPr>
+                        <a:buNone/>
+                      </a:pPr>
+                      <a:r>
+                        <a:rPr lang="en-GB" sz="1400"/>
+                        <a:t>Only permit certain categories</a:t>
+                      </a:r>
+                    </a:p>
+                  </a:txBody>
+                  <a:tcPr marL="58018" marR="58018" marT="29009" marB="29009" anchor="ctr"/>
+                </a:tc>
+                <a:tc>
+                  <a:txBody>
+                    <a:bodyPr/>
+                    <a:lstStyle/>
+                    <a:p>
+                      <a:pPr>
+                        <a:buNone/>
+                      </a:pPr>
+                      <a:r>
+                        <a:rPr lang="en-US" sz="1400"/>
+                        <a:t>Only allow: product queries, reviews</a:t>
+                      </a:r>
+                    </a:p>
+                  </a:txBody>
+                  <a:tcPr marL="58018" marR="58018" marT="29009" marB="29009" anchor="ctr"/>
+                </a:tc>
+                <a:extLst>
+                  <a:ext uri="{0D108BD9-81ED-4DB2-BD59-A6C34878D82A}">
+                    <a16:rowId xmlns:a16="http://schemas.microsoft.com/office/drawing/2014/main" val="3929346936"/>
+                  </a:ext>
+                </a:extLst>
+              </a:tr>
+              <a:tr h="269018">
+                <a:tc>
+                  <a:txBody>
+                    <a:bodyPr/>
+                    <a:lstStyle/>
+                    <a:p>
+                      <a:pPr>
+                        <a:buNone/>
+                      </a:pPr>
+                      <a:r>
+                        <a:rPr lang="en-GB" sz="1400" b="1"/>
+                        <a:t>Semantic Safety (Embedding-Based)</a:t>
+                      </a:r>
+                      <a:endParaRPr lang="en-GB" sz="1400"/>
+                    </a:p>
+                  </a:txBody>
+                  <a:tcPr marL="58018" marR="58018" marT="29009" marB="29009" anchor="ctr"/>
+                </a:tc>
+                <a:tc>
+                  <a:txBody>
+                    <a:bodyPr/>
+                    <a:lstStyle/>
+                    <a:p>
+                      <a:pPr>
+                        <a:buNone/>
+                      </a:pPr>
+                      <a:r>
+                        <a:rPr lang="en-US" sz="1400"/>
+                        <a:t>Detect harmful intent beyond keywords</a:t>
+                      </a:r>
+                    </a:p>
+                  </a:txBody>
+                  <a:tcPr marL="58018" marR="58018" marT="29009" marB="29009" anchor="ctr"/>
+                </a:tc>
+                <a:tc>
+                  <a:txBody>
+                    <a:bodyPr/>
+                    <a:lstStyle/>
+                    <a:p>
+                      <a:pPr>
+                        <a:buNone/>
+                      </a:pPr>
+                      <a:r>
+                        <a:rPr lang="en-US" sz="1400"/>
+                        <a:t>Check if query is similar to “harm”, “illegal activity”</a:t>
+                      </a:r>
+                    </a:p>
+                  </a:txBody>
+                  <a:tcPr marL="58018" marR="58018" marT="29009" marB="29009" anchor="ctr"/>
+                </a:tc>
+                <a:extLst>
+                  <a:ext uri="{0D108BD9-81ED-4DB2-BD59-A6C34878D82A}">
+                    <a16:rowId xmlns:a16="http://schemas.microsoft.com/office/drawing/2014/main" val="2854544573"/>
+                  </a:ext>
+                </a:extLst>
+              </a:tr>
+              <a:tr h="269018">
+                <a:tc>
+                  <a:txBody>
+                    <a:bodyPr/>
+                    <a:lstStyle/>
+                    <a:p>
+                      <a:pPr>
+                        <a:buNone/>
+                      </a:pPr>
+                      <a:r>
+                        <a:rPr lang="en-GB" sz="1400" b="1"/>
+                        <a:t>Prompt Guardrails</a:t>
+                      </a:r>
+                      <a:endParaRPr lang="en-GB" sz="1400"/>
+                    </a:p>
+                  </a:txBody>
+                  <a:tcPr marL="58018" marR="58018" marT="29009" marB="29009" anchor="ctr"/>
+                </a:tc>
+                <a:tc>
+                  <a:txBody>
+                    <a:bodyPr/>
+                    <a:lstStyle/>
+                    <a:p>
+                      <a:pPr>
+                        <a:buNone/>
+                      </a:pPr>
+                      <a:r>
+                        <a:rPr lang="en-US" sz="1400"/>
+                        <a:t>Restrict what the LLM is allowed to answer</a:t>
+                      </a:r>
+                    </a:p>
+                  </a:txBody>
+                  <a:tcPr marL="58018" marR="58018" marT="29009" marB="29009" anchor="ctr"/>
+                </a:tc>
+                <a:tc>
+                  <a:txBody>
+                    <a:bodyPr/>
+                    <a:lstStyle/>
+                    <a:p>
+                      <a:pPr>
+                        <a:buNone/>
+                      </a:pPr>
+                      <a:r>
+                        <a:rPr lang="en-US" sz="1400"/>
+                        <a:t>“Use context only”, “Don’t produce code”</a:t>
+                      </a:r>
+                    </a:p>
+                  </a:txBody>
+                  <a:tcPr marL="58018" marR="58018" marT="29009" marB="29009" anchor="ctr"/>
+                </a:tc>
+                <a:extLst>
+                  <a:ext uri="{0D108BD9-81ED-4DB2-BD59-A6C34878D82A}">
+                    <a16:rowId xmlns:a16="http://schemas.microsoft.com/office/drawing/2014/main" val="2594829134"/>
+                  </a:ext>
+                </a:extLst>
+              </a:tr>
+              <a:tr h="269018">
+                <a:tc>
+                  <a:txBody>
+                    <a:bodyPr/>
+                    <a:lstStyle/>
+                    <a:p>
+                      <a:pPr>
+                        <a:buNone/>
+                      </a:pPr>
+                      <a:r>
+                        <a:rPr lang="en-GB" sz="1400" b="1"/>
+                        <a:t>Output Filtering</a:t>
+                      </a:r>
+                      <a:endParaRPr lang="en-GB" sz="1400"/>
+                    </a:p>
+                  </a:txBody>
+                  <a:tcPr marL="58018" marR="58018" marT="29009" marB="29009" anchor="ctr"/>
+                </a:tc>
+                <a:tc>
+                  <a:txBody>
+                    <a:bodyPr/>
+                    <a:lstStyle/>
+                    <a:p>
+                      <a:pPr>
+                        <a:buNone/>
+                      </a:pPr>
+                      <a:r>
+                        <a:rPr lang="en-US" sz="1400"/>
+                        <a:t>Post-process model output before showing it</a:t>
+                      </a:r>
+                    </a:p>
+                  </a:txBody>
+                  <a:tcPr marL="58018" marR="58018" marT="29009" marB="29009" anchor="ctr"/>
+                </a:tc>
+                <a:tc>
+                  <a:txBody>
+                    <a:bodyPr/>
+                    <a:lstStyle/>
+                    <a:p>
+                      <a:pPr>
+                        <a:buNone/>
+                      </a:pPr>
+                      <a:r>
+                        <a:rPr lang="en-GB" sz="1400"/>
+                        <a:t>Remove sensitive data, profanity</a:t>
+                      </a:r>
+                    </a:p>
+                  </a:txBody>
+                  <a:tcPr marL="58018" marR="58018" marT="29009" marB="29009" anchor="ctr"/>
+                </a:tc>
+                <a:extLst>
+                  <a:ext uri="{0D108BD9-81ED-4DB2-BD59-A6C34878D82A}">
+                    <a16:rowId xmlns:a16="http://schemas.microsoft.com/office/drawing/2014/main" val="3284521177"/>
+                  </a:ext>
+                </a:extLst>
+              </a:tr>
+              <a:tr h="269018">
+                <a:tc>
+                  <a:txBody>
+                    <a:bodyPr/>
+                    <a:lstStyle/>
+                    <a:p>
+                      <a:pPr>
+                        <a:buNone/>
+                      </a:pPr>
+                      <a:r>
+                        <a:rPr lang="en-GB" sz="1400" b="1"/>
+                        <a:t>Tool-Use Guardrails</a:t>
+                      </a:r>
+                      <a:endParaRPr lang="en-GB" sz="1400"/>
+                    </a:p>
+                  </a:txBody>
+                  <a:tcPr marL="58018" marR="58018" marT="29009" marB="29009" anchor="ctr"/>
+                </a:tc>
+                <a:tc>
+                  <a:txBody>
+                    <a:bodyPr/>
+                    <a:lstStyle/>
+                    <a:p>
+                      <a:pPr>
+                        <a:buNone/>
+                      </a:pPr>
+                      <a:r>
+                        <a:rPr lang="en-US" sz="1400"/>
+                        <a:t>Restrict which tools the agent is allowed to call</a:t>
+                      </a:r>
+                    </a:p>
+                  </a:txBody>
+                  <a:tcPr marL="58018" marR="58018" marT="29009" marB="29009" anchor="ctr"/>
+                </a:tc>
+                <a:tc>
+                  <a:txBody>
+                    <a:bodyPr/>
+                    <a:lstStyle/>
+                    <a:p>
+                      <a:pPr>
+                        <a:buNone/>
+                      </a:pPr>
+                      <a:r>
+                        <a:rPr lang="en-US" sz="1400"/>
+                        <a:t>Don't allow web search for medical queries</a:t>
+                      </a:r>
+                    </a:p>
+                  </a:txBody>
+                  <a:tcPr marL="58018" marR="58018" marT="29009" marB="29009" anchor="ctr"/>
+                </a:tc>
+                <a:extLst>
+                  <a:ext uri="{0D108BD9-81ED-4DB2-BD59-A6C34878D82A}">
+                    <a16:rowId xmlns:a16="http://schemas.microsoft.com/office/drawing/2014/main" val="151056724"/>
+                  </a:ext>
+                </a:extLst>
+              </a:tr>
+              <a:tr h="153724">
+                <a:tc>
+                  <a:txBody>
+                    <a:bodyPr/>
+                    <a:lstStyle/>
+                    <a:p>
+                      <a:pPr>
+                        <a:buNone/>
+                      </a:pPr>
+                      <a:r>
+                        <a:rPr lang="en-GB" sz="1400" b="1"/>
+                        <a:t>Rate &amp; Abuse Control</a:t>
+                      </a:r>
+                      <a:endParaRPr lang="en-GB" sz="1400"/>
+                    </a:p>
+                  </a:txBody>
+                  <a:tcPr marL="58018" marR="58018" marT="29009" marB="29009" anchor="ctr"/>
+                </a:tc>
+                <a:tc>
+                  <a:txBody>
+                    <a:bodyPr/>
+                    <a:lstStyle/>
+                    <a:p>
+                      <a:pPr>
+                        <a:buNone/>
+                      </a:pPr>
+                      <a:r>
+                        <a:rPr lang="en-US" sz="1400"/>
+                        <a:t>Prevent spam or automated misuse</a:t>
+                      </a:r>
+                    </a:p>
+                  </a:txBody>
+                  <a:tcPr marL="58018" marR="58018" marT="29009" marB="29009" anchor="ctr"/>
+                </a:tc>
+                <a:tc>
+                  <a:txBody>
+                    <a:bodyPr/>
+                    <a:lstStyle/>
+                    <a:p>
+                      <a:pPr>
+                        <a:buNone/>
+                      </a:pPr>
+                      <a:r>
+                        <a:rPr lang="en-GB" sz="1400"/>
+                        <a:t>Throttling, user authentication</a:t>
+                      </a:r>
+                    </a:p>
+                  </a:txBody>
+                  <a:tcPr marL="58018" marR="58018" marT="29009" marB="29009" anchor="ctr"/>
+                </a:tc>
+                <a:extLst>
+                  <a:ext uri="{0D108BD9-81ED-4DB2-BD59-A6C34878D82A}">
+                    <a16:rowId xmlns:a16="http://schemas.microsoft.com/office/drawing/2014/main" val="392245731"/>
+                  </a:ext>
+                </a:extLst>
+              </a:tr>
+              <a:tr h="269018">
+                <a:tc>
+                  <a:txBody>
+                    <a:bodyPr/>
+                    <a:lstStyle/>
+                    <a:p>
+                      <a:pPr>
+                        <a:buNone/>
+                      </a:pPr>
+                      <a:r>
+                        <a:rPr lang="en-GB" sz="1400" b="1"/>
+                        <a:t>Content Policy Enforcement</a:t>
+                      </a:r>
+                      <a:endParaRPr lang="en-GB" sz="1400"/>
+                    </a:p>
+                  </a:txBody>
+                  <a:tcPr marL="58018" marR="58018" marT="29009" marB="29009" anchor="ctr"/>
+                </a:tc>
+                <a:tc>
+                  <a:txBody>
+                    <a:bodyPr/>
+                    <a:lstStyle/>
+                    <a:p>
+                      <a:pPr>
+                        <a:buNone/>
+                      </a:pPr>
+                      <a:r>
+                        <a:rPr lang="en-US" sz="1400"/>
+                        <a:t>Ensure model answers follow rules</a:t>
+                      </a:r>
+                    </a:p>
+                  </a:txBody>
+                  <a:tcPr marL="58018" marR="58018" marT="29009" marB="29009" anchor="ctr"/>
+                </a:tc>
+                <a:tc>
+                  <a:txBody>
+                    <a:bodyPr/>
+                    <a:lstStyle/>
+                    <a:p>
+                      <a:pPr>
+                        <a:buNone/>
+                      </a:pPr>
+                      <a:r>
+                        <a:rPr lang="en-GB" sz="1400"/>
+                        <a:t>Safety, factuality, privacy constraints</a:t>
+                      </a:r>
+                    </a:p>
+                  </a:txBody>
+                  <a:tcPr marL="58018" marR="58018" marT="29009" marB="29009" anchor="ctr"/>
+                </a:tc>
+                <a:extLst>
+                  <a:ext uri="{0D108BD9-81ED-4DB2-BD59-A6C34878D82A}">
+                    <a16:rowId xmlns:a16="http://schemas.microsoft.com/office/drawing/2014/main" val="4235607586"/>
+                  </a:ext>
+                </a:extLst>
+              </a:tr>
+              <a:tr h="269018">
+                <a:tc>
+                  <a:txBody>
+                    <a:bodyPr/>
+                    <a:lstStyle/>
+                    <a:p>
+                      <a:pPr>
+                        <a:buNone/>
+                      </a:pPr>
+                      <a:r>
+                        <a:rPr lang="en-GB" sz="1400" b="1"/>
+                        <a:t>Hallucination Reduction</a:t>
+                      </a:r>
+                      <a:endParaRPr lang="en-GB" sz="1400"/>
+                    </a:p>
+                  </a:txBody>
+                  <a:tcPr marL="58018" marR="58018" marT="29009" marB="29009" anchor="ctr"/>
+                </a:tc>
+                <a:tc>
+                  <a:txBody>
+                    <a:bodyPr/>
+                    <a:lstStyle/>
+                    <a:p>
+                      <a:pPr>
+                        <a:buNone/>
+                      </a:pPr>
+                      <a:r>
+                        <a:rPr lang="en-US" sz="1400"/>
+                        <a:t>Prevent LLM from making up facts</a:t>
+                      </a:r>
+                    </a:p>
+                  </a:txBody>
+                  <a:tcPr marL="58018" marR="58018" marT="29009" marB="29009" anchor="ctr"/>
+                </a:tc>
+                <a:tc>
+                  <a:txBody>
+                    <a:bodyPr/>
+                    <a:lstStyle/>
+                    <a:p>
+                      <a:pPr>
+                        <a:buNone/>
+                      </a:pPr>
+                      <a:r>
+                        <a:rPr lang="en-US" sz="1400"/>
+                        <a:t>Use retrieval-only answers; citations required</a:t>
+                      </a:r>
+                    </a:p>
+                  </a:txBody>
+                  <a:tcPr marL="58018" marR="58018" marT="29009" marB="29009" anchor="ctr"/>
+                </a:tc>
+                <a:extLst>
+                  <a:ext uri="{0D108BD9-81ED-4DB2-BD59-A6C34878D82A}">
+                    <a16:rowId xmlns:a16="http://schemas.microsoft.com/office/drawing/2014/main" val="4238350047"/>
+                  </a:ext>
+                </a:extLst>
+              </a:tr>
+              <a:tr h="269018">
+                <a:tc>
+                  <a:txBody>
+                    <a:bodyPr/>
+                    <a:lstStyle/>
+                    <a:p>
+                      <a:pPr>
+                        <a:buNone/>
+                      </a:pPr>
+                      <a:r>
+                        <a:rPr lang="en-GB" sz="1400" b="1"/>
+                        <a:t>Business-Logic Guardrails</a:t>
+                      </a:r>
+                      <a:endParaRPr lang="en-GB" sz="1400"/>
+                    </a:p>
+                  </a:txBody>
+                  <a:tcPr marL="58018" marR="58018" marT="29009" marB="29009" anchor="ctr"/>
+                </a:tc>
+                <a:tc>
+                  <a:txBody>
+                    <a:bodyPr/>
+                    <a:lstStyle/>
+                    <a:p>
+                      <a:pPr>
+                        <a:buNone/>
+                      </a:pPr>
+                      <a:r>
+                        <a:rPr lang="en-GB" sz="1400"/>
+                        <a:t>Enforce domain rules</a:t>
+                      </a:r>
+                    </a:p>
+                  </a:txBody>
+                  <a:tcPr marL="58018" marR="58018" marT="29009" marB="29009" anchor="ctr"/>
+                </a:tc>
+                <a:tc>
+                  <a:txBody>
+                    <a:bodyPr/>
+                    <a:lstStyle/>
+                    <a:p>
+                      <a:pPr>
+                        <a:buNone/>
+                      </a:pPr>
+                      <a:r>
+                        <a:rPr lang="en-US" sz="1400" dirty="0"/>
+                        <a:t>“Don’t show pricing for unlaunched products”</a:t>
+                      </a:r>
+                    </a:p>
+                  </a:txBody>
+                  <a:tcPr marL="58018" marR="58018" marT="29009" marB="29009" anchor="ctr"/>
+                </a:tc>
+                <a:extLst>
+                  <a:ext uri="{0D108BD9-81ED-4DB2-BD59-A6C34878D82A}">
+                    <a16:rowId xmlns:a16="http://schemas.microsoft.com/office/drawing/2014/main" val="3814944562"/>
+                  </a:ext>
+                </a:extLst>
+              </a:tr>
+            </a:tbl>
+          </a:graphicData>
+        </a:graphic>
+      </p:graphicFrame>
+    </p:spTree>
+    <p:extLst>
+      <p:ext uri="{BB962C8B-B14F-4D97-AF65-F5344CB8AC3E}">
+        <p14:creationId xmlns:p14="http://schemas.microsoft.com/office/powerpoint/2010/main" val="4131919122"/>
       </p:ext>
     </p:extLst>
   </p:cSld>
